--- a/2020 11 tanggal 6 Jumat Pertama/Slide Misa Jumat Pertama.pptx
+++ b/2020 11 tanggal 6 Jumat Pertama/Slide Misa Jumat Pertama.pptx
@@ -2,7 +2,7 @@
 <file path=ppt/presentation.xml><?xml version="1.0" encoding="utf-8"?>
 <p:presentation xmlns:a="http://schemas.openxmlformats.org/drawingml/2006/main" xmlns:r="http://schemas.openxmlformats.org/officeDocument/2006/relationships" xmlns:p="http://schemas.openxmlformats.org/presentationml/2006/main" autoCompressPictures="0">
   <p:sldMasterIdLst>
-    <p:sldMasterId id="2147483804" r:id="rId1"/>
+    <p:sldMasterId id="2147483872" r:id="rId1"/>
   </p:sldMasterIdLst>
   <p:notesMasterIdLst>
     <p:notesMasterId r:id="rId57"/>
@@ -358,7 +358,7 @@
           <a:p>
             <a:fld id="{965E08D6-E182-42B3-A639-C8E1FB8CA00B}" type="datetimeFigureOut">
               <a:rPr lang="en-US" smtClean="0"/>
-              <a:t>11/6/2020</a:t>
+              <a:t>12/4/2020</a:t>
             </a:fld>
             <a:endParaRPr lang="en-US"/>
           </a:p>
@@ -1131,7 +1131,7 @@
 </file>
 
 <file path=ppt/slideLayouts/slideLayout1.xml><?xml version="1.0" encoding="utf-8"?>
-<p:sldLayout xmlns:a="http://schemas.openxmlformats.org/drawingml/2006/main" xmlns:r="http://schemas.openxmlformats.org/officeDocument/2006/relationships" xmlns:p="http://schemas.openxmlformats.org/presentationml/2006/main" type="title" preserve="1">
+<p:sldLayout xmlns:a="http://schemas.openxmlformats.org/drawingml/2006/main" xmlns:r="http://schemas.openxmlformats.org/officeDocument/2006/relationships" xmlns:p="http://schemas.openxmlformats.org/presentationml/2006/main" showMasterSp="0" type="title" preserve="1">
   <p:cSld name="Title Slide">
     <p:spTree>
       <p:nvGrpSpPr>
@@ -1159,8 +1159,8 @@
         </p:nvSpPr>
         <p:spPr>
           <a:xfrm>
-            <a:off x="1751012" y="609601"/>
-            <a:ext cx="8676222" cy="3200400"/>
+            <a:off x="684212" y="685799"/>
+            <a:ext cx="8001000" cy="2971801"/>
           </a:xfrm>
         </p:spPr>
         <p:txBody>
@@ -1168,28 +1168,15 @@
             <a:normAutofit/>
           </a:bodyPr>
           <a:lstStyle>
-            <a:lvl1pPr algn="ctr">
+            <a:lvl1pPr algn="l">
               <a:defRPr sz="4800">
-                <a:effectLst>
-                  <a:glow rad="38100">
-                    <a:schemeClr val="bg1">
-                      <a:lumMod val="65000"/>
-                      <a:lumOff val="35000"/>
-                      <a:alpha val="50000"/>
-                    </a:schemeClr>
-                  </a:glow>
-                  <a:outerShdw blurRad="28575" dist="31750" dir="13200000" algn="tl" rotWithShape="0">
-                    <a:srgbClr val="000000">
-                      <a:alpha val="25000"/>
-                    </a:srgbClr>
-                  </a:outerShdw>
-                </a:effectLst>
+                <a:effectLst/>
               </a:defRPr>
             </a:lvl1pPr>
           </a:lstStyle>
           <a:p>
             <a:r>
-              <a:rPr lang="en-US"/>
+              <a:rPr lang="en-US" smtClean="0"/>
               <a:t>Click to edit Master title style</a:t>
             </a:r>
             <a:endParaRPr lang="en-US" dirty="0"/>
@@ -1208,8 +1195,8 @@
         </p:nvSpPr>
         <p:spPr>
           <a:xfrm>
-            <a:off x="1751012" y="3886200"/>
-            <a:ext cx="8676222" cy="1905000"/>
+            <a:off x="684212" y="3843867"/>
+            <a:ext cx="6400800" cy="1947333"/>
           </a:xfrm>
         </p:spPr>
         <p:txBody>
@@ -1217,11 +1204,13 @@
             <a:normAutofit/>
           </a:bodyPr>
           <a:lstStyle>
-            <a:lvl1pPr marL="0" indent="0" algn="ctr">
+            <a:lvl1pPr marL="0" indent="0" algn="l">
               <a:buNone/>
               <a:defRPr sz="2100">
                 <a:solidFill>
-                  <a:schemeClr val="tx1"/>
+                  <a:schemeClr val="bg2">
+                    <a:lumMod val="75000"/>
+                  </a:schemeClr>
                 </a:solidFill>
               </a:defRPr>
             </a:lvl1pPr>
@@ -1308,7 +1297,7 @@
           </a:lstStyle>
           <a:p>
             <a:r>
-              <a:rPr lang="en-US"/>
+              <a:rPr lang="en-US" smtClean="0"/>
               <a:t>Click to edit Master subtitle style</a:t>
             </a:r>
             <a:endParaRPr lang="en-US" dirty="0"/>
@@ -1333,7 +1322,7 @@
             <a:fld id="{B61BEF0D-F0BB-DE4B-95CE-6DB70DBA9567}" type="datetimeFigureOut">
               <a:rPr lang="en-US" smtClean="0"/>
               <a:pPr/>
-              <a:t>11/6/2020</a:t>
+              <a:t>12/4/2020</a:t>
             </a:fld>
             <a:endParaRPr lang="en-US" dirty="0"/>
           </a:p>
@@ -1382,10 +1371,185 @@
           </a:p>
         </p:txBody>
       </p:sp>
+      <p:cxnSp>
+        <p:nvCxnSpPr>
+          <p:cNvPr id="16" name="Straight Connector 15"/>
+          <p:cNvCxnSpPr/>
+          <p:nvPr/>
+        </p:nvCxnSpPr>
+        <p:spPr>
+          <a:xfrm flipH="1">
+            <a:off x="8228012" y="8467"/>
+            <a:ext cx="3810000" cy="3810000"/>
+          </a:xfrm>
+          <a:prstGeom prst="line">
+            <a:avLst/>
+          </a:prstGeom>
+          <a:ln w="12700">
+            <a:solidFill>
+              <a:schemeClr val="tx1"/>
+            </a:solidFill>
+          </a:ln>
+        </p:spPr>
+        <p:style>
+          <a:lnRef idx="2">
+            <a:schemeClr val="accent1"/>
+          </a:lnRef>
+          <a:fillRef idx="0">
+            <a:schemeClr val="accent1"/>
+          </a:fillRef>
+          <a:effectRef idx="1">
+            <a:schemeClr val="accent1"/>
+          </a:effectRef>
+          <a:fontRef idx="minor">
+            <a:schemeClr val="tx1"/>
+          </a:fontRef>
+        </p:style>
+      </p:cxnSp>
+      <p:cxnSp>
+        <p:nvCxnSpPr>
+          <p:cNvPr id="17" name="Straight Connector 16"/>
+          <p:cNvCxnSpPr/>
+          <p:nvPr/>
+        </p:nvCxnSpPr>
+        <p:spPr>
+          <a:xfrm flipH="1">
+            <a:off x="6108170" y="91545"/>
+            <a:ext cx="6080655" cy="6080655"/>
+          </a:xfrm>
+          <a:prstGeom prst="line">
+            <a:avLst/>
+          </a:prstGeom>
+          <a:ln w="12700">
+            <a:solidFill>
+              <a:schemeClr val="tx1"/>
+            </a:solidFill>
+          </a:ln>
+        </p:spPr>
+        <p:style>
+          <a:lnRef idx="2">
+            <a:schemeClr val="accent1"/>
+          </a:lnRef>
+          <a:fillRef idx="0">
+            <a:schemeClr val="accent1"/>
+          </a:fillRef>
+          <a:effectRef idx="1">
+            <a:schemeClr val="accent1"/>
+          </a:effectRef>
+          <a:fontRef idx="minor">
+            <a:schemeClr val="tx1"/>
+          </a:fontRef>
+        </p:style>
+      </p:cxnSp>
+      <p:cxnSp>
+        <p:nvCxnSpPr>
+          <p:cNvPr id="19" name="Straight Connector 18"/>
+          <p:cNvCxnSpPr/>
+          <p:nvPr/>
+        </p:nvCxnSpPr>
+        <p:spPr>
+          <a:xfrm flipH="1">
+            <a:off x="7235825" y="228600"/>
+            <a:ext cx="4953000" cy="4953000"/>
+          </a:xfrm>
+          <a:prstGeom prst="line">
+            <a:avLst/>
+          </a:prstGeom>
+          <a:ln w="12700">
+            <a:solidFill>
+              <a:schemeClr val="tx1"/>
+            </a:solidFill>
+          </a:ln>
+        </p:spPr>
+        <p:style>
+          <a:lnRef idx="2">
+            <a:schemeClr val="accent1"/>
+          </a:lnRef>
+          <a:fillRef idx="0">
+            <a:schemeClr val="accent1"/>
+          </a:fillRef>
+          <a:effectRef idx="1">
+            <a:schemeClr val="accent1"/>
+          </a:effectRef>
+          <a:fontRef idx="minor">
+            <a:schemeClr val="tx1"/>
+          </a:fontRef>
+        </p:style>
+      </p:cxnSp>
+      <p:cxnSp>
+        <p:nvCxnSpPr>
+          <p:cNvPr id="21" name="Straight Connector 20"/>
+          <p:cNvCxnSpPr/>
+          <p:nvPr/>
+        </p:nvCxnSpPr>
+        <p:spPr>
+          <a:xfrm flipH="1">
+            <a:off x="7335837" y="32278"/>
+            <a:ext cx="4852989" cy="4852989"/>
+          </a:xfrm>
+          <a:prstGeom prst="line">
+            <a:avLst/>
+          </a:prstGeom>
+          <a:ln w="31750">
+            <a:solidFill>
+              <a:schemeClr val="tx1"/>
+            </a:solidFill>
+          </a:ln>
+        </p:spPr>
+        <p:style>
+          <a:lnRef idx="2">
+            <a:schemeClr val="accent1"/>
+          </a:lnRef>
+          <a:fillRef idx="0">
+            <a:schemeClr val="accent1"/>
+          </a:fillRef>
+          <a:effectRef idx="1">
+            <a:schemeClr val="accent1"/>
+          </a:effectRef>
+          <a:fontRef idx="minor">
+            <a:schemeClr val="tx1"/>
+          </a:fontRef>
+        </p:style>
+      </p:cxnSp>
+      <p:cxnSp>
+        <p:nvCxnSpPr>
+          <p:cNvPr id="23" name="Straight Connector 22"/>
+          <p:cNvCxnSpPr/>
+          <p:nvPr/>
+        </p:nvCxnSpPr>
+        <p:spPr>
+          <a:xfrm flipH="1">
+            <a:off x="7845426" y="609601"/>
+            <a:ext cx="4343399" cy="4343399"/>
+          </a:xfrm>
+          <a:prstGeom prst="line">
+            <a:avLst/>
+          </a:prstGeom>
+          <a:ln w="31750">
+            <a:solidFill>
+              <a:schemeClr val="tx1"/>
+            </a:solidFill>
+          </a:ln>
+        </p:spPr>
+        <p:style>
+          <a:lnRef idx="2">
+            <a:schemeClr val="accent1"/>
+          </a:lnRef>
+          <a:fillRef idx="0">
+            <a:schemeClr val="accent1"/>
+          </a:fillRef>
+          <a:effectRef idx="1">
+            <a:schemeClr val="accent1"/>
+          </a:effectRef>
+          <a:fontRef idx="minor">
+            <a:schemeClr val="tx1"/>
+          </a:fontRef>
+        </p:style>
+      </p:cxnSp>
     </p:spTree>
     <p:extLst>
       <p:ext uri="{BB962C8B-B14F-4D97-AF65-F5344CB8AC3E}">
-        <p14:creationId xmlns:p14="http://schemas.microsoft.com/office/powerpoint/2010/main" val="2024976487"/>
+        <p14:creationId xmlns:p14="http://schemas.microsoft.com/office/powerpoint/2010/main" val="3510568370"/>
       </p:ext>
     </p:extLst>
   </p:cSld>
@@ -1422,24 +1586,13 @@
             <p:ph type="title"/>
           </p:nvPr>
         </p:nvSpPr>
-        <p:spPr>
-          <a:xfrm>
-            <a:off x="1141413" y="4732865"/>
-            <a:ext cx="9906000" cy="566738"/>
-          </a:xfrm>
-        </p:spPr>
+        <p:spPr/>
         <p:txBody>
-          <a:bodyPr anchor="b">
-            <a:normAutofit/>
-          </a:bodyPr>
-          <a:lstStyle>
-            <a:lvl1pPr algn="l">
-              <a:defRPr sz="2400" b="0"/>
-            </a:lvl1pPr>
-          </a:lstStyle>
-          <a:p>
-            <a:r>
-              <a:rPr lang="en-US"/>
+          <a:bodyPr/>
+          <a:lstStyle/>
+          <a:p>
+            <a:r>
+              <a:rPr lang="en-US" smtClean="0"/>
               <a:t>Click to edit Master title style</a:t>
             </a:r>
             <a:endParaRPr lang="en-US" dirty="0"/>
@@ -1448,39 +1601,31 @@
       </p:sp>
       <p:sp>
         <p:nvSpPr>
-          <p:cNvPr id="3" name="Picture Placeholder 2"/>
+          <p:cNvPr id="17" name="Picture Placeholder 2"/>
           <p:cNvSpPr>
             <a:spLocks noGrp="1" noChangeAspect="1"/>
           </p:cNvSpPr>
           <p:nvPr>
-            <p:ph type="pic" idx="1"/>
+            <p:ph type="pic" idx="13"/>
           </p:nvPr>
         </p:nvSpPr>
         <p:spPr>
           <a:xfrm>
-            <a:off x="1979612" y="932112"/>
-            <a:ext cx="8225944" cy="3164976"/>
+            <a:off x="685800" y="533400"/>
+            <a:ext cx="10818812" cy="3124200"/>
           </a:xfrm>
-          <a:prstGeom prst="roundRect">
+          <a:prstGeom prst="snip2DiagRect">
             <a:avLst>
-              <a:gd name="adj" fmla="val 4380"/>
+              <a:gd name="adj1" fmla="val 10815"/>
+              <a:gd name="adj2" fmla="val 0"/>
             </a:avLst>
           </a:prstGeom>
-          <a:ln w="38100">
-            <a:gradFill flip="none" rotWithShape="1">
-              <a:gsLst>
-                <a:gs pos="0">
-                  <a:schemeClr val="bg2"/>
-                </a:gs>
-                <a:gs pos="100000">
-                  <a:schemeClr val="bg2">
-                    <a:lumMod val="75000"/>
-                  </a:schemeClr>
-                </a:gs>
-              </a:gsLst>
-              <a:lin ang="5400000" scaled="0"/>
-              <a:tileRect/>
-            </a:gradFill>
+          <a:ln w="15875">
+            <a:solidFill>
+              <a:schemeClr val="tx1">
+                <a:alpha val="40000"/>
+              </a:schemeClr>
+            </a:solidFill>
           </a:ln>
           <a:effectLst>
             <a:innerShdw blurRad="57150" dist="38100" dir="14460000">
@@ -1534,7 +1679,7 @@
           </a:lstStyle>
           <a:p>
             <a:r>
-              <a:rPr lang="en-US"/>
+              <a:rPr lang="en-US" smtClean="0"/>
               <a:t>Click icon to add picture</a:t>
             </a:r>
             <a:endParaRPr lang="en-US" dirty="0"/>
@@ -1543,66 +1688,55 @@
       </p:sp>
       <p:sp>
         <p:nvSpPr>
-          <p:cNvPr id="4" name="Text Placeholder 3"/>
+          <p:cNvPr id="16" name="Text Placeholder 9"/>
           <p:cNvSpPr>
             <a:spLocks noGrp="1"/>
           </p:cNvSpPr>
           <p:nvPr>
-            <p:ph type="body" sz="half" idx="2"/>
+            <p:ph type="body" sz="quarter" idx="14"/>
           </p:nvPr>
         </p:nvSpPr>
         <p:spPr>
           <a:xfrm>
-            <a:off x="1141413" y="5299603"/>
-            <a:ext cx="9906000" cy="493712"/>
+            <a:off x="914402" y="3843867"/>
+            <a:ext cx="8304210" cy="457200"/>
           </a:xfrm>
         </p:spPr>
         <p:txBody>
-          <a:bodyPr>
+          <a:bodyPr anchor="t">
             <a:normAutofit/>
           </a:bodyPr>
           <a:lstStyle>
             <a:lvl1pPr marL="0" indent="0">
-              <a:buNone/>
-              <a:defRPr sz="1400"/>
+              <a:buFontTx/>
+              <a:buNone/>
+              <a:defRPr sz="1600"/>
             </a:lvl1pPr>
             <a:lvl2pPr marL="457200" indent="0">
-              <a:buNone/>
-              <a:defRPr sz="1200"/>
+              <a:buFontTx/>
+              <a:buNone/>
+              <a:defRPr/>
             </a:lvl2pPr>
             <a:lvl3pPr marL="914400" indent="0">
-              <a:buNone/>
-              <a:defRPr sz="1000"/>
+              <a:buFontTx/>
+              <a:buNone/>
+              <a:defRPr/>
             </a:lvl3pPr>
             <a:lvl4pPr marL="1371600" indent="0">
-              <a:buNone/>
-              <a:defRPr sz="900"/>
+              <a:buFontTx/>
+              <a:buNone/>
+              <a:defRPr/>
             </a:lvl4pPr>
             <a:lvl5pPr marL="1828800" indent="0">
-              <a:buNone/>
-              <a:defRPr sz="900"/>
+              <a:buFontTx/>
+              <a:buNone/>
+              <a:defRPr/>
             </a:lvl5pPr>
-            <a:lvl6pPr marL="2286000" indent="0">
-              <a:buNone/>
-              <a:defRPr sz="900"/>
-            </a:lvl6pPr>
-            <a:lvl7pPr marL="2743200" indent="0">
-              <a:buNone/>
-              <a:defRPr sz="900"/>
-            </a:lvl7pPr>
-            <a:lvl8pPr marL="3200400" indent="0">
-              <a:buNone/>
-              <a:defRPr sz="900"/>
-            </a:lvl8pPr>
-            <a:lvl9pPr marL="3657600" indent="0">
-              <a:buNone/>
-              <a:defRPr sz="900"/>
-            </a:lvl9pPr>
           </a:lstStyle>
           <a:p>
             <a:pPr lvl="0"/>
             <a:r>
-              <a:rPr lang="en-US"/>
+              <a:rPr lang="en-US" smtClean="0"/>
               <a:t>Click to edit Master text styles</a:t>
             </a:r>
           </a:p>
@@ -1610,7 +1744,7 @@
       </p:sp>
       <p:sp>
         <p:nvSpPr>
-          <p:cNvPr id="5" name="Date Placeholder 4"/>
+          <p:cNvPr id="3" name="Date Placeholder 2"/>
           <p:cNvSpPr>
             <a:spLocks noGrp="1"/>
           </p:cNvSpPr>
@@ -1626,7 +1760,7 @@
             <a:fld id="{B61BEF0D-F0BB-DE4B-95CE-6DB70DBA9567}" type="datetimeFigureOut">
               <a:rPr lang="en-US" smtClean="0"/>
               <a:pPr/>
-              <a:t>11/6/2020</a:t>
+              <a:t>12/4/2020</a:t>
             </a:fld>
             <a:endParaRPr lang="en-US" dirty="0"/>
           </a:p>
@@ -1634,7 +1768,7 @@
       </p:sp>
       <p:sp>
         <p:nvSpPr>
-          <p:cNvPr id="6" name="Footer Placeholder 5"/>
+          <p:cNvPr id="4" name="Footer Placeholder 3"/>
           <p:cNvSpPr>
             <a:spLocks noGrp="1"/>
           </p:cNvSpPr>
@@ -1653,7 +1787,7 @@
       </p:sp>
       <p:sp>
         <p:nvSpPr>
-          <p:cNvPr id="7" name="Slide Number Placeholder 6"/>
+          <p:cNvPr id="5" name="Slide Number Placeholder 4"/>
           <p:cNvSpPr>
             <a:spLocks noGrp="1"/>
           </p:cNvSpPr>
@@ -1678,7 +1812,7 @@
     </p:spTree>
     <p:extLst>
       <p:ext uri="{BB962C8B-B14F-4D97-AF65-F5344CB8AC3E}">
-        <p14:creationId xmlns:p14="http://schemas.microsoft.com/office/powerpoint/2010/main" val="3304794340"/>
+        <p14:creationId xmlns:p14="http://schemas.microsoft.com/office/powerpoint/2010/main" val="3340061347"/>
       </p:ext>
     </p:extLst>
   </p:cSld>
@@ -1717,8 +1851,8 @@
         </p:nvSpPr>
         <p:spPr>
           <a:xfrm>
-            <a:off x="1141412" y="609601"/>
-            <a:ext cx="9905999" cy="3124199"/>
+            <a:off x="684213" y="685800"/>
+            <a:ext cx="10058400" cy="2743200"/>
           </a:xfrm>
         </p:spPr>
         <p:txBody>
@@ -1732,7 +1866,7 @@
           </a:lstStyle>
           <a:p>
             <a:r>
-              <a:rPr lang="en-US"/>
+              <a:rPr lang="en-US" smtClean="0"/>
               <a:t>Click to edit Master title style</a:t>
             </a:r>
             <a:endParaRPr lang="en-US" dirty="0"/>
@@ -1751,8 +1885,8 @@
         </p:nvSpPr>
         <p:spPr>
           <a:xfrm>
-            <a:off x="1141411" y="4343400"/>
-            <a:ext cx="9906000" cy="1447800"/>
+            <a:off x="684212" y="4114800"/>
+            <a:ext cx="8535988" cy="1879600"/>
           </a:xfrm>
         </p:spPr>
         <p:txBody>
@@ -1764,7 +1898,9 @@
               <a:buNone/>
               <a:defRPr sz="2000">
                 <a:solidFill>
-                  <a:schemeClr val="tx1"/>
+                  <a:schemeClr val="bg2">
+                    <a:lumMod val="75000"/>
+                  </a:schemeClr>
                 </a:solidFill>
               </a:defRPr>
             </a:lvl1pPr>
@@ -1852,7 +1988,7 @@
           <a:p>
             <a:pPr lvl="0"/>
             <a:r>
-              <a:rPr lang="en-US"/>
+              <a:rPr lang="en-US" smtClean="0"/>
               <a:t>Click to edit Master text styles</a:t>
             </a:r>
           </a:p>
@@ -1876,7 +2012,7 @@
             <a:fld id="{B61BEF0D-F0BB-DE4B-95CE-6DB70DBA9567}" type="datetimeFigureOut">
               <a:rPr lang="en-US" smtClean="0"/>
               <a:pPr/>
-              <a:t>11/6/2020</a:t>
+              <a:t>12/4/2020</a:t>
             </a:fld>
             <a:endParaRPr lang="en-US" dirty="0"/>
           </a:p>
@@ -1928,7 +2064,7 @@
     </p:spTree>
     <p:extLst>
       <p:ext uri="{BB962C8B-B14F-4D97-AF65-F5344CB8AC3E}">
-        <p14:creationId xmlns:p14="http://schemas.microsoft.com/office/powerpoint/2010/main" val="1316322032"/>
+        <p14:creationId xmlns:p14="http://schemas.microsoft.com/office/powerpoint/2010/main" val="2562587851"/>
       </p:ext>
     </p:extLst>
   </p:cSld>
@@ -1957,13 +2093,293 @@
       </p:grpSpPr>
       <p:sp>
         <p:nvSpPr>
+          <p:cNvPr id="2" name="Title 1"/>
+          <p:cNvSpPr>
+            <a:spLocks noGrp="1"/>
+          </p:cNvSpPr>
+          <p:nvPr>
+            <p:ph type="title"/>
+          </p:nvPr>
+        </p:nvSpPr>
+        <p:spPr>
+          <a:xfrm>
+            <a:off x="1141411" y="685800"/>
+            <a:ext cx="9144001" cy="2743200"/>
+          </a:xfrm>
+        </p:spPr>
+        <p:txBody>
+          <a:bodyPr anchor="ctr">
+            <a:normAutofit/>
+          </a:bodyPr>
+          <a:lstStyle>
+            <a:lvl1pPr algn="l">
+              <a:defRPr sz="3200" b="0" cap="all">
+                <a:solidFill>
+                  <a:schemeClr val="tx1"/>
+                </a:solidFill>
+              </a:defRPr>
+            </a:lvl1pPr>
+          </a:lstStyle>
+          <a:p>
+            <a:r>
+              <a:rPr lang="en-US" smtClean="0"/>
+              <a:t>Click to edit Master title style</a:t>
+            </a:r>
+            <a:endParaRPr lang="en-US" dirty="0"/>
+          </a:p>
+        </p:txBody>
+      </p:sp>
+      <p:sp>
+        <p:nvSpPr>
+          <p:cNvPr id="10" name="Text Placeholder 9"/>
+          <p:cNvSpPr>
+            <a:spLocks noGrp="1"/>
+          </p:cNvSpPr>
+          <p:nvPr>
+            <p:ph type="body" sz="quarter" idx="13"/>
+          </p:nvPr>
+        </p:nvSpPr>
+        <p:spPr>
+          <a:xfrm>
+            <a:off x="1446212" y="3429000"/>
+            <a:ext cx="8534400" cy="381000"/>
+          </a:xfrm>
+        </p:spPr>
+        <p:txBody>
+          <a:bodyPr anchor="ctr"/>
+          <a:lstStyle>
+            <a:lvl1pPr marL="0" indent="0">
+              <a:buFontTx/>
+              <a:buNone/>
+              <a:defRPr/>
+            </a:lvl1pPr>
+            <a:lvl2pPr marL="457200" indent="0">
+              <a:buFontTx/>
+              <a:buNone/>
+              <a:defRPr/>
+            </a:lvl2pPr>
+            <a:lvl3pPr marL="914400" indent="0">
+              <a:buFontTx/>
+              <a:buNone/>
+              <a:defRPr/>
+            </a:lvl3pPr>
+            <a:lvl4pPr marL="1371600" indent="0">
+              <a:buFontTx/>
+              <a:buNone/>
+              <a:defRPr/>
+            </a:lvl4pPr>
+            <a:lvl5pPr marL="1828800" indent="0">
+              <a:buFontTx/>
+              <a:buNone/>
+              <a:defRPr/>
+            </a:lvl5pPr>
+          </a:lstStyle>
+          <a:p>
+            <a:pPr lvl="0"/>
+            <a:r>
+              <a:rPr lang="en-US" smtClean="0"/>
+              <a:t>Click to edit Master text styles</a:t>
+            </a:r>
+          </a:p>
+        </p:txBody>
+      </p:sp>
+      <p:sp>
+        <p:nvSpPr>
+          <p:cNvPr id="3" name="Text Placeholder 2"/>
+          <p:cNvSpPr>
+            <a:spLocks noGrp="1"/>
+          </p:cNvSpPr>
+          <p:nvPr>
+            <p:ph type="body" idx="1"/>
+          </p:nvPr>
+        </p:nvSpPr>
+        <p:spPr>
+          <a:xfrm>
+            <a:off x="684213" y="4301067"/>
+            <a:ext cx="8534400" cy="1684865"/>
+          </a:xfrm>
+        </p:spPr>
+        <p:txBody>
+          <a:bodyPr anchor="ctr">
+            <a:normAutofit/>
+          </a:bodyPr>
+          <a:lstStyle>
+            <a:lvl1pPr marL="0" indent="0" algn="l">
+              <a:buNone/>
+              <a:defRPr sz="2000">
+                <a:solidFill>
+                  <a:schemeClr val="bg2">
+                    <a:lumMod val="75000"/>
+                  </a:schemeClr>
+                </a:solidFill>
+              </a:defRPr>
+            </a:lvl1pPr>
+            <a:lvl2pPr marL="457200" indent="0">
+              <a:buNone/>
+              <a:defRPr sz="1800">
+                <a:solidFill>
+                  <a:schemeClr val="tx1">
+                    <a:tint val="75000"/>
+                  </a:schemeClr>
+                </a:solidFill>
+              </a:defRPr>
+            </a:lvl2pPr>
+            <a:lvl3pPr marL="914400" indent="0">
+              <a:buNone/>
+              <a:defRPr sz="1600">
+                <a:solidFill>
+                  <a:schemeClr val="tx1">
+                    <a:tint val="75000"/>
+                  </a:schemeClr>
+                </a:solidFill>
+              </a:defRPr>
+            </a:lvl3pPr>
+            <a:lvl4pPr marL="1371600" indent="0">
+              <a:buNone/>
+              <a:defRPr sz="1400">
+                <a:solidFill>
+                  <a:schemeClr val="tx1">
+                    <a:tint val="75000"/>
+                  </a:schemeClr>
+                </a:solidFill>
+              </a:defRPr>
+            </a:lvl4pPr>
+            <a:lvl5pPr marL="1828800" indent="0">
+              <a:buNone/>
+              <a:defRPr sz="1400">
+                <a:solidFill>
+                  <a:schemeClr val="tx1">
+                    <a:tint val="75000"/>
+                  </a:schemeClr>
+                </a:solidFill>
+              </a:defRPr>
+            </a:lvl5pPr>
+            <a:lvl6pPr marL="2286000" indent="0">
+              <a:buNone/>
+              <a:defRPr sz="1400">
+                <a:solidFill>
+                  <a:schemeClr val="tx1">
+                    <a:tint val="75000"/>
+                  </a:schemeClr>
+                </a:solidFill>
+              </a:defRPr>
+            </a:lvl6pPr>
+            <a:lvl7pPr marL="2743200" indent="0">
+              <a:buNone/>
+              <a:defRPr sz="1400">
+                <a:solidFill>
+                  <a:schemeClr val="tx1">
+                    <a:tint val="75000"/>
+                  </a:schemeClr>
+                </a:solidFill>
+              </a:defRPr>
+            </a:lvl7pPr>
+            <a:lvl8pPr marL="3200400" indent="0">
+              <a:buNone/>
+              <a:defRPr sz="1400">
+                <a:solidFill>
+                  <a:schemeClr val="tx1">
+                    <a:tint val="75000"/>
+                  </a:schemeClr>
+                </a:solidFill>
+              </a:defRPr>
+            </a:lvl8pPr>
+            <a:lvl9pPr marL="3657600" indent="0">
+              <a:buNone/>
+              <a:defRPr sz="1400">
+                <a:solidFill>
+                  <a:schemeClr val="tx1">
+                    <a:tint val="75000"/>
+                  </a:schemeClr>
+                </a:solidFill>
+              </a:defRPr>
+            </a:lvl9pPr>
+          </a:lstStyle>
+          <a:p>
+            <a:pPr lvl="0"/>
+            <a:r>
+              <a:rPr lang="en-US" smtClean="0"/>
+              <a:t>Click to edit Master text styles</a:t>
+            </a:r>
+          </a:p>
+        </p:txBody>
+      </p:sp>
+      <p:sp>
+        <p:nvSpPr>
+          <p:cNvPr id="4" name="Date Placeholder 3"/>
+          <p:cNvSpPr>
+            <a:spLocks noGrp="1"/>
+          </p:cNvSpPr>
+          <p:nvPr>
+            <p:ph type="dt" sz="half" idx="10"/>
+          </p:nvPr>
+        </p:nvSpPr>
+        <p:spPr/>
+        <p:txBody>
+          <a:bodyPr/>
+          <a:lstStyle/>
+          <a:p>
+            <a:fld id="{B61BEF0D-F0BB-DE4B-95CE-6DB70DBA9567}" type="datetimeFigureOut">
+              <a:rPr lang="en-US" smtClean="0"/>
+              <a:pPr/>
+              <a:t>12/4/2020</a:t>
+            </a:fld>
+            <a:endParaRPr lang="en-US" dirty="0"/>
+          </a:p>
+        </p:txBody>
+      </p:sp>
+      <p:sp>
+        <p:nvSpPr>
+          <p:cNvPr id="5" name="Footer Placeholder 4"/>
+          <p:cNvSpPr>
+            <a:spLocks noGrp="1"/>
+          </p:cNvSpPr>
+          <p:nvPr>
+            <p:ph type="ftr" sz="quarter" idx="11"/>
+          </p:nvPr>
+        </p:nvSpPr>
+        <p:spPr/>
+        <p:txBody>
+          <a:bodyPr/>
+          <a:lstStyle/>
+          <a:p>
+            <a:endParaRPr lang="en-US" dirty="0"/>
+          </a:p>
+        </p:txBody>
+      </p:sp>
+      <p:sp>
+        <p:nvSpPr>
+          <p:cNvPr id="6" name="Slide Number Placeholder 5"/>
+          <p:cNvSpPr>
+            <a:spLocks noGrp="1"/>
+          </p:cNvSpPr>
+          <p:nvPr>
+            <p:ph type="sldNum" sz="quarter" idx="12"/>
+          </p:nvPr>
+        </p:nvSpPr>
+        <p:spPr/>
+        <p:txBody>
+          <a:bodyPr/>
+          <a:lstStyle/>
+          <a:p>
+            <a:fld id="{D57F1E4F-1CFF-5643-939E-217C01CDF565}" type="slidenum">
+              <a:rPr lang="en-US" smtClean="0"/>
+              <a:pPr/>
+              <a:t>‹#›</a:t>
+            </a:fld>
+            <a:endParaRPr lang="en-US" dirty="0"/>
+          </a:p>
+        </p:txBody>
+      </p:sp>
+      <p:sp>
+        <p:nvSpPr>
           <p:cNvPr id="14" name="TextBox 13"/>
           <p:cNvSpPr txBox="1"/>
           <p:nvPr/>
         </p:nvSpPr>
         <p:spPr>
           <a:xfrm>
-            <a:off x="836612" y="786824"/>
+            <a:off x="531812" y="812222"/>
             <a:ext cx="609600" cy="584776"/>
           </a:xfrm>
           <a:prstGeom prst="rect">
@@ -1974,96 +2390,15 @@
           <a:bodyPr vert="horz" lIns="91440" tIns="45720" rIns="91440" bIns="45720" rtlCol="0" anchor="ctr">
             <a:noAutofit/>
           </a:bodyPr>
-          <a:lstStyle>
-            <a:lvl1pPr>
-              <a:spcBef>
-                <a:spcPct val="0"/>
-              </a:spcBef>
-              <a:buNone/>
-              <a:defRPr sz="3200" b="0" cap="all">
-                <a:ln w="3175" cmpd="sng">
-                  <a:noFill/>
-                </a:ln>
-                <a:effectLst>
-                  <a:glow rad="38100">
-                    <a:schemeClr val="bg1">
-                      <a:lumMod val="65000"/>
-                      <a:lumOff val="35000"/>
-                      <a:alpha val="40000"/>
-                    </a:schemeClr>
-                  </a:glow>
-                  <a:outerShdw blurRad="28575" dist="38100" dir="14040000" algn="tl" rotWithShape="0">
-                    <a:srgbClr val="000000">
-                      <a:alpha val="25000"/>
-                    </a:srgbClr>
-                  </a:outerShdw>
-                </a:effectLst>
-              </a:defRPr>
-            </a:lvl1pPr>
-            <a:lvl2pPr>
-              <a:defRPr>
-                <a:solidFill>
-                  <a:schemeClr val="tx2"/>
-                </a:solidFill>
-              </a:defRPr>
-            </a:lvl2pPr>
-            <a:lvl3pPr>
-              <a:defRPr>
-                <a:solidFill>
-                  <a:schemeClr val="tx2"/>
-                </a:solidFill>
-              </a:defRPr>
-            </a:lvl3pPr>
-            <a:lvl4pPr>
-              <a:defRPr>
-                <a:solidFill>
-                  <a:schemeClr val="tx2"/>
-                </a:solidFill>
-              </a:defRPr>
-            </a:lvl4pPr>
-            <a:lvl5pPr>
-              <a:defRPr>
-                <a:solidFill>
-                  <a:schemeClr val="tx2"/>
-                </a:solidFill>
-              </a:defRPr>
-            </a:lvl5pPr>
-            <a:lvl6pPr>
-              <a:defRPr>
-                <a:solidFill>
-                  <a:schemeClr val="tx2"/>
-                </a:solidFill>
-              </a:defRPr>
-            </a:lvl6pPr>
-            <a:lvl7pPr>
-              <a:defRPr>
-                <a:solidFill>
-                  <a:schemeClr val="tx2"/>
-                </a:solidFill>
-              </a:defRPr>
-            </a:lvl7pPr>
-            <a:lvl8pPr>
-              <a:defRPr>
-                <a:solidFill>
-                  <a:schemeClr val="tx2"/>
-                </a:solidFill>
-              </a:defRPr>
-            </a:lvl8pPr>
-            <a:lvl9pPr>
-              <a:defRPr>
-                <a:solidFill>
-                  <a:schemeClr val="tx2"/>
-                </a:solidFill>
-              </a:defRPr>
-            </a:lvl9pPr>
-          </a:lstStyle>
+          <a:lstStyle/>
           <a:p>
             <a:pPr lvl="0"/>
             <a:r>
               <a:rPr lang="en-US" sz="8000" dirty="0">
                 <a:solidFill>
-                  <a:schemeClr val="accent1"/>
-                </a:solidFill>
+                  <a:schemeClr val="tx1"/>
+                </a:solidFill>
+                <a:effectLst/>
               </a:rPr>
               <a:t>“</a:t>
             </a:r>
@@ -2078,7 +2413,7 @@
         </p:nvSpPr>
         <p:spPr>
           <a:xfrm>
-            <a:off x="10437812" y="2743200"/>
+            <a:off x="10285412" y="2768601"/>
             <a:ext cx="609600" cy="584776"/>
           </a:xfrm>
           <a:prstGeom prst="rect">
@@ -2089,384 +2424,25 @@
           <a:bodyPr vert="horz" lIns="91440" tIns="45720" rIns="91440" bIns="45720" rtlCol="0" anchor="ctr">
             <a:noAutofit/>
           </a:bodyPr>
-          <a:lstStyle>
-            <a:lvl1pPr>
-              <a:spcBef>
-                <a:spcPct val="0"/>
-              </a:spcBef>
-              <a:buNone/>
-              <a:defRPr sz="3200" b="0" cap="all">
-                <a:ln w="3175" cmpd="sng">
-                  <a:noFill/>
-                </a:ln>
-                <a:effectLst>
-                  <a:glow rad="38100">
-                    <a:schemeClr val="bg1">
-                      <a:lumMod val="65000"/>
-                      <a:lumOff val="35000"/>
-                      <a:alpha val="40000"/>
-                    </a:schemeClr>
-                  </a:glow>
-                  <a:outerShdw blurRad="28575" dist="38100" dir="14040000" algn="tl" rotWithShape="0">
-                    <a:srgbClr val="000000">
-                      <a:alpha val="25000"/>
-                    </a:srgbClr>
-                  </a:outerShdw>
-                </a:effectLst>
-              </a:defRPr>
-            </a:lvl1pPr>
-            <a:lvl2pPr>
-              <a:defRPr>
-                <a:solidFill>
-                  <a:schemeClr val="tx2"/>
-                </a:solidFill>
-              </a:defRPr>
-            </a:lvl2pPr>
-            <a:lvl3pPr>
-              <a:defRPr>
-                <a:solidFill>
-                  <a:schemeClr val="tx2"/>
-                </a:solidFill>
-              </a:defRPr>
-            </a:lvl3pPr>
-            <a:lvl4pPr>
-              <a:defRPr>
-                <a:solidFill>
-                  <a:schemeClr val="tx2"/>
-                </a:solidFill>
-              </a:defRPr>
-            </a:lvl4pPr>
-            <a:lvl5pPr>
-              <a:defRPr>
-                <a:solidFill>
-                  <a:schemeClr val="tx2"/>
-                </a:solidFill>
-              </a:defRPr>
-            </a:lvl5pPr>
-            <a:lvl6pPr>
-              <a:defRPr>
-                <a:solidFill>
-                  <a:schemeClr val="tx2"/>
-                </a:solidFill>
-              </a:defRPr>
-            </a:lvl6pPr>
-            <a:lvl7pPr>
-              <a:defRPr>
-                <a:solidFill>
-                  <a:schemeClr val="tx2"/>
-                </a:solidFill>
-              </a:defRPr>
-            </a:lvl7pPr>
-            <a:lvl8pPr>
-              <a:defRPr>
-                <a:solidFill>
-                  <a:schemeClr val="tx2"/>
-                </a:solidFill>
-              </a:defRPr>
-            </a:lvl8pPr>
-            <a:lvl9pPr>
-              <a:defRPr>
-                <a:solidFill>
-                  <a:schemeClr val="tx2"/>
-                </a:solidFill>
-              </a:defRPr>
-            </a:lvl9pPr>
-          </a:lstStyle>
+          <a:lstStyle/>
           <a:p>
             <a:pPr lvl="0" algn="r"/>
             <a:r>
               <a:rPr lang="en-US" sz="8000" dirty="0">
                 <a:solidFill>
-                  <a:schemeClr val="accent1"/>
-                </a:solidFill>
+                  <a:schemeClr val="tx1"/>
+                </a:solidFill>
+                <a:effectLst/>
               </a:rPr>
               <a:t>”</a:t>
             </a:r>
-          </a:p>
-        </p:txBody>
-      </p:sp>
-      <p:sp>
-        <p:nvSpPr>
-          <p:cNvPr id="2" name="Title 1"/>
-          <p:cNvSpPr>
-            <a:spLocks noGrp="1"/>
-          </p:cNvSpPr>
-          <p:nvPr>
-            <p:ph type="title"/>
-          </p:nvPr>
-        </p:nvSpPr>
-        <p:spPr>
-          <a:xfrm>
-            <a:off x="1446213" y="609601"/>
-            <a:ext cx="9296398" cy="2743199"/>
-          </a:xfrm>
-        </p:spPr>
-        <p:txBody>
-          <a:bodyPr anchor="ctr">
-            <a:normAutofit/>
-          </a:bodyPr>
-          <a:lstStyle>
-            <a:lvl1pPr algn="l">
-              <a:defRPr sz="3200" b="0" cap="all">
-                <a:solidFill>
-                  <a:schemeClr val="tx1"/>
-                </a:solidFill>
-              </a:defRPr>
-            </a:lvl1pPr>
-          </a:lstStyle>
-          <a:p>
-            <a:r>
-              <a:rPr lang="en-US"/>
-              <a:t>Click to edit Master title style</a:t>
-            </a:r>
-            <a:endParaRPr lang="en-US" dirty="0"/>
-          </a:p>
-        </p:txBody>
-      </p:sp>
-      <p:sp>
-        <p:nvSpPr>
-          <p:cNvPr id="10" name="Text Placeholder 9"/>
-          <p:cNvSpPr>
-            <a:spLocks noGrp="1"/>
-          </p:cNvSpPr>
-          <p:nvPr>
-            <p:ph type="body" sz="quarter" idx="13"/>
-          </p:nvPr>
-        </p:nvSpPr>
-        <p:spPr>
-          <a:xfrm>
-            <a:off x="1674812" y="3352800"/>
-            <a:ext cx="8839202" cy="381000"/>
-          </a:xfrm>
-        </p:spPr>
-        <p:txBody>
-          <a:bodyPr anchor="ctr"/>
-          <a:lstStyle>
-            <a:lvl1pPr marL="0" indent="0">
-              <a:buFontTx/>
-              <a:buNone/>
-              <a:defRPr/>
-            </a:lvl1pPr>
-            <a:lvl2pPr marL="457200" indent="0">
-              <a:buFontTx/>
-              <a:buNone/>
-              <a:defRPr/>
-            </a:lvl2pPr>
-            <a:lvl3pPr marL="914400" indent="0">
-              <a:buFontTx/>
-              <a:buNone/>
-              <a:defRPr/>
-            </a:lvl3pPr>
-            <a:lvl4pPr marL="1371600" indent="0">
-              <a:buFontTx/>
-              <a:buNone/>
-              <a:defRPr/>
-            </a:lvl4pPr>
-            <a:lvl5pPr marL="1828800" indent="0">
-              <a:buFontTx/>
-              <a:buNone/>
-              <a:defRPr/>
-            </a:lvl5pPr>
-          </a:lstStyle>
-          <a:p>
-            <a:pPr lvl="0"/>
-            <a:r>
-              <a:rPr lang="en-US"/>
-              <a:t>Click to edit Master text styles</a:t>
-            </a:r>
-          </a:p>
-        </p:txBody>
-      </p:sp>
-      <p:sp>
-        <p:nvSpPr>
-          <p:cNvPr id="3" name="Text Placeholder 2"/>
-          <p:cNvSpPr>
-            <a:spLocks noGrp="1"/>
-          </p:cNvSpPr>
-          <p:nvPr>
-            <p:ph type="body" idx="1"/>
-          </p:nvPr>
-        </p:nvSpPr>
-        <p:spPr>
-          <a:xfrm>
-            <a:off x="1141411" y="4343400"/>
-            <a:ext cx="9906000" cy="1447800"/>
-          </a:xfrm>
-        </p:spPr>
-        <p:txBody>
-          <a:bodyPr anchor="ctr">
-            <a:normAutofit/>
-          </a:bodyPr>
-          <a:lstStyle>
-            <a:lvl1pPr marL="0" indent="0" algn="l">
-              <a:buNone/>
-              <a:defRPr sz="2000">
-                <a:solidFill>
-                  <a:schemeClr val="tx1"/>
-                </a:solidFill>
-              </a:defRPr>
-            </a:lvl1pPr>
-            <a:lvl2pPr marL="457200" indent="0">
-              <a:buNone/>
-              <a:defRPr sz="1800">
-                <a:solidFill>
-                  <a:schemeClr val="tx1">
-                    <a:tint val="75000"/>
-                  </a:schemeClr>
-                </a:solidFill>
-              </a:defRPr>
-            </a:lvl2pPr>
-            <a:lvl3pPr marL="914400" indent="0">
-              <a:buNone/>
-              <a:defRPr sz="1600">
-                <a:solidFill>
-                  <a:schemeClr val="tx1">
-                    <a:tint val="75000"/>
-                  </a:schemeClr>
-                </a:solidFill>
-              </a:defRPr>
-            </a:lvl3pPr>
-            <a:lvl4pPr marL="1371600" indent="0">
-              <a:buNone/>
-              <a:defRPr sz="1400">
-                <a:solidFill>
-                  <a:schemeClr val="tx1">
-                    <a:tint val="75000"/>
-                  </a:schemeClr>
-                </a:solidFill>
-              </a:defRPr>
-            </a:lvl4pPr>
-            <a:lvl5pPr marL="1828800" indent="0">
-              <a:buNone/>
-              <a:defRPr sz="1400">
-                <a:solidFill>
-                  <a:schemeClr val="tx1">
-                    <a:tint val="75000"/>
-                  </a:schemeClr>
-                </a:solidFill>
-              </a:defRPr>
-            </a:lvl5pPr>
-            <a:lvl6pPr marL="2286000" indent="0">
-              <a:buNone/>
-              <a:defRPr sz="1400">
-                <a:solidFill>
-                  <a:schemeClr val="tx1">
-                    <a:tint val="75000"/>
-                  </a:schemeClr>
-                </a:solidFill>
-              </a:defRPr>
-            </a:lvl6pPr>
-            <a:lvl7pPr marL="2743200" indent="0">
-              <a:buNone/>
-              <a:defRPr sz="1400">
-                <a:solidFill>
-                  <a:schemeClr val="tx1">
-                    <a:tint val="75000"/>
-                  </a:schemeClr>
-                </a:solidFill>
-              </a:defRPr>
-            </a:lvl7pPr>
-            <a:lvl8pPr marL="3200400" indent="0">
-              <a:buNone/>
-              <a:defRPr sz="1400">
-                <a:solidFill>
-                  <a:schemeClr val="tx1">
-                    <a:tint val="75000"/>
-                  </a:schemeClr>
-                </a:solidFill>
-              </a:defRPr>
-            </a:lvl8pPr>
-            <a:lvl9pPr marL="3657600" indent="0">
-              <a:buNone/>
-              <a:defRPr sz="1400">
-                <a:solidFill>
-                  <a:schemeClr val="tx1">
-                    <a:tint val="75000"/>
-                  </a:schemeClr>
-                </a:solidFill>
-              </a:defRPr>
-            </a:lvl9pPr>
-          </a:lstStyle>
-          <a:p>
-            <a:pPr lvl="0"/>
-            <a:r>
-              <a:rPr lang="en-US"/>
-              <a:t>Click to edit Master text styles</a:t>
-            </a:r>
-          </a:p>
-        </p:txBody>
-      </p:sp>
-      <p:sp>
-        <p:nvSpPr>
-          <p:cNvPr id="4" name="Date Placeholder 3"/>
-          <p:cNvSpPr>
-            <a:spLocks noGrp="1"/>
-          </p:cNvSpPr>
-          <p:nvPr>
-            <p:ph type="dt" sz="half" idx="10"/>
-          </p:nvPr>
-        </p:nvSpPr>
-        <p:spPr/>
-        <p:txBody>
-          <a:bodyPr/>
-          <a:lstStyle/>
-          <a:p>
-            <a:fld id="{B61BEF0D-F0BB-DE4B-95CE-6DB70DBA9567}" type="datetimeFigureOut">
-              <a:rPr lang="en-US" smtClean="0"/>
-              <a:pPr/>
-              <a:t>11/6/2020</a:t>
-            </a:fld>
-            <a:endParaRPr lang="en-US" dirty="0"/>
-          </a:p>
-        </p:txBody>
-      </p:sp>
-      <p:sp>
-        <p:nvSpPr>
-          <p:cNvPr id="5" name="Footer Placeholder 4"/>
-          <p:cNvSpPr>
-            <a:spLocks noGrp="1"/>
-          </p:cNvSpPr>
-          <p:nvPr>
-            <p:ph type="ftr" sz="quarter" idx="11"/>
-          </p:nvPr>
-        </p:nvSpPr>
-        <p:spPr/>
-        <p:txBody>
-          <a:bodyPr/>
-          <a:lstStyle/>
-          <a:p>
-            <a:endParaRPr lang="en-US" dirty="0"/>
-          </a:p>
-        </p:txBody>
-      </p:sp>
-      <p:sp>
-        <p:nvSpPr>
-          <p:cNvPr id="6" name="Slide Number Placeholder 5"/>
-          <p:cNvSpPr>
-            <a:spLocks noGrp="1"/>
-          </p:cNvSpPr>
-          <p:nvPr>
-            <p:ph type="sldNum" sz="quarter" idx="12"/>
-          </p:nvPr>
-        </p:nvSpPr>
-        <p:spPr/>
-        <p:txBody>
-          <a:bodyPr/>
-          <a:lstStyle/>
-          <a:p>
-            <a:fld id="{D57F1E4F-1CFF-5643-939E-217C01CDF565}" type="slidenum">
-              <a:rPr lang="en-US" smtClean="0"/>
-              <a:pPr/>
-              <a:t>‹#›</a:t>
-            </a:fld>
-            <a:endParaRPr lang="en-US" dirty="0"/>
           </a:p>
         </p:txBody>
       </p:sp>
     </p:spTree>
     <p:extLst>
       <p:ext uri="{BB962C8B-B14F-4D97-AF65-F5344CB8AC3E}">
-        <p14:creationId xmlns:p14="http://schemas.microsoft.com/office/powerpoint/2010/main" val="2425661146"/>
+        <p14:creationId xmlns:p14="http://schemas.microsoft.com/office/powerpoint/2010/main" val="2064844314"/>
       </p:ext>
     </p:extLst>
   </p:cSld>
@@ -2505,8 +2481,8 @@
         </p:nvSpPr>
         <p:spPr>
           <a:xfrm>
-            <a:off x="1141412" y="3308581"/>
-            <a:ext cx="9906000" cy="1468800"/>
+            <a:off x="684212" y="3429000"/>
+            <a:ext cx="8534400" cy="1697400"/>
           </a:xfrm>
         </p:spPr>
         <p:txBody>
@@ -2520,7 +2496,7 @@
           </a:lstStyle>
           <a:p>
             <a:r>
-              <a:rPr lang="en-US"/>
+              <a:rPr lang="en-US" smtClean="0"/>
               <a:t>Click to edit Master title style</a:t>
             </a:r>
             <a:endParaRPr lang="en-US" dirty="0"/>
@@ -2539,8 +2515,8 @@
         </p:nvSpPr>
         <p:spPr>
           <a:xfrm>
-            <a:off x="1141410" y="4777381"/>
-            <a:ext cx="9906001" cy="860400"/>
+            <a:off x="684211" y="5132981"/>
+            <a:ext cx="8535990" cy="860400"/>
           </a:xfrm>
         </p:spPr>
         <p:txBody>
@@ -2552,7 +2528,9 @@
               <a:buNone/>
               <a:defRPr sz="2000">
                 <a:solidFill>
-                  <a:schemeClr val="tx1"/>
+                  <a:schemeClr val="bg2">
+                    <a:lumMod val="75000"/>
+                  </a:schemeClr>
                 </a:solidFill>
               </a:defRPr>
             </a:lvl1pPr>
@@ -2640,7 +2618,7 @@
           <a:p>
             <a:pPr lvl="0"/>
             <a:r>
-              <a:rPr lang="en-US"/>
+              <a:rPr lang="en-US" smtClean="0"/>
               <a:t>Click to edit Master text styles</a:t>
             </a:r>
           </a:p>
@@ -2664,7 +2642,7 @@
             <a:fld id="{B61BEF0D-F0BB-DE4B-95CE-6DB70DBA9567}" type="datetimeFigureOut">
               <a:rPr lang="en-US" smtClean="0"/>
               <a:pPr/>
-              <a:t>11/6/2020</a:t>
+              <a:t>12/4/2020</a:t>
             </a:fld>
             <a:endParaRPr lang="en-US" dirty="0"/>
           </a:p>
@@ -2716,7 +2694,7 @@
     </p:spTree>
     <p:extLst>
       <p:ext uri="{BB962C8B-B14F-4D97-AF65-F5344CB8AC3E}">
-        <p14:creationId xmlns:p14="http://schemas.microsoft.com/office/powerpoint/2010/main" val="3999907629"/>
+        <p14:creationId xmlns:p14="http://schemas.microsoft.com/office/powerpoint/2010/main" val="2255934573"/>
       </p:ext>
     </p:extLst>
   </p:cSld>
@@ -2745,13 +2723,287 @@
       </p:grpSpPr>
       <p:sp>
         <p:nvSpPr>
-          <p:cNvPr id="14" name="TextBox 13"/>
+          <p:cNvPr id="2" name="Title 1"/>
+          <p:cNvSpPr>
+            <a:spLocks noGrp="1"/>
+          </p:cNvSpPr>
+          <p:nvPr>
+            <p:ph type="title"/>
+          </p:nvPr>
+        </p:nvSpPr>
+        <p:spPr>
+          <a:xfrm>
+            <a:off x="1141413" y="685800"/>
+            <a:ext cx="9144000" cy="2743200"/>
+          </a:xfrm>
+        </p:spPr>
+        <p:txBody>
+          <a:bodyPr anchor="ctr">
+            <a:normAutofit/>
+          </a:bodyPr>
+          <a:lstStyle>
+            <a:lvl1pPr algn="l">
+              <a:defRPr sz="3200" b="0" cap="all">
+                <a:solidFill>
+                  <a:schemeClr val="tx1"/>
+                </a:solidFill>
+              </a:defRPr>
+            </a:lvl1pPr>
+          </a:lstStyle>
+          <a:p>
+            <a:r>
+              <a:rPr lang="en-US" smtClean="0"/>
+              <a:t>Click to edit Master title style</a:t>
+            </a:r>
+            <a:endParaRPr lang="en-US" dirty="0"/>
+          </a:p>
+        </p:txBody>
+      </p:sp>
+      <p:sp>
+        <p:nvSpPr>
+          <p:cNvPr id="10" name="Text Placeholder 9"/>
+          <p:cNvSpPr>
+            <a:spLocks noGrp="1"/>
+          </p:cNvSpPr>
+          <p:nvPr>
+            <p:ph type="body" sz="quarter" idx="13"/>
+          </p:nvPr>
+        </p:nvSpPr>
+        <p:spPr>
+          <a:xfrm>
+            <a:off x="684212" y="3928534"/>
+            <a:ext cx="8534401" cy="1049866"/>
+          </a:xfrm>
+        </p:spPr>
+        <p:txBody>
+          <a:bodyPr vert="horz" lIns="91440" tIns="45720" rIns="91440" bIns="45720" rtlCol="0" anchor="b">
+            <a:normAutofit/>
+          </a:bodyPr>
+          <a:lstStyle>
+            <a:lvl1pPr>
+              <a:buNone/>
+              <a:defRPr lang="en-US" sz="2400" b="0" cap="all" dirty="0">
+                <a:ln w="3175" cmpd="sng">
+                  <a:noFill/>
+                </a:ln>
+                <a:solidFill>
+                  <a:schemeClr val="tx1"/>
+                </a:solidFill>
+                <a:effectLst/>
+              </a:defRPr>
+            </a:lvl1pPr>
+          </a:lstStyle>
+          <a:p>
+            <a:pPr marL="0" lvl="0">
+              <a:spcBef>
+                <a:spcPct val="0"/>
+              </a:spcBef>
+              <a:buNone/>
+            </a:pPr>
+            <a:r>
+              <a:rPr lang="en-US" smtClean="0"/>
+              <a:t>Click to edit Master text styles</a:t>
+            </a:r>
+          </a:p>
+        </p:txBody>
+      </p:sp>
+      <p:sp>
+        <p:nvSpPr>
+          <p:cNvPr id="3" name="Text Placeholder 2"/>
+          <p:cNvSpPr>
+            <a:spLocks noGrp="1"/>
+          </p:cNvSpPr>
+          <p:nvPr>
+            <p:ph type="body" idx="1"/>
+          </p:nvPr>
+        </p:nvSpPr>
+        <p:spPr>
+          <a:xfrm>
+            <a:off x="684211" y="4978400"/>
+            <a:ext cx="8534401" cy="1016000"/>
+          </a:xfrm>
+        </p:spPr>
+        <p:txBody>
+          <a:bodyPr anchor="t">
+            <a:normAutofit/>
+          </a:bodyPr>
+          <a:lstStyle>
+            <a:lvl1pPr marL="0" indent="0" algn="l">
+              <a:buNone/>
+              <a:defRPr sz="1800">
+                <a:solidFill>
+                  <a:schemeClr val="bg2">
+                    <a:lumMod val="75000"/>
+                  </a:schemeClr>
+                </a:solidFill>
+              </a:defRPr>
+            </a:lvl1pPr>
+            <a:lvl2pPr marL="457200" indent="0">
+              <a:buNone/>
+              <a:defRPr sz="1800">
+                <a:solidFill>
+                  <a:schemeClr val="tx1">
+                    <a:tint val="75000"/>
+                  </a:schemeClr>
+                </a:solidFill>
+              </a:defRPr>
+            </a:lvl2pPr>
+            <a:lvl3pPr marL="914400" indent="0">
+              <a:buNone/>
+              <a:defRPr sz="1600">
+                <a:solidFill>
+                  <a:schemeClr val="tx1">
+                    <a:tint val="75000"/>
+                  </a:schemeClr>
+                </a:solidFill>
+              </a:defRPr>
+            </a:lvl3pPr>
+            <a:lvl4pPr marL="1371600" indent="0">
+              <a:buNone/>
+              <a:defRPr sz="1400">
+                <a:solidFill>
+                  <a:schemeClr val="tx1">
+                    <a:tint val="75000"/>
+                  </a:schemeClr>
+                </a:solidFill>
+              </a:defRPr>
+            </a:lvl4pPr>
+            <a:lvl5pPr marL="1828800" indent="0">
+              <a:buNone/>
+              <a:defRPr sz="1400">
+                <a:solidFill>
+                  <a:schemeClr val="tx1">
+                    <a:tint val="75000"/>
+                  </a:schemeClr>
+                </a:solidFill>
+              </a:defRPr>
+            </a:lvl5pPr>
+            <a:lvl6pPr marL="2286000" indent="0">
+              <a:buNone/>
+              <a:defRPr sz="1400">
+                <a:solidFill>
+                  <a:schemeClr val="tx1">
+                    <a:tint val="75000"/>
+                  </a:schemeClr>
+                </a:solidFill>
+              </a:defRPr>
+            </a:lvl6pPr>
+            <a:lvl7pPr marL="2743200" indent="0">
+              <a:buNone/>
+              <a:defRPr sz="1400">
+                <a:solidFill>
+                  <a:schemeClr val="tx1">
+                    <a:tint val="75000"/>
+                  </a:schemeClr>
+                </a:solidFill>
+              </a:defRPr>
+            </a:lvl7pPr>
+            <a:lvl8pPr marL="3200400" indent="0">
+              <a:buNone/>
+              <a:defRPr sz="1400">
+                <a:solidFill>
+                  <a:schemeClr val="tx1">
+                    <a:tint val="75000"/>
+                  </a:schemeClr>
+                </a:solidFill>
+              </a:defRPr>
+            </a:lvl8pPr>
+            <a:lvl9pPr marL="3657600" indent="0">
+              <a:buNone/>
+              <a:defRPr sz="1400">
+                <a:solidFill>
+                  <a:schemeClr val="tx1">
+                    <a:tint val="75000"/>
+                  </a:schemeClr>
+                </a:solidFill>
+              </a:defRPr>
+            </a:lvl9pPr>
+          </a:lstStyle>
+          <a:p>
+            <a:pPr lvl="0"/>
+            <a:r>
+              <a:rPr lang="en-US" smtClean="0"/>
+              <a:t>Click to edit Master text styles</a:t>
+            </a:r>
+          </a:p>
+        </p:txBody>
+      </p:sp>
+      <p:sp>
+        <p:nvSpPr>
+          <p:cNvPr id="4" name="Date Placeholder 3"/>
+          <p:cNvSpPr>
+            <a:spLocks noGrp="1"/>
+          </p:cNvSpPr>
+          <p:nvPr>
+            <p:ph type="dt" sz="half" idx="10"/>
+          </p:nvPr>
+        </p:nvSpPr>
+        <p:spPr/>
+        <p:txBody>
+          <a:bodyPr/>
+          <a:lstStyle/>
+          <a:p>
+            <a:fld id="{B61BEF0D-F0BB-DE4B-95CE-6DB70DBA9567}" type="datetimeFigureOut">
+              <a:rPr lang="en-US" smtClean="0"/>
+              <a:pPr/>
+              <a:t>12/4/2020</a:t>
+            </a:fld>
+            <a:endParaRPr lang="en-US" dirty="0"/>
+          </a:p>
+        </p:txBody>
+      </p:sp>
+      <p:sp>
+        <p:nvSpPr>
+          <p:cNvPr id="5" name="Footer Placeholder 4"/>
+          <p:cNvSpPr>
+            <a:spLocks noGrp="1"/>
+          </p:cNvSpPr>
+          <p:nvPr>
+            <p:ph type="ftr" sz="quarter" idx="11"/>
+          </p:nvPr>
+        </p:nvSpPr>
+        <p:spPr/>
+        <p:txBody>
+          <a:bodyPr/>
+          <a:lstStyle/>
+          <a:p>
+            <a:endParaRPr lang="en-US" dirty="0"/>
+          </a:p>
+        </p:txBody>
+      </p:sp>
+      <p:sp>
+        <p:nvSpPr>
+          <p:cNvPr id="6" name="Slide Number Placeholder 5"/>
+          <p:cNvSpPr>
+            <a:spLocks noGrp="1"/>
+          </p:cNvSpPr>
+          <p:nvPr>
+            <p:ph type="sldNum" sz="quarter" idx="12"/>
+          </p:nvPr>
+        </p:nvSpPr>
+        <p:spPr/>
+        <p:txBody>
+          <a:bodyPr/>
+          <a:lstStyle/>
+          <a:p>
+            <a:fld id="{D57F1E4F-1CFF-5643-939E-217C01CDF565}" type="slidenum">
+              <a:rPr lang="en-US" smtClean="0"/>
+              <a:pPr/>
+              <a:t>‹#›</a:t>
+            </a:fld>
+            <a:endParaRPr lang="en-US" dirty="0"/>
+          </a:p>
+        </p:txBody>
+      </p:sp>
+      <p:sp>
+        <p:nvSpPr>
+          <p:cNvPr id="11" name="TextBox 10"/>
           <p:cNvSpPr txBox="1"/>
           <p:nvPr/>
         </p:nvSpPr>
         <p:spPr>
           <a:xfrm>
-            <a:off x="836612" y="786824"/>
+            <a:off x="531812" y="812222"/>
             <a:ext cx="609600" cy="584776"/>
           </a:xfrm>
           <a:prstGeom prst="rect">
@@ -2762,96 +3014,15 @@
           <a:bodyPr vert="horz" lIns="91440" tIns="45720" rIns="91440" bIns="45720" rtlCol="0" anchor="ctr">
             <a:noAutofit/>
           </a:bodyPr>
-          <a:lstStyle>
-            <a:lvl1pPr>
-              <a:spcBef>
-                <a:spcPct val="0"/>
-              </a:spcBef>
-              <a:buNone/>
-              <a:defRPr sz="3200" b="0" cap="all">
-                <a:ln w="3175" cmpd="sng">
-                  <a:noFill/>
-                </a:ln>
-                <a:effectLst>
-                  <a:glow rad="38100">
-                    <a:schemeClr val="bg1">
-                      <a:lumMod val="65000"/>
-                      <a:lumOff val="35000"/>
-                      <a:alpha val="40000"/>
-                    </a:schemeClr>
-                  </a:glow>
-                  <a:outerShdw blurRad="28575" dist="38100" dir="14040000" algn="tl" rotWithShape="0">
-                    <a:srgbClr val="000000">
-                      <a:alpha val="25000"/>
-                    </a:srgbClr>
-                  </a:outerShdw>
-                </a:effectLst>
-              </a:defRPr>
-            </a:lvl1pPr>
-            <a:lvl2pPr>
-              <a:defRPr>
-                <a:solidFill>
-                  <a:schemeClr val="tx2"/>
-                </a:solidFill>
-              </a:defRPr>
-            </a:lvl2pPr>
-            <a:lvl3pPr>
-              <a:defRPr>
-                <a:solidFill>
-                  <a:schemeClr val="tx2"/>
-                </a:solidFill>
-              </a:defRPr>
-            </a:lvl3pPr>
-            <a:lvl4pPr>
-              <a:defRPr>
-                <a:solidFill>
-                  <a:schemeClr val="tx2"/>
-                </a:solidFill>
-              </a:defRPr>
-            </a:lvl4pPr>
-            <a:lvl5pPr>
-              <a:defRPr>
-                <a:solidFill>
-                  <a:schemeClr val="tx2"/>
-                </a:solidFill>
-              </a:defRPr>
-            </a:lvl5pPr>
-            <a:lvl6pPr>
-              <a:defRPr>
-                <a:solidFill>
-                  <a:schemeClr val="tx2"/>
-                </a:solidFill>
-              </a:defRPr>
-            </a:lvl6pPr>
-            <a:lvl7pPr>
-              <a:defRPr>
-                <a:solidFill>
-                  <a:schemeClr val="tx2"/>
-                </a:solidFill>
-              </a:defRPr>
-            </a:lvl7pPr>
-            <a:lvl8pPr>
-              <a:defRPr>
-                <a:solidFill>
-                  <a:schemeClr val="tx2"/>
-                </a:solidFill>
-              </a:defRPr>
-            </a:lvl8pPr>
-            <a:lvl9pPr>
-              <a:defRPr>
-                <a:solidFill>
-                  <a:schemeClr val="tx2"/>
-                </a:solidFill>
-              </a:defRPr>
-            </a:lvl9pPr>
-          </a:lstStyle>
+          <a:lstStyle/>
           <a:p>
             <a:pPr lvl="0"/>
             <a:r>
               <a:rPr lang="en-US" sz="8000" dirty="0">
                 <a:solidFill>
-                  <a:schemeClr val="accent1"/>
-                </a:solidFill>
+                  <a:schemeClr val="tx1"/>
+                </a:solidFill>
+                <a:effectLst/>
               </a:rPr>
               <a:t>“</a:t>
             </a:r>
@@ -2860,13 +3031,13 @@
       </p:sp>
       <p:sp>
         <p:nvSpPr>
-          <p:cNvPr id="15" name="TextBox 14"/>
+          <p:cNvPr id="12" name="TextBox 11"/>
           <p:cNvSpPr txBox="1"/>
           <p:nvPr/>
         </p:nvSpPr>
         <p:spPr>
           <a:xfrm>
-            <a:off x="10437812" y="2743200"/>
+            <a:off x="10285412" y="2768601"/>
             <a:ext cx="609600" cy="584776"/>
           </a:xfrm>
           <a:prstGeom prst="rect">
@@ -2877,391 +3048,25 @@
           <a:bodyPr vert="horz" lIns="91440" tIns="45720" rIns="91440" bIns="45720" rtlCol="0" anchor="ctr">
             <a:noAutofit/>
           </a:bodyPr>
-          <a:lstStyle>
-            <a:lvl1pPr>
-              <a:spcBef>
-                <a:spcPct val="0"/>
-              </a:spcBef>
-              <a:buNone/>
-              <a:defRPr sz="3200" b="0" cap="all">
-                <a:ln w="3175" cmpd="sng">
-                  <a:noFill/>
-                </a:ln>
-                <a:effectLst>
-                  <a:glow rad="38100">
-                    <a:schemeClr val="bg1">
-                      <a:lumMod val="65000"/>
-                      <a:lumOff val="35000"/>
-                      <a:alpha val="40000"/>
-                    </a:schemeClr>
-                  </a:glow>
-                  <a:outerShdw blurRad="28575" dist="38100" dir="14040000" algn="tl" rotWithShape="0">
-                    <a:srgbClr val="000000">
-                      <a:alpha val="25000"/>
-                    </a:srgbClr>
-                  </a:outerShdw>
-                </a:effectLst>
-              </a:defRPr>
-            </a:lvl1pPr>
-            <a:lvl2pPr>
-              <a:defRPr>
-                <a:solidFill>
-                  <a:schemeClr val="tx2"/>
-                </a:solidFill>
-              </a:defRPr>
-            </a:lvl2pPr>
-            <a:lvl3pPr>
-              <a:defRPr>
-                <a:solidFill>
-                  <a:schemeClr val="tx2"/>
-                </a:solidFill>
-              </a:defRPr>
-            </a:lvl3pPr>
-            <a:lvl4pPr>
-              <a:defRPr>
-                <a:solidFill>
-                  <a:schemeClr val="tx2"/>
-                </a:solidFill>
-              </a:defRPr>
-            </a:lvl4pPr>
-            <a:lvl5pPr>
-              <a:defRPr>
-                <a:solidFill>
-                  <a:schemeClr val="tx2"/>
-                </a:solidFill>
-              </a:defRPr>
-            </a:lvl5pPr>
-            <a:lvl6pPr>
-              <a:defRPr>
-                <a:solidFill>
-                  <a:schemeClr val="tx2"/>
-                </a:solidFill>
-              </a:defRPr>
-            </a:lvl6pPr>
-            <a:lvl7pPr>
-              <a:defRPr>
-                <a:solidFill>
-                  <a:schemeClr val="tx2"/>
-                </a:solidFill>
-              </a:defRPr>
-            </a:lvl7pPr>
-            <a:lvl8pPr>
-              <a:defRPr>
-                <a:solidFill>
-                  <a:schemeClr val="tx2"/>
-                </a:solidFill>
-              </a:defRPr>
-            </a:lvl8pPr>
-            <a:lvl9pPr>
-              <a:defRPr>
-                <a:solidFill>
-                  <a:schemeClr val="tx2"/>
-                </a:solidFill>
-              </a:defRPr>
-            </a:lvl9pPr>
-          </a:lstStyle>
+          <a:lstStyle/>
           <a:p>
             <a:pPr lvl="0" algn="r"/>
             <a:r>
               <a:rPr lang="en-US" sz="8000" dirty="0">
                 <a:solidFill>
-                  <a:schemeClr val="accent1"/>
-                </a:solidFill>
+                  <a:schemeClr val="tx1"/>
+                </a:solidFill>
+                <a:effectLst/>
               </a:rPr>
               <a:t>”</a:t>
             </a:r>
-          </a:p>
-        </p:txBody>
-      </p:sp>
-      <p:sp>
-        <p:nvSpPr>
-          <p:cNvPr id="2" name="Title 1"/>
-          <p:cNvSpPr>
-            <a:spLocks noGrp="1"/>
-          </p:cNvSpPr>
-          <p:nvPr>
-            <p:ph type="title"/>
-          </p:nvPr>
-        </p:nvSpPr>
-        <p:spPr>
-          <a:xfrm>
-            <a:off x="1446213" y="609601"/>
-            <a:ext cx="9296398" cy="2743199"/>
-          </a:xfrm>
-        </p:spPr>
-        <p:txBody>
-          <a:bodyPr anchor="ctr">
-            <a:normAutofit/>
-          </a:bodyPr>
-          <a:lstStyle>
-            <a:lvl1pPr algn="l">
-              <a:defRPr sz="3200" b="0" cap="all">
-                <a:solidFill>
-                  <a:schemeClr val="tx1"/>
-                </a:solidFill>
-              </a:defRPr>
-            </a:lvl1pPr>
-          </a:lstStyle>
-          <a:p>
-            <a:r>
-              <a:rPr lang="en-US"/>
-              <a:t>Click to edit Master title style</a:t>
-            </a:r>
-            <a:endParaRPr lang="en-US" dirty="0"/>
-          </a:p>
-        </p:txBody>
-      </p:sp>
-      <p:sp>
-        <p:nvSpPr>
-          <p:cNvPr id="10" name="Text Placeholder 9"/>
-          <p:cNvSpPr>
-            <a:spLocks noGrp="1"/>
-          </p:cNvSpPr>
-          <p:nvPr>
-            <p:ph type="body" sz="quarter" idx="13"/>
-          </p:nvPr>
-        </p:nvSpPr>
-        <p:spPr>
-          <a:xfrm>
-            <a:off x="1141412" y="3886200"/>
-            <a:ext cx="9906000" cy="889000"/>
-          </a:xfrm>
-        </p:spPr>
-        <p:txBody>
-          <a:bodyPr vert="horz" lIns="91440" tIns="45720" rIns="91440" bIns="45720" rtlCol="0" anchor="b">
-            <a:normAutofit/>
-          </a:bodyPr>
-          <a:lstStyle>
-            <a:lvl1pPr>
-              <a:buNone/>
-              <a:defRPr lang="en-US" sz="2400" b="0" cap="all" dirty="0">
-                <a:ln w="3175" cmpd="sng">
-                  <a:noFill/>
-                </a:ln>
-                <a:solidFill>
-                  <a:schemeClr val="accent1"/>
-                </a:solidFill>
-                <a:effectLst>
-                  <a:glow rad="38100">
-                    <a:schemeClr val="bg1">
-                      <a:lumMod val="65000"/>
-                      <a:lumOff val="35000"/>
-                      <a:alpha val="40000"/>
-                    </a:schemeClr>
-                  </a:glow>
-                  <a:outerShdw blurRad="28575" dist="38100" dir="14040000" algn="tl" rotWithShape="0">
-                    <a:srgbClr val="000000">
-                      <a:alpha val="25000"/>
-                    </a:srgbClr>
-                  </a:outerShdw>
-                </a:effectLst>
-              </a:defRPr>
-            </a:lvl1pPr>
-          </a:lstStyle>
-          <a:p>
-            <a:pPr marL="0" lvl="0">
-              <a:spcBef>
-                <a:spcPct val="0"/>
-              </a:spcBef>
-              <a:buNone/>
-            </a:pPr>
-            <a:r>
-              <a:rPr lang="en-US"/>
-              <a:t>Click to edit Master text styles</a:t>
-            </a:r>
-          </a:p>
-        </p:txBody>
-      </p:sp>
-      <p:sp>
-        <p:nvSpPr>
-          <p:cNvPr id="3" name="Text Placeholder 2"/>
-          <p:cNvSpPr>
-            <a:spLocks noGrp="1"/>
-          </p:cNvSpPr>
-          <p:nvPr>
-            <p:ph type="body" idx="1"/>
-          </p:nvPr>
-        </p:nvSpPr>
-        <p:spPr>
-          <a:xfrm>
-            <a:off x="1141411" y="4775200"/>
-            <a:ext cx="9906000" cy="1016000"/>
-          </a:xfrm>
-        </p:spPr>
-        <p:txBody>
-          <a:bodyPr anchor="t">
-            <a:normAutofit/>
-          </a:bodyPr>
-          <a:lstStyle>
-            <a:lvl1pPr marL="0" indent="0" algn="l">
-              <a:buNone/>
-              <a:defRPr sz="1800">
-                <a:solidFill>
-                  <a:schemeClr val="tx1"/>
-                </a:solidFill>
-              </a:defRPr>
-            </a:lvl1pPr>
-            <a:lvl2pPr marL="457200" indent="0">
-              <a:buNone/>
-              <a:defRPr sz="1800">
-                <a:solidFill>
-                  <a:schemeClr val="tx1">
-                    <a:tint val="75000"/>
-                  </a:schemeClr>
-                </a:solidFill>
-              </a:defRPr>
-            </a:lvl2pPr>
-            <a:lvl3pPr marL="914400" indent="0">
-              <a:buNone/>
-              <a:defRPr sz="1600">
-                <a:solidFill>
-                  <a:schemeClr val="tx1">
-                    <a:tint val="75000"/>
-                  </a:schemeClr>
-                </a:solidFill>
-              </a:defRPr>
-            </a:lvl3pPr>
-            <a:lvl4pPr marL="1371600" indent="0">
-              <a:buNone/>
-              <a:defRPr sz="1400">
-                <a:solidFill>
-                  <a:schemeClr val="tx1">
-                    <a:tint val="75000"/>
-                  </a:schemeClr>
-                </a:solidFill>
-              </a:defRPr>
-            </a:lvl4pPr>
-            <a:lvl5pPr marL="1828800" indent="0">
-              <a:buNone/>
-              <a:defRPr sz="1400">
-                <a:solidFill>
-                  <a:schemeClr val="tx1">
-                    <a:tint val="75000"/>
-                  </a:schemeClr>
-                </a:solidFill>
-              </a:defRPr>
-            </a:lvl5pPr>
-            <a:lvl6pPr marL="2286000" indent="0">
-              <a:buNone/>
-              <a:defRPr sz="1400">
-                <a:solidFill>
-                  <a:schemeClr val="tx1">
-                    <a:tint val="75000"/>
-                  </a:schemeClr>
-                </a:solidFill>
-              </a:defRPr>
-            </a:lvl6pPr>
-            <a:lvl7pPr marL="2743200" indent="0">
-              <a:buNone/>
-              <a:defRPr sz="1400">
-                <a:solidFill>
-                  <a:schemeClr val="tx1">
-                    <a:tint val="75000"/>
-                  </a:schemeClr>
-                </a:solidFill>
-              </a:defRPr>
-            </a:lvl7pPr>
-            <a:lvl8pPr marL="3200400" indent="0">
-              <a:buNone/>
-              <a:defRPr sz="1400">
-                <a:solidFill>
-                  <a:schemeClr val="tx1">
-                    <a:tint val="75000"/>
-                  </a:schemeClr>
-                </a:solidFill>
-              </a:defRPr>
-            </a:lvl8pPr>
-            <a:lvl9pPr marL="3657600" indent="0">
-              <a:buNone/>
-              <a:defRPr sz="1400">
-                <a:solidFill>
-                  <a:schemeClr val="tx1">
-                    <a:tint val="75000"/>
-                  </a:schemeClr>
-                </a:solidFill>
-              </a:defRPr>
-            </a:lvl9pPr>
-          </a:lstStyle>
-          <a:p>
-            <a:pPr lvl="0"/>
-            <a:r>
-              <a:rPr lang="en-US"/>
-              <a:t>Click to edit Master text styles</a:t>
-            </a:r>
-          </a:p>
-        </p:txBody>
-      </p:sp>
-      <p:sp>
-        <p:nvSpPr>
-          <p:cNvPr id="4" name="Date Placeholder 3"/>
-          <p:cNvSpPr>
-            <a:spLocks noGrp="1"/>
-          </p:cNvSpPr>
-          <p:nvPr>
-            <p:ph type="dt" sz="half" idx="10"/>
-          </p:nvPr>
-        </p:nvSpPr>
-        <p:spPr/>
-        <p:txBody>
-          <a:bodyPr/>
-          <a:lstStyle/>
-          <a:p>
-            <a:fld id="{B61BEF0D-F0BB-DE4B-95CE-6DB70DBA9567}" type="datetimeFigureOut">
-              <a:rPr lang="en-US" smtClean="0"/>
-              <a:pPr/>
-              <a:t>11/6/2020</a:t>
-            </a:fld>
-            <a:endParaRPr lang="en-US" dirty="0"/>
-          </a:p>
-        </p:txBody>
-      </p:sp>
-      <p:sp>
-        <p:nvSpPr>
-          <p:cNvPr id="5" name="Footer Placeholder 4"/>
-          <p:cNvSpPr>
-            <a:spLocks noGrp="1"/>
-          </p:cNvSpPr>
-          <p:nvPr>
-            <p:ph type="ftr" sz="quarter" idx="11"/>
-          </p:nvPr>
-        </p:nvSpPr>
-        <p:spPr/>
-        <p:txBody>
-          <a:bodyPr/>
-          <a:lstStyle/>
-          <a:p>
-            <a:endParaRPr lang="en-US" dirty="0"/>
-          </a:p>
-        </p:txBody>
-      </p:sp>
-      <p:sp>
-        <p:nvSpPr>
-          <p:cNvPr id="6" name="Slide Number Placeholder 5"/>
-          <p:cNvSpPr>
-            <a:spLocks noGrp="1"/>
-          </p:cNvSpPr>
-          <p:nvPr>
-            <p:ph type="sldNum" sz="quarter" idx="12"/>
-          </p:nvPr>
-        </p:nvSpPr>
-        <p:spPr/>
-        <p:txBody>
-          <a:bodyPr/>
-          <a:lstStyle/>
-          <a:p>
-            <a:fld id="{D57F1E4F-1CFF-5643-939E-217C01CDF565}" type="slidenum">
-              <a:rPr lang="en-US" smtClean="0"/>
-              <a:pPr/>
-              <a:t>‹#›</a:t>
-            </a:fld>
-            <a:endParaRPr lang="en-US" dirty="0"/>
           </a:p>
         </p:txBody>
       </p:sp>
     </p:spTree>
     <p:extLst>
       <p:ext uri="{BB962C8B-B14F-4D97-AF65-F5344CB8AC3E}">
-        <p14:creationId xmlns:p14="http://schemas.microsoft.com/office/powerpoint/2010/main" val="3478415396"/>
+        <p14:creationId xmlns:p14="http://schemas.microsoft.com/office/powerpoint/2010/main" val="489571691"/>
       </p:ext>
     </p:extLst>
   </p:cSld>
@@ -3300,8 +3105,8 @@
         </p:nvSpPr>
         <p:spPr>
           <a:xfrm>
-            <a:off x="1141412" y="609601"/>
-            <a:ext cx="9905999" cy="2743199"/>
+            <a:off x="684213" y="685800"/>
+            <a:ext cx="10058400" cy="2743200"/>
           </a:xfrm>
         </p:spPr>
         <p:txBody>
@@ -3316,7 +3121,7 @@
           <a:p>
             <a:pPr marL="0" lvl="0"/>
             <a:r>
-              <a:rPr lang="en-US"/>
+              <a:rPr lang="en-US" smtClean="0"/>
               <a:t>Click to edit Master title style</a:t>
             </a:r>
             <a:endParaRPr lang="en-US" dirty="0"/>
@@ -3335,8 +3140,8 @@
         </p:nvSpPr>
         <p:spPr>
           <a:xfrm>
-            <a:off x="1141412" y="3505200"/>
-            <a:ext cx="9906000" cy="838200"/>
+            <a:off x="684212" y="3928534"/>
+            <a:ext cx="8534400" cy="838200"/>
           </a:xfrm>
         </p:spPr>
         <p:txBody>
@@ -3346,27 +3151,14 @@
           <a:lstStyle>
             <a:lvl1pPr>
               <a:buNone/>
-              <a:defRPr lang="en-US" sz="2800" b="0" cap="all" dirty="0">
+              <a:defRPr lang="en-US" sz="2400" b="0" cap="all" dirty="0">
                 <a:ln w="3175" cmpd="sng">
                   <a:noFill/>
                 </a:ln>
                 <a:solidFill>
                   <a:schemeClr val="tx1"/>
                 </a:solidFill>
-                <a:effectLst>
-                  <a:glow rad="38100">
-                    <a:schemeClr val="bg1">
-                      <a:lumMod val="65000"/>
-                      <a:lumOff val="35000"/>
-                      <a:alpha val="40000"/>
-                    </a:schemeClr>
-                  </a:glow>
-                  <a:outerShdw blurRad="28575" dist="38100" dir="14040000" algn="tl" rotWithShape="0">
-                    <a:srgbClr val="000000">
-                      <a:alpha val="25000"/>
-                    </a:srgbClr>
-                  </a:outerShdw>
-                </a:effectLst>
+                <a:effectLst/>
               </a:defRPr>
             </a:lvl1pPr>
           </a:lstStyle>
@@ -3378,7 +3170,7 @@
               <a:buNone/>
             </a:pPr>
             <a:r>
-              <a:rPr lang="en-US"/>
+              <a:rPr lang="en-US" smtClean="0"/>
               <a:t>Click to edit Master text styles</a:t>
             </a:r>
           </a:p>
@@ -3396,8 +3188,8 @@
         </p:nvSpPr>
         <p:spPr>
           <a:xfrm>
-            <a:off x="1141411" y="4343400"/>
-            <a:ext cx="9906000" cy="1447800"/>
+            <a:off x="684211" y="4766732"/>
+            <a:ext cx="8534401" cy="1227667"/>
           </a:xfrm>
         </p:spPr>
         <p:txBody>
@@ -3409,7 +3201,9 @@
               <a:buNone/>
               <a:defRPr sz="1800">
                 <a:solidFill>
-                  <a:schemeClr val="tx1"/>
+                  <a:schemeClr val="bg2">
+                    <a:lumMod val="75000"/>
+                  </a:schemeClr>
                 </a:solidFill>
               </a:defRPr>
             </a:lvl1pPr>
@@ -3497,7 +3291,7 @@
           <a:p>
             <a:pPr lvl="0"/>
             <a:r>
-              <a:rPr lang="en-US"/>
+              <a:rPr lang="en-US" smtClean="0"/>
               <a:t>Click to edit Master text styles</a:t>
             </a:r>
           </a:p>
@@ -3521,7 +3315,7 @@
             <a:fld id="{B61BEF0D-F0BB-DE4B-95CE-6DB70DBA9567}" type="datetimeFigureOut">
               <a:rPr lang="en-US" smtClean="0"/>
               <a:pPr/>
-              <a:t>11/6/2020</a:t>
+              <a:t>12/4/2020</a:t>
             </a:fld>
             <a:endParaRPr lang="en-US" dirty="0"/>
           </a:p>
@@ -3573,7 +3367,7 @@
     </p:spTree>
     <p:extLst>
       <p:ext uri="{BB962C8B-B14F-4D97-AF65-F5344CB8AC3E}">
-        <p14:creationId xmlns:p14="http://schemas.microsoft.com/office/powerpoint/2010/main" val="4042023316"/>
+        <p14:creationId xmlns:p14="http://schemas.microsoft.com/office/powerpoint/2010/main" val="814691185"/>
       </p:ext>
     </p:extLst>
   </p:cSld>
@@ -3602,7 +3396,7 @@
       </p:grpSpPr>
       <p:sp>
         <p:nvSpPr>
-          <p:cNvPr id="7" name="Title 1"/>
+          <p:cNvPr id="2" name="Title 1"/>
           <p:cNvSpPr>
             <a:spLocks noGrp="1"/>
           </p:cNvSpPr>
@@ -3610,18 +3404,17 @@
             <p:ph type="title"/>
           </p:nvPr>
         </p:nvSpPr>
-        <p:spPr>
-          <a:xfrm>
-            <a:off x="1141413" y="609600"/>
-            <a:ext cx="9905998" cy="1905000"/>
-          </a:xfrm>
-        </p:spPr>
+        <p:spPr/>
         <p:txBody>
           <a:bodyPr/>
-          <a:lstStyle/>
-          <a:p>
-            <a:r>
-              <a:rPr lang="en-US"/>
+          <a:lstStyle>
+            <a:lvl1pPr algn="l">
+              <a:defRPr/>
+            </a:lvl1pPr>
+          </a:lstStyle>
+          <a:p>
+            <a:r>
+              <a:rPr lang="en-US" smtClean="0"/>
               <a:t>Click to edit Master title style</a:t>
             </a:r>
             <a:endParaRPr lang="en-US" dirty="0"/>
@@ -3645,35 +3438,35 @@
           <a:p>
             <a:pPr lvl="0"/>
             <a:r>
-              <a:rPr lang="en-US"/>
+              <a:rPr lang="en-US" smtClean="0"/>
               <a:t>Click to edit Master text styles</a:t>
             </a:r>
           </a:p>
           <a:p>
             <a:pPr lvl="1"/>
             <a:r>
-              <a:rPr lang="en-US"/>
+              <a:rPr lang="en-US" smtClean="0"/>
               <a:t>Second level</a:t>
             </a:r>
           </a:p>
           <a:p>
             <a:pPr lvl="2"/>
             <a:r>
-              <a:rPr lang="en-US"/>
+              <a:rPr lang="en-US" smtClean="0"/>
               <a:t>Third level</a:t>
             </a:r>
           </a:p>
           <a:p>
             <a:pPr lvl="3"/>
             <a:r>
-              <a:rPr lang="en-US"/>
+              <a:rPr lang="en-US" smtClean="0"/>
               <a:t>Fourth level</a:t>
             </a:r>
           </a:p>
           <a:p>
             <a:pPr lvl="4"/>
             <a:r>
-              <a:rPr lang="en-US"/>
+              <a:rPr lang="en-US" smtClean="0"/>
               <a:t>Fifth level</a:t>
             </a:r>
             <a:endParaRPr lang="en-US" dirty="0"/>
@@ -3698,7 +3491,7 @@
             <a:fld id="{B61BEF0D-F0BB-DE4B-95CE-6DB70DBA9567}" type="datetimeFigureOut">
               <a:rPr lang="en-US" smtClean="0"/>
               <a:pPr/>
-              <a:t>11/6/2020</a:t>
+              <a:t>12/4/2020</a:t>
             </a:fld>
             <a:endParaRPr lang="en-US" dirty="0"/>
           </a:p>
@@ -3750,7 +3543,7 @@
     </p:spTree>
     <p:extLst>
       <p:ext uri="{BB962C8B-B14F-4D97-AF65-F5344CB8AC3E}">
-        <p14:creationId xmlns:p14="http://schemas.microsoft.com/office/powerpoint/2010/main" val="3241195219"/>
+        <p14:creationId xmlns:p14="http://schemas.microsoft.com/office/powerpoint/2010/main" val="3427348382"/>
       </p:ext>
     </p:extLst>
   </p:cSld>
@@ -3789,8 +3582,8 @@
         </p:nvSpPr>
         <p:spPr>
           <a:xfrm>
-            <a:off x="8836898" y="609599"/>
-            <a:ext cx="2210514" cy="5181601"/>
+            <a:off x="8685212" y="685800"/>
+            <a:ext cx="2057400" cy="4572000"/>
           </a:xfrm>
         </p:spPr>
         <p:txBody>
@@ -3798,7 +3591,7 @@
           <a:lstStyle/>
           <a:p>
             <a:r>
-              <a:rPr lang="en-US"/>
+              <a:rPr lang="en-US" smtClean="0"/>
               <a:t>Click to edit Master title style</a:t>
             </a:r>
             <a:endParaRPr lang="en-US" dirty="0"/>
@@ -3817,8 +3610,8 @@
         </p:nvSpPr>
         <p:spPr>
           <a:xfrm>
-            <a:off x="1141412" y="609600"/>
-            <a:ext cx="7543800" cy="5181600"/>
+            <a:off x="685800" y="685800"/>
+            <a:ext cx="7823200" cy="5308600"/>
           </a:xfrm>
         </p:spPr>
         <p:txBody>
@@ -3827,35 +3620,35 @@
           <a:p>
             <a:pPr lvl="0"/>
             <a:r>
-              <a:rPr lang="en-US"/>
+              <a:rPr lang="en-US" smtClean="0"/>
               <a:t>Click to edit Master text styles</a:t>
             </a:r>
           </a:p>
           <a:p>
             <a:pPr lvl="1"/>
             <a:r>
-              <a:rPr lang="en-US"/>
+              <a:rPr lang="en-US" smtClean="0"/>
               <a:t>Second level</a:t>
             </a:r>
           </a:p>
           <a:p>
             <a:pPr lvl="2"/>
             <a:r>
-              <a:rPr lang="en-US"/>
+              <a:rPr lang="en-US" smtClean="0"/>
               <a:t>Third level</a:t>
             </a:r>
           </a:p>
           <a:p>
             <a:pPr lvl="3"/>
             <a:r>
-              <a:rPr lang="en-US"/>
+              <a:rPr lang="en-US" smtClean="0"/>
               <a:t>Fourth level</a:t>
             </a:r>
           </a:p>
           <a:p>
             <a:pPr lvl="4"/>
             <a:r>
-              <a:rPr lang="en-US"/>
+              <a:rPr lang="en-US" smtClean="0"/>
               <a:t>Fifth level</a:t>
             </a:r>
             <a:endParaRPr lang="en-US" dirty="0"/>
@@ -3880,7 +3673,7 @@
             <a:fld id="{B61BEF0D-F0BB-DE4B-95CE-6DB70DBA9567}" type="datetimeFigureOut">
               <a:rPr lang="en-US" smtClean="0"/>
               <a:pPr/>
-              <a:t>11/6/2020</a:t>
+              <a:t>12/4/2020</a:t>
             </a:fld>
             <a:endParaRPr lang="en-US" dirty="0"/>
           </a:p>
@@ -3932,7 +3725,7 @@
     </p:spTree>
     <p:extLst>
       <p:ext uri="{BB962C8B-B14F-4D97-AF65-F5344CB8AC3E}">
-        <p14:creationId xmlns:p14="http://schemas.microsoft.com/office/powerpoint/2010/main" val="2277728959"/>
+        <p14:creationId xmlns:p14="http://schemas.microsoft.com/office/powerpoint/2010/main" val="2617180812"/>
       </p:ext>
     </p:extLst>
   </p:cSld>
@@ -3975,7 +3768,7 @@
           <a:lstStyle/>
           <a:p>
             <a:r>
-              <a:rPr lang="en-US"/>
+              <a:rPr lang="en-US" smtClean="0"/>
               <a:t>Click to edit Master title style</a:t>
             </a:r>
             <a:endParaRPr lang="en-US" dirty="0"/>
@@ -3999,35 +3792,35 @@
           <a:p>
             <a:pPr lvl="0"/>
             <a:r>
-              <a:rPr lang="en-US"/>
+              <a:rPr lang="en-US" smtClean="0"/>
               <a:t>Click to edit Master text styles</a:t>
             </a:r>
           </a:p>
           <a:p>
             <a:pPr lvl="1"/>
             <a:r>
-              <a:rPr lang="en-US"/>
+              <a:rPr lang="en-US" smtClean="0"/>
               <a:t>Second level</a:t>
             </a:r>
           </a:p>
           <a:p>
             <a:pPr lvl="2"/>
             <a:r>
-              <a:rPr lang="en-US"/>
+              <a:rPr lang="en-US" smtClean="0"/>
               <a:t>Third level</a:t>
             </a:r>
           </a:p>
           <a:p>
             <a:pPr lvl="3"/>
             <a:r>
-              <a:rPr lang="en-US"/>
+              <a:rPr lang="en-US" smtClean="0"/>
               <a:t>Fourth level</a:t>
             </a:r>
           </a:p>
           <a:p>
             <a:pPr lvl="4"/>
             <a:r>
-              <a:rPr lang="en-US"/>
+              <a:rPr lang="en-US" smtClean="0"/>
               <a:t>Fifth level</a:t>
             </a:r>
             <a:endParaRPr lang="en-US" dirty="0"/>
@@ -4052,7 +3845,7 @@
             <a:fld id="{B61BEF0D-F0BB-DE4B-95CE-6DB70DBA9567}" type="datetimeFigureOut">
               <a:rPr lang="en-US" smtClean="0"/>
               <a:pPr/>
-              <a:t>11/6/2020</a:t>
+              <a:t>12/4/2020</a:t>
             </a:fld>
             <a:endParaRPr lang="en-US" dirty="0"/>
           </a:p>
@@ -4104,7 +3897,7 @@
     </p:spTree>
     <p:extLst>
       <p:ext uri="{BB962C8B-B14F-4D97-AF65-F5344CB8AC3E}">
-        <p14:creationId xmlns:p14="http://schemas.microsoft.com/office/powerpoint/2010/main" val="3152950340"/>
+        <p14:creationId xmlns:p14="http://schemas.microsoft.com/office/powerpoint/2010/main" val="3737108861"/>
       </p:ext>
     </p:extLst>
   </p:cSld>
@@ -4143,20 +3936,22 @@
         </p:nvSpPr>
         <p:spPr>
           <a:xfrm>
-            <a:off x="1751013" y="3308581"/>
-            <a:ext cx="8686800" cy="1468800"/>
+            <a:off x="684211" y="2006600"/>
+            <a:ext cx="8534401" cy="2281600"/>
           </a:xfrm>
         </p:spPr>
         <p:txBody>
-          <a:bodyPr anchor="b"/>
+          <a:bodyPr anchor="b">
+            <a:normAutofit/>
+          </a:bodyPr>
           <a:lstStyle>
-            <a:lvl1pPr algn="r">
-              <a:defRPr sz="4000" b="0" cap="all"/>
+            <a:lvl1pPr algn="l">
+              <a:defRPr sz="3600" b="0" cap="all"/>
             </a:lvl1pPr>
           </a:lstStyle>
           <a:p>
             <a:r>
-              <a:rPr lang="en-US"/>
+              <a:rPr lang="en-US" smtClean="0"/>
               <a:t>Click to edit Master title style</a:t>
             </a:r>
             <a:endParaRPr lang="en-US" dirty="0"/>
@@ -4175,8 +3970,8 @@
         </p:nvSpPr>
         <p:spPr>
           <a:xfrm>
-            <a:off x="1751011" y="4777381"/>
-            <a:ext cx="8686801" cy="860400"/>
+            <a:off x="684213" y="4495800"/>
+            <a:ext cx="8534400" cy="1498600"/>
           </a:xfrm>
         </p:spPr>
         <p:txBody>
@@ -4184,11 +3979,13 @@
             <a:normAutofit/>
           </a:bodyPr>
           <a:lstStyle>
-            <a:lvl1pPr marL="0" indent="0" algn="r">
-              <a:buNone/>
-              <a:defRPr sz="2000">
-                <a:solidFill>
-                  <a:schemeClr val="tx1"/>
+            <a:lvl1pPr marL="0" indent="0" algn="l">
+              <a:buNone/>
+              <a:defRPr sz="1800">
+                <a:solidFill>
+                  <a:schemeClr val="bg2">
+                    <a:lumMod val="75000"/>
+                  </a:schemeClr>
                 </a:solidFill>
               </a:defRPr>
             </a:lvl1pPr>
@@ -4276,7 +4073,7 @@
           <a:p>
             <a:pPr lvl="0"/>
             <a:r>
-              <a:rPr lang="en-US"/>
+              <a:rPr lang="en-US" smtClean="0"/>
               <a:t>Click to edit Master text styles</a:t>
             </a:r>
           </a:p>
@@ -4300,7 +4097,7 @@
             <a:fld id="{B61BEF0D-F0BB-DE4B-95CE-6DB70DBA9567}" type="datetimeFigureOut">
               <a:rPr lang="en-US" smtClean="0"/>
               <a:pPr/>
-              <a:t>11/6/2020</a:t>
+              <a:t>12/4/2020</a:t>
             </a:fld>
             <a:endParaRPr lang="en-US" dirty="0"/>
           </a:p>
@@ -4352,7 +4149,7 @@
     </p:spTree>
     <p:extLst>
       <p:ext uri="{BB962C8B-B14F-4D97-AF65-F5344CB8AC3E}">
-        <p14:creationId xmlns:p14="http://schemas.microsoft.com/office/powerpoint/2010/main" val="191512035"/>
+        <p14:creationId xmlns:p14="http://schemas.microsoft.com/office/powerpoint/2010/main" val="1062533127"/>
       </p:ext>
     </p:extLst>
   </p:cSld>
@@ -4395,7 +4192,7 @@
           <a:lstStyle/>
           <a:p>
             <a:r>
-              <a:rPr lang="en-US"/>
+              <a:rPr lang="en-US" smtClean="0"/>
               <a:t>Click to edit Master title style</a:t>
             </a:r>
             <a:endParaRPr lang="en-US" dirty="0"/>
@@ -4414,75 +4211,47 @@
         </p:nvSpPr>
         <p:spPr>
           <a:xfrm>
-            <a:off x="1141412" y="2666999"/>
-            <a:ext cx="4876800" cy="3124201"/>
+            <a:off x="684211" y="685800"/>
+            <a:ext cx="4937655" cy="3615267"/>
           </a:xfrm>
         </p:spPr>
         <p:txBody>
           <a:bodyPr>
             <a:normAutofit/>
           </a:bodyPr>
-          <a:lstStyle>
-            <a:lvl1pPr>
-              <a:defRPr sz="1800"/>
-            </a:lvl1pPr>
-            <a:lvl2pPr>
-              <a:defRPr sz="1600"/>
-            </a:lvl2pPr>
-            <a:lvl3pPr>
-              <a:defRPr sz="1400"/>
-            </a:lvl3pPr>
-            <a:lvl4pPr>
-              <a:defRPr sz="1200"/>
-            </a:lvl4pPr>
-            <a:lvl5pPr>
-              <a:defRPr sz="1200"/>
-            </a:lvl5pPr>
-            <a:lvl6pPr>
-              <a:defRPr sz="1200"/>
-            </a:lvl6pPr>
-            <a:lvl7pPr>
-              <a:defRPr sz="1200"/>
-            </a:lvl7pPr>
-            <a:lvl8pPr>
-              <a:defRPr sz="1200"/>
-            </a:lvl8pPr>
-            <a:lvl9pPr>
-              <a:defRPr sz="1200"/>
-            </a:lvl9pPr>
-          </a:lstStyle>
+          <a:lstStyle/>
           <a:p>
             <a:pPr lvl="0"/>
             <a:r>
-              <a:rPr lang="en-US"/>
+              <a:rPr lang="en-US" smtClean="0"/>
               <a:t>Click to edit Master text styles</a:t>
             </a:r>
           </a:p>
           <a:p>
             <a:pPr lvl="1"/>
             <a:r>
-              <a:rPr lang="en-US"/>
+              <a:rPr lang="en-US" smtClean="0"/>
               <a:t>Second level</a:t>
             </a:r>
           </a:p>
           <a:p>
             <a:pPr lvl="2"/>
             <a:r>
-              <a:rPr lang="en-US"/>
+              <a:rPr lang="en-US" smtClean="0"/>
               <a:t>Third level</a:t>
             </a:r>
           </a:p>
           <a:p>
             <a:pPr lvl="3"/>
             <a:r>
-              <a:rPr lang="en-US"/>
+              <a:rPr lang="en-US" smtClean="0"/>
               <a:t>Fourth level</a:t>
             </a:r>
           </a:p>
           <a:p>
             <a:pPr lvl="4"/>
             <a:r>
-              <a:rPr lang="en-US"/>
+              <a:rPr lang="en-US" smtClean="0"/>
               <a:t>Fifth level</a:t>
             </a:r>
             <a:endParaRPr lang="en-US" dirty="0"/>
@@ -4501,75 +4270,47 @@
         </p:nvSpPr>
         <p:spPr>
           <a:xfrm>
-            <a:off x="6170612" y="2667000"/>
-            <a:ext cx="4876800" cy="3124200"/>
+            <a:off x="5808133" y="685801"/>
+            <a:ext cx="4934479" cy="3615266"/>
           </a:xfrm>
         </p:spPr>
         <p:txBody>
           <a:bodyPr>
             <a:normAutofit/>
           </a:bodyPr>
-          <a:lstStyle>
-            <a:lvl1pPr>
-              <a:defRPr sz="1800"/>
-            </a:lvl1pPr>
-            <a:lvl2pPr>
-              <a:defRPr sz="1600"/>
-            </a:lvl2pPr>
-            <a:lvl3pPr>
-              <a:defRPr sz="1400"/>
-            </a:lvl3pPr>
-            <a:lvl4pPr>
-              <a:defRPr sz="1200"/>
-            </a:lvl4pPr>
-            <a:lvl5pPr>
-              <a:defRPr sz="1200"/>
-            </a:lvl5pPr>
-            <a:lvl6pPr>
-              <a:defRPr sz="1200"/>
-            </a:lvl6pPr>
-            <a:lvl7pPr>
-              <a:defRPr sz="1200"/>
-            </a:lvl7pPr>
-            <a:lvl8pPr>
-              <a:defRPr sz="1200"/>
-            </a:lvl8pPr>
-            <a:lvl9pPr>
-              <a:defRPr sz="1200"/>
-            </a:lvl9pPr>
-          </a:lstStyle>
+          <a:lstStyle/>
           <a:p>
             <a:pPr lvl="0"/>
             <a:r>
-              <a:rPr lang="en-US"/>
+              <a:rPr lang="en-US" smtClean="0"/>
               <a:t>Click to edit Master text styles</a:t>
             </a:r>
           </a:p>
           <a:p>
             <a:pPr lvl="1"/>
             <a:r>
-              <a:rPr lang="en-US"/>
+              <a:rPr lang="en-US" smtClean="0"/>
               <a:t>Second level</a:t>
             </a:r>
           </a:p>
           <a:p>
             <a:pPr lvl="2"/>
             <a:r>
-              <a:rPr lang="en-US"/>
+              <a:rPr lang="en-US" smtClean="0"/>
               <a:t>Third level</a:t>
             </a:r>
           </a:p>
           <a:p>
             <a:pPr lvl="3"/>
             <a:r>
-              <a:rPr lang="en-US"/>
+              <a:rPr lang="en-US" smtClean="0"/>
               <a:t>Fourth level</a:t>
             </a:r>
           </a:p>
           <a:p>
             <a:pPr lvl="4"/>
             <a:r>
-              <a:rPr lang="en-US"/>
+              <a:rPr lang="en-US" smtClean="0"/>
               <a:t>Fifth level</a:t>
             </a:r>
             <a:endParaRPr lang="en-US" dirty="0"/>
@@ -4594,7 +4335,7 @@
             <a:fld id="{B61BEF0D-F0BB-DE4B-95CE-6DB70DBA9567}" type="datetimeFigureOut">
               <a:rPr lang="en-US" smtClean="0"/>
               <a:pPr/>
-              <a:t>11/6/2020</a:t>
+              <a:t>12/4/2020</a:t>
             </a:fld>
             <a:endParaRPr lang="en-US" dirty="0"/>
           </a:p>
@@ -4646,7 +4387,7 @@
     </p:spTree>
     <p:extLst>
       <p:ext uri="{BB962C8B-B14F-4D97-AF65-F5344CB8AC3E}">
-        <p14:creationId xmlns:p14="http://schemas.microsoft.com/office/powerpoint/2010/main" val="622873338"/>
+        <p14:creationId xmlns:p14="http://schemas.microsoft.com/office/powerpoint/2010/main" val="1850014366"/>
       </p:ext>
     </p:extLst>
   </p:cSld>
@@ -4693,7 +4434,7 @@
           </a:lstStyle>
           <a:p>
             <a:r>
-              <a:rPr lang="en-US"/>
+              <a:rPr lang="en-US" smtClean="0"/>
               <a:t>Click to edit Master title style</a:t>
             </a:r>
             <a:endParaRPr lang="en-US" dirty="0"/>
@@ -4712,8 +4453,8 @@
         </p:nvSpPr>
         <p:spPr>
           <a:xfrm>
-            <a:off x="1429280" y="2658533"/>
-            <a:ext cx="4588931" cy="576262"/>
+            <a:off x="972080" y="685800"/>
+            <a:ext cx="4649787" cy="576262"/>
           </a:xfrm>
         </p:spPr>
         <p:txBody>
@@ -4723,7 +4464,11 @@
           <a:lstStyle>
             <a:lvl1pPr marL="0" indent="0">
               <a:buNone/>
-              <a:defRPr sz="2800" b="0"/>
+              <a:defRPr sz="2800" b="0">
+                <a:solidFill>
+                  <a:schemeClr val="tx1"/>
+                </a:solidFill>
+              </a:defRPr>
             </a:lvl1pPr>
             <a:lvl2pPr marL="457200" indent="0">
               <a:buNone/>
@@ -4761,7 +4506,7 @@
           <a:p>
             <a:pPr lvl="0"/>
             <a:r>
-              <a:rPr lang="en-US"/>
+              <a:rPr lang="en-US" smtClean="0"/>
               <a:t>Click to edit Master text styles</a:t>
             </a:r>
           </a:p>
@@ -4779,75 +4524,47 @@
         </p:nvSpPr>
         <p:spPr>
           <a:xfrm>
-            <a:off x="1141412" y="3243262"/>
-            <a:ext cx="4876800" cy="2547937"/>
+            <a:off x="684211" y="1270529"/>
+            <a:ext cx="4937655" cy="3030538"/>
           </a:xfrm>
         </p:spPr>
         <p:txBody>
           <a:bodyPr anchor="t">
             <a:normAutofit/>
           </a:bodyPr>
-          <a:lstStyle>
-            <a:lvl1pPr>
-              <a:defRPr sz="1800"/>
-            </a:lvl1pPr>
-            <a:lvl2pPr>
-              <a:defRPr sz="1600"/>
-            </a:lvl2pPr>
-            <a:lvl3pPr>
-              <a:defRPr sz="1400"/>
-            </a:lvl3pPr>
-            <a:lvl4pPr>
-              <a:defRPr sz="1200"/>
-            </a:lvl4pPr>
-            <a:lvl5pPr>
-              <a:defRPr sz="1200"/>
-            </a:lvl5pPr>
-            <a:lvl6pPr>
-              <a:defRPr sz="1200"/>
-            </a:lvl6pPr>
-            <a:lvl7pPr>
-              <a:defRPr sz="1200"/>
-            </a:lvl7pPr>
-            <a:lvl8pPr>
-              <a:defRPr sz="1200"/>
-            </a:lvl8pPr>
-            <a:lvl9pPr>
-              <a:defRPr sz="1200"/>
-            </a:lvl9pPr>
-          </a:lstStyle>
+          <a:lstStyle/>
           <a:p>
             <a:pPr lvl="0"/>
             <a:r>
-              <a:rPr lang="en-US"/>
+              <a:rPr lang="en-US" smtClean="0"/>
               <a:t>Click to edit Master text styles</a:t>
             </a:r>
           </a:p>
           <a:p>
             <a:pPr lvl="1"/>
             <a:r>
-              <a:rPr lang="en-US"/>
+              <a:rPr lang="en-US" smtClean="0"/>
               <a:t>Second level</a:t>
             </a:r>
           </a:p>
           <a:p>
             <a:pPr lvl="2"/>
             <a:r>
-              <a:rPr lang="en-US"/>
+              <a:rPr lang="en-US" smtClean="0"/>
               <a:t>Third level</a:t>
             </a:r>
           </a:p>
           <a:p>
             <a:pPr lvl="3"/>
             <a:r>
-              <a:rPr lang="en-US"/>
+              <a:rPr lang="en-US" smtClean="0"/>
               <a:t>Fourth level</a:t>
             </a:r>
           </a:p>
           <a:p>
             <a:pPr lvl="4"/>
             <a:r>
-              <a:rPr lang="en-US"/>
+              <a:rPr lang="en-US" smtClean="0"/>
               <a:t>Fifth level</a:t>
             </a:r>
             <a:endParaRPr lang="en-US" dirty="0"/>
@@ -4866,8 +4583,8 @@
         </p:nvSpPr>
         <p:spPr>
           <a:xfrm>
-            <a:off x="6443133" y="2667000"/>
-            <a:ext cx="4604280" cy="576262"/>
+            <a:off x="6079066" y="685800"/>
+            <a:ext cx="4665134" cy="576262"/>
           </a:xfrm>
         </p:spPr>
         <p:txBody>
@@ -4877,7 +4594,11 @@
           <a:lstStyle>
             <a:lvl1pPr marL="0" indent="0">
               <a:buNone/>
-              <a:defRPr sz="2800" b="0"/>
+              <a:defRPr sz="2800" b="0">
+                <a:solidFill>
+                  <a:schemeClr val="tx1"/>
+                </a:solidFill>
+              </a:defRPr>
             </a:lvl1pPr>
             <a:lvl2pPr marL="457200" indent="0">
               <a:buNone/>
@@ -4915,7 +4636,7 @@
           <a:p>
             <a:pPr lvl="0"/>
             <a:r>
-              <a:rPr lang="en-US"/>
+              <a:rPr lang="en-US" smtClean="0"/>
               <a:t>Click to edit Master text styles</a:t>
             </a:r>
           </a:p>
@@ -4933,75 +4654,47 @@
         </p:nvSpPr>
         <p:spPr>
           <a:xfrm>
-            <a:off x="6170612" y="3243262"/>
-            <a:ext cx="4876801" cy="2547937"/>
+            <a:off x="5806545" y="1262062"/>
+            <a:ext cx="4929188" cy="3030538"/>
           </a:xfrm>
         </p:spPr>
         <p:txBody>
           <a:bodyPr anchor="t">
             <a:normAutofit/>
           </a:bodyPr>
-          <a:lstStyle>
-            <a:lvl1pPr>
-              <a:defRPr sz="1800"/>
-            </a:lvl1pPr>
-            <a:lvl2pPr>
-              <a:defRPr sz="1600"/>
-            </a:lvl2pPr>
-            <a:lvl3pPr>
-              <a:defRPr sz="1400"/>
-            </a:lvl3pPr>
-            <a:lvl4pPr>
-              <a:defRPr sz="1200"/>
-            </a:lvl4pPr>
-            <a:lvl5pPr>
-              <a:defRPr sz="1200"/>
-            </a:lvl5pPr>
-            <a:lvl6pPr>
-              <a:defRPr sz="1200"/>
-            </a:lvl6pPr>
-            <a:lvl7pPr>
-              <a:defRPr sz="1200"/>
-            </a:lvl7pPr>
-            <a:lvl8pPr>
-              <a:defRPr sz="1200"/>
-            </a:lvl8pPr>
-            <a:lvl9pPr>
-              <a:defRPr sz="1200"/>
-            </a:lvl9pPr>
-          </a:lstStyle>
+          <a:lstStyle/>
           <a:p>
             <a:pPr lvl="0"/>
             <a:r>
-              <a:rPr lang="en-US"/>
+              <a:rPr lang="en-US" smtClean="0"/>
               <a:t>Click to edit Master text styles</a:t>
             </a:r>
           </a:p>
           <a:p>
             <a:pPr lvl="1"/>
             <a:r>
-              <a:rPr lang="en-US"/>
+              <a:rPr lang="en-US" smtClean="0"/>
               <a:t>Second level</a:t>
             </a:r>
           </a:p>
           <a:p>
             <a:pPr lvl="2"/>
             <a:r>
-              <a:rPr lang="en-US"/>
+              <a:rPr lang="en-US" smtClean="0"/>
               <a:t>Third level</a:t>
             </a:r>
           </a:p>
           <a:p>
             <a:pPr lvl="3"/>
             <a:r>
-              <a:rPr lang="en-US"/>
+              <a:rPr lang="en-US" smtClean="0"/>
               <a:t>Fourth level</a:t>
             </a:r>
           </a:p>
           <a:p>
             <a:pPr lvl="4"/>
             <a:r>
-              <a:rPr lang="en-US"/>
+              <a:rPr lang="en-US" smtClean="0"/>
               <a:t>Fifth level</a:t>
             </a:r>
             <a:endParaRPr lang="en-US" dirty="0"/>
@@ -5026,7 +4719,7 @@
             <a:fld id="{B61BEF0D-F0BB-DE4B-95CE-6DB70DBA9567}" type="datetimeFigureOut">
               <a:rPr lang="en-US" smtClean="0"/>
               <a:pPr/>
-              <a:t>11/6/2020</a:t>
+              <a:t>12/4/2020</a:t>
             </a:fld>
             <a:endParaRPr lang="en-US" dirty="0"/>
           </a:p>
@@ -5078,7 +4771,7 @@
     </p:spTree>
     <p:extLst>
       <p:ext uri="{BB962C8B-B14F-4D97-AF65-F5344CB8AC3E}">
-        <p14:creationId xmlns:p14="http://schemas.microsoft.com/office/powerpoint/2010/main" val="1012273148"/>
+        <p14:creationId xmlns:p14="http://schemas.microsoft.com/office/powerpoint/2010/main" val="1415761557"/>
       </p:ext>
     </p:extLst>
   </p:cSld>
@@ -5091,11 +4784,6 @@
 <file path=ppt/slideLayouts/slideLayout6.xml><?xml version="1.0" encoding="utf-8"?>
 <p:sldLayout xmlns:a="http://schemas.openxmlformats.org/drawingml/2006/main" xmlns:r="http://schemas.openxmlformats.org/officeDocument/2006/relationships" xmlns:p="http://schemas.openxmlformats.org/presentationml/2006/main" type="titleOnly" preserve="1">
   <p:cSld name="Title Only">
-    <p:bg>
-      <p:bgRef idx="1003">
-        <a:schemeClr val="bg2"/>
-      </p:bgRef>
-    </p:bg>
     <p:spTree>
       <p:nvGrpSpPr>
         <p:cNvPr id="1" name=""/>
@@ -5126,7 +4814,7 @@
           <a:lstStyle/>
           <a:p>
             <a:r>
-              <a:rPr lang="en-US"/>
+              <a:rPr lang="en-US" smtClean="0"/>
               <a:t>Click to edit Master title style</a:t>
             </a:r>
             <a:endParaRPr lang="en-US" dirty="0"/>
@@ -5151,7 +4839,7 @@
             <a:fld id="{B61BEF0D-F0BB-DE4B-95CE-6DB70DBA9567}" type="datetimeFigureOut">
               <a:rPr lang="en-US" smtClean="0"/>
               <a:pPr/>
-              <a:t>11/6/2020</a:t>
+              <a:t>12/4/2020</a:t>
             </a:fld>
             <a:endParaRPr lang="en-US" dirty="0"/>
           </a:p>
@@ -5203,12 +4891,12 @@
     </p:spTree>
     <p:extLst>
       <p:ext uri="{BB962C8B-B14F-4D97-AF65-F5344CB8AC3E}">
-        <p14:creationId xmlns:p14="http://schemas.microsoft.com/office/powerpoint/2010/main" val="925489122"/>
+        <p14:creationId xmlns:p14="http://schemas.microsoft.com/office/powerpoint/2010/main" val="2328376201"/>
       </p:ext>
     </p:extLst>
   </p:cSld>
   <p:clrMapOvr>
-    <a:overrideClrMapping bg1="dk1" tx1="lt1" bg2="dk2" tx2="lt2" accent1="accent1" accent2="accent2" accent3="accent3" accent4="accent4" accent5="accent5" accent6="accent6" hlink="hlink" folHlink="folHlink"/>
+    <a:masterClrMapping/>
   </p:clrMapOvr>
 </p:sldLayout>
 </file>
@@ -5248,7 +4936,7 @@
             <a:fld id="{B61BEF0D-F0BB-DE4B-95CE-6DB70DBA9567}" type="datetimeFigureOut">
               <a:rPr lang="en-US" smtClean="0"/>
               <a:pPr/>
-              <a:t>11/6/2020</a:t>
+              <a:t>12/4/2020</a:t>
             </a:fld>
             <a:endParaRPr lang="en-US" dirty="0"/>
           </a:p>
@@ -5300,7 +4988,7 @@
     </p:spTree>
     <p:extLst>
       <p:ext uri="{BB962C8B-B14F-4D97-AF65-F5344CB8AC3E}">
-        <p14:creationId xmlns:p14="http://schemas.microsoft.com/office/powerpoint/2010/main" val="2056592982"/>
+        <p14:creationId xmlns:p14="http://schemas.microsoft.com/office/powerpoint/2010/main" val="2795823786"/>
       </p:ext>
     </p:extLst>
   </p:cSld>
@@ -5339,8 +5027,8 @@
         </p:nvSpPr>
         <p:spPr>
           <a:xfrm>
-            <a:off x="1141411" y="1600200"/>
-            <a:ext cx="3549121" cy="1371600"/>
+            <a:off x="7085012" y="685800"/>
+            <a:ext cx="3657600" cy="1371600"/>
           </a:xfrm>
         </p:spPr>
         <p:txBody>
@@ -5354,7 +5042,7 @@
           </a:lstStyle>
           <a:p>
             <a:r>
-              <a:rPr lang="en-US"/>
+              <a:rPr lang="en-US" smtClean="0"/>
               <a:t>Click to edit Master title style</a:t>
             </a:r>
             <a:endParaRPr lang="en-US" dirty="0"/>
@@ -5373,75 +5061,47 @@
         </p:nvSpPr>
         <p:spPr>
           <a:xfrm>
-            <a:off x="5103812" y="609601"/>
-            <a:ext cx="5943601" cy="5181600"/>
+            <a:off x="684212" y="685800"/>
+            <a:ext cx="5943601" cy="5308600"/>
           </a:xfrm>
         </p:spPr>
         <p:txBody>
           <a:bodyPr anchor="ctr">
             <a:normAutofit/>
           </a:bodyPr>
-          <a:lstStyle>
-            <a:lvl1pPr>
-              <a:defRPr sz="2000"/>
-            </a:lvl1pPr>
-            <a:lvl2pPr>
-              <a:defRPr sz="1800"/>
-            </a:lvl2pPr>
-            <a:lvl3pPr>
-              <a:defRPr sz="1600"/>
-            </a:lvl3pPr>
-            <a:lvl4pPr>
-              <a:defRPr sz="1400"/>
-            </a:lvl4pPr>
-            <a:lvl5pPr>
-              <a:defRPr sz="1400"/>
-            </a:lvl5pPr>
-            <a:lvl6pPr>
-              <a:defRPr sz="1400"/>
-            </a:lvl6pPr>
-            <a:lvl7pPr>
-              <a:defRPr sz="1400"/>
-            </a:lvl7pPr>
-            <a:lvl8pPr>
-              <a:defRPr sz="1400"/>
-            </a:lvl8pPr>
-            <a:lvl9pPr>
-              <a:defRPr sz="1400"/>
-            </a:lvl9pPr>
-          </a:lstStyle>
+          <a:lstStyle/>
           <a:p>
             <a:pPr lvl="0"/>
             <a:r>
-              <a:rPr lang="en-US"/>
+              <a:rPr lang="en-US" smtClean="0"/>
               <a:t>Click to edit Master text styles</a:t>
             </a:r>
           </a:p>
           <a:p>
             <a:pPr lvl="1"/>
             <a:r>
-              <a:rPr lang="en-US"/>
+              <a:rPr lang="en-US" smtClean="0"/>
               <a:t>Second level</a:t>
             </a:r>
           </a:p>
           <a:p>
             <a:pPr lvl="2"/>
             <a:r>
-              <a:rPr lang="en-US"/>
+              <a:rPr lang="en-US" smtClean="0"/>
               <a:t>Third level</a:t>
             </a:r>
           </a:p>
           <a:p>
             <a:pPr lvl="3"/>
             <a:r>
-              <a:rPr lang="en-US"/>
+              <a:rPr lang="en-US" smtClean="0"/>
               <a:t>Fourth level</a:t>
             </a:r>
           </a:p>
           <a:p>
             <a:pPr lvl="4"/>
             <a:r>
-              <a:rPr lang="en-US"/>
+              <a:rPr lang="en-US" smtClean="0"/>
               <a:t>Fifth level</a:t>
             </a:r>
             <a:endParaRPr lang="en-US" dirty="0"/>
@@ -5460,12 +5120,12 @@
         </p:nvSpPr>
         <p:spPr>
           <a:xfrm>
-            <a:off x="1141411" y="2971800"/>
-            <a:ext cx="3549121" cy="1828800"/>
+            <a:off x="7085012" y="2209799"/>
+            <a:ext cx="3657600" cy="2091267"/>
           </a:xfrm>
         </p:spPr>
         <p:txBody>
-          <a:bodyPr>
+          <a:bodyPr anchor="t">
             <a:normAutofit/>
           </a:bodyPr>
           <a:lstStyle>
@@ -5509,7 +5169,7 @@
           <a:p>
             <a:pPr lvl="0"/>
             <a:r>
-              <a:rPr lang="en-US"/>
+              <a:rPr lang="en-US" smtClean="0"/>
               <a:t>Click to edit Master text styles</a:t>
             </a:r>
           </a:p>
@@ -5533,7 +5193,7 @@
             <a:fld id="{B61BEF0D-F0BB-DE4B-95CE-6DB70DBA9567}" type="datetimeFigureOut">
               <a:rPr lang="en-US" smtClean="0"/>
               <a:pPr/>
-              <a:t>11/6/2020</a:t>
+              <a:t>12/4/2020</a:t>
             </a:fld>
             <a:endParaRPr lang="en-US" dirty="0"/>
           </a:p>
@@ -5585,7 +5245,7 @@
     </p:spTree>
     <p:extLst>
       <p:ext uri="{BB962C8B-B14F-4D97-AF65-F5344CB8AC3E}">
-        <p14:creationId xmlns:p14="http://schemas.microsoft.com/office/powerpoint/2010/main" val="4078983512"/>
+        <p14:creationId xmlns:p14="http://schemas.microsoft.com/office/powerpoint/2010/main" val="24049734"/>
       </p:ext>
     </p:extLst>
   </p:cSld>
@@ -5624,8 +5284,8 @@
         </p:nvSpPr>
         <p:spPr>
           <a:xfrm>
-            <a:off x="1141411" y="1600200"/>
-            <a:ext cx="5334001" cy="1371600"/>
+            <a:off x="4722812" y="1447800"/>
+            <a:ext cx="6019800" cy="1143000"/>
           </a:xfrm>
         </p:spPr>
         <p:txBody>
@@ -5639,7 +5299,7 @@
           </a:lstStyle>
           <a:p>
             <a:r>
-              <a:rPr lang="en-US"/>
+              <a:rPr lang="en-US" smtClean="0"/>
               <a:t>Click to edit Master title style</a:t>
             </a:r>
             <a:endParaRPr lang="en-US" dirty="0"/>
@@ -5658,27 +5318,24 @@
         </p:nvSpPr>
         <p:spPr>
           <a:xfrm>
-            <a:off x="7433733" y="-18288"/>
-            <a:ext cx="3276599" cy="6903720"/>
+            <a:off x="989012" y="914400"/>
+            <a:ext cx="3280974" cy="4572000"/>
           </a:xfrm>
-          <a:ln w="38100">
-            <a:gradFill flip="none" rotWithShape="1">
-              <a:gsLst>
-                <a:gs pos="0">
-                  <a:schemeClr val="bg2"/>
-                </a:gs>
-                <a:gs pos="100000">
-                  <a:schemeClr val="bg2">
-                    <a:lumMod val="75000"/>
-                  </a:schemeClr>
-                </a:gs>
-              </a:gsLst>
-              <a:lin ang="5400000" scaled="0"/>
-              <a:tileRect/>
-            </a:gradFill>
+          <a:prstGeom prst="snip2DiagRect">
+            <a:avLst>
+              <a:gd name="adj1" fmla="val 10815"/>
+              <a:gd name="adj2" fmla="val 0"/>
+            </a:avLst>
+          </a:prstGeom>
+          <a:ln w="15875">
+            <a:solidFill>
+              <a:schemeClr val="tx1">
+                <a:alpha val="40000"/>
+              </a:schemeClr>
+            </a:solidFill>
           </a:ln>
           <a:effectLst>
-            <a:innerShdw blurRad="57150" dist="38100" dir="10800000">
+            <a:innerShdw blurRad="57150" dist="38100" dir="14460000">
               <a:srgbClr val="000000">
                 <a:alpha val="70000"/>
               </a:srgbClr>
@@ -5729,7 +5386,7 @@
           </a:lstStyle>
           <a:p>
             <a:r>
-              <a:rPr lang="en-US"/>
+              <a:rPr lang="en-US" smtClean="0"/>
               <a:t>Click icon to add picture</a:t>
             </a:r>
             <a:endParaRPr lang="en-US" dirty="0"/>
@@ -5748,12 +5405,12 @@
         </p:nvSpPr>
         <p:spPr>
           <a:xfrm>
-            <a:off x="1141411" y="2971800"/>
-            <a:ext cx="5334001" cy="1828800"/>
+            <a:off x="4722812" y="2777066"/>
+            <a:ext cx="6021388" cy="2048933"/>
           </a:xfrm>
         </p:spPr>
         <p:txBody>
-          <a:bodyPr>
+          <a:bodyPr anchor="t">
             <a:normAutofit/>
           </a:bodyPr>
           <a:lstStyle>
@@ -5797,7 +5454,7 @@
           <a:p>
             <a:pPr lvl="0"/>
             <a:r>
-              <a:rPr lang="en-US"/>
+              <a:rPr lang="en-US" smtClean="0"/>
               <a:t>Click to edit Master text styles</a:t>
             </a:r>
           </a:p>
@@ -5813,12 +5470,7 @@
             <p:ph type="dt" sz="half" idx="10"/>
           </p:nvPr>
         </p:nvSpPr>
-        <p:spPr>
-          <a:xfrm>
-            <a:off x="6399212" y="5883275"/>
-            <a:ext cx="914400" cy="365125"/>
-          </a:xfrm>
-        </p:spPr>
+        <p:spPr/>
         <p:txBody>
           <a:bodyPr/>
           <a:lstStyle/>
@@ -5826,7 +5478,7 @@
             <a:fld id="{B61BEF0D-F0BB-DE4B-95CE-6DB70DBA9567}" type="datetimeFigureOut">
               <a:rPr lang="en-US" smtClean="0"/>
               <a:pPr/>
-              <a:t>11/6/2020</a:t>
+              <a:t>12/4/2020</a:t>
             </a:fld>
             <a:endParaRPr lang="en-US" dirty="0"/>
           </a:p>
@@ -5842,12 +5494,7 @@
             <p:ph type="ftr" sz="quarter" idx="11"/>
           </p:nvPr>
         </p:nvSpPr>
-        <p:spPr>
-          <a:xfrm>
-            <a:off x="1141412" y="5883275"/>
-            <a:ext cx="5105400" cy="365125"/>
-          </a:xfrm>
-        </p:spPr>
+        <p:spPr/>
         <p:txBody>
           <a:bodyPr/>
           <a:lstStyle/>
@@ -5866,12 +5513,7 @@
             <p:ph type="sldNum" sz="quarter" idx="12"/>
           </p:nvPr>
         </p:nvSpPr>
-        <p:spPr>
-          <a:xfrm>
-            <a:off x="10742612" y="5883275"/>
-            <a:ext cx="322567" cy="365125"/>
-          </a:xfrm>
-        </p:spPr>
+        <p:spPr/>
         <p:txBody>
           <a:bodyPr/>
           <a:lstStyle/>
@@ -5888,7 +5530,7 @@
     </p:spTree>
     <p:extLst>
       <p:ext uri="{BB962C8B-B14F-4D97-AF65-F5344CB8AC3E}">
-        <p14:creationId xmlns:p14="http://schemas.microsoft.com/office/powerpoint/2010/main" val="2530423579"/>
+        <p14:creationId xmlns:p14="http://schemas.microsoft.com/office/powerpoint/2010/main" val="297243702"/>
       </p:ext>
     </p:extLst>
   </p:cSld>
@@ -5902,7 +5544,7 @@
 <p:sldMaster xmlns:a="http://schemas.openxmlformats.org/drawingml/2006/main" xmlns:r="http://schemas.openxmlformats.org/officeDocument/2006/relationships" xmlns:p="http://schemas.openxmlformats.org/presentationml/2006/main">
   <p:cSld>
     <p:bg>
-      <p:bgRef idx="1003">
+      <p:bgRef idx="1001">
         <a:schemeClr val="bg2"/>
       </p:bgRef>
     </p:bg>
@@ -5920,6 +5562,196 @@
           <a:chExt cx="0" cy="0"/>
         </a:xfrm>
       </p:grpSpPr>
+      <p:grpSp>
+        <p:nvGrpSpPr>
+          <p:cNvPr id="7" name="Group 6"/>
+          <p:cNvGrpSpPr/>
+          <p:nvPr/>
+        </p:nvGrpSpPr>
+        <p:grpSpPr>
+          <a:xfrm>
+            <a:off x="9206969" y="2963333"/>
+            <a:ext cx="2981858" cy="3208867"/>
+            <a:chOff x="9206969" y="2963333"/>
+            <a:chExt cx="2981858" cy="3208867"/>
+          </a:xfrm>
+        </p:grpSpPr>
+        <p:cxnSp>
+          <p:nvCxnSpPr>
+            <p:cNvPr id="8" name="Straight Connector 7"/>
+            <p:cNvCxnSpPr/>
+            <p:nvPr/>
+          </p:nvCxnSpPr>
+          <p:spPr>
+            <a:xfrm flipH="1">
+              <a:off x="11276012" y="2963333"/>
+              <a:ext cx="912814" cy="912812"/>
+            </a:xfrm>
+            <a:prstGeom prst="line">
+              <a:avLst/>
+            </a:prstGeom>
+            <a:ln w="9525">
+              <a:solidFill>
+                <a:schemeClr val="tx1"/>
+              </a:solidFill>
+            </a:ln>
+          </p:spPr>
+          <p:style>
+            <a:lnRef idx="2">
+              <a:schemeClr val="accent1"/>
+            </a:lnRef>
+            <a:fillRef idx="0">
+              <a:schemeClr val="accent1"/>
+            </a:fillRef>
+            <a:effectRef idx="1">
+              <a:schemeClr val="accent1"/>
+            </a:effectRef>
+            <a:fontRef idx="minor">
+              <a:schemeClr val="tx1"/>
+            </a:fontRef>
+          </p:style>
+        </p:cxnSp>
+        <p:cxnSp>
+          <p:nvCxnSpPr>
+            <p:cNvPr id="9" name="Straight Connector 8"/>
+            <p:cNvCxnSpPr/>
+            <p:nvPr/>
+          </p:nvCxnSpPr>
+          <p:spPr>
+            <a:xfrm flipH="1">
+              <a:off x="9206969" y="3190344"/>
+              <a:ext cx="2981857" cy="2981856"/>
+            </a:xfrm>
+            <a:prstGeom prst="line">
+              <a:avLst/>
+            </a:prstGeom>
+            <a:ln w="9525">
+              <a:solidFill>
+                <a:schemeClr val="tx1"/>
+              </a:solidFill>
+            </a:ln>
+          </p:spPr>
+          <p:style>
+            <a:lnRef idx="2">
+              <a:schemeClr val="accent1"/>
+            </a:lnRef>
+            <a:fillRef idx="0">
+              <a:schemeClr val="accent1"/>
+            </a:fillRef>
+            <a:effectRef idx="1">
+              <a:schemeClr val="accent1"/>
+            </a:effectRef>
+            <a:fontRef idx="minor">
+              <a:schemeClr val="tx1"/>
+            </a:fontRef>
+          </p:style>
+        </p:cxnSp>
+        <p:cxnSp>
+          <p:nvCxnSpPr>
+            <p:cNvPr id="10" name="Straight Connector 9"/>
+            <p:cNvCxnSpPr/>
+            <p:nvPr/>
+          </p:nvCxnSpPr>
+          <p:spPr>
+            <a:xfrm flipH="1">
+              <a:off x="10292292" y="3285067"/>
+              <a:ext cx="1896534" cy="1896533"/>
+            </a:xfrm>
+            <a:prstGeom prst="line">
+              <a:avLst/>
+            </a:prstGeom>
+            <a:ln w="9525">
+              <a:solidFill>
+                <a:schemeClr val="tx1"/>
+              </a:solidFill>
+            </a:ln>
+          </p:spPr>
+          <p:style>
+            <a:lnRef idx="2">
+              <a:schemeClr val="accent1"/>
+            </a:lnRef>
+            <a:fillRef idx="0">
+              <a:schemeClr val="accent1"/>
+            </a:fillRef>
+            <a:effectRef idx="1">
+              <a:schemeClr val="accent1"/>
+            </a:effectRef>
+            <a:fontRef idx="minor">
+              <a:schemeClr val="tx1"/>
+            </a:fontRef>
+          </p:style>
+        </p:cxnSp>
+        <p:cxnSp>
+          <p:nvCxnSpPr>
+            <p:cNvPr id="11" name="Straight Connector 10"/>
+            <p:cNvCxnSpPr/>
+            <p:nvPr/>
+          </p:nvCxnSpPr>
+          <p:spPr>
+            <a:xfrm flipH="1">
+              <a:off x="10443103" y="3131080"/>
+              <a:ext cx="1745722" cy="1745720"/>
+            </a:xfrm>
+            <a:prstGeom prst="line">
+              <a:avLst/>
+            </a:prstGeom>
+            <a:ln w="28575">
+              <a:solidFill>
+                <a:schemeClr val="tx1"/>
+              </a:solidFill>
+            </a:ln>
+          </p:spPr>
+          <p:style>
+            <a:lnRef idx="2">
+              <a:schemeClr val="accent1"/>
+            </a:lnRef>
+            <a:fillRef idx="0">
+              <a:schemeClr val="accent1"/>
+            </a:fillRef>
+            <a:effectRef idx="1">
+              <a:schemeClr val="accent1"/>
+            </a:effectRef>
+            <a:fontRef idx="minor">
+              <a:schemeClr val="tx1"/>
+            </a:fontRef>
+          </p:style>
+        </p:cxnSp>
+        <p:cxnSp>
+          <p:nvCxnSpPr>
+            <p:cNvPr id="12" name="Straight Connector 11"/>
+            <p:cNvCxnSpPr/>
+            <p:nvPr/>
+          </p:nvCxnSpPr>
+          <p:spPr>
+            <a:xfrm flipH="1">
+              <a:off x="10918826" y="3683001"/>
+              <a:ext cx="1270001" cy="1269999"/>
+            </a:xfrm>
+            <a:prstGeom prst="line">
+              <a:avLst/>
+            </a:prstGeom>
+            <a:ln w="28575">
+              <a:solidFill>
+                <a:schemeClr val="tx1"/>
+              </a:solidFill>
+            </a:ln>
+          </p:spPr>
+          <p:style>
+            <a:lnRef idx="2">
+              <a:schemeClr val="accent1"/>
+            </a:lnRef>
+            <a:fillRef idx="0">
+              <a:schemeClr val="accent1"/>
+            </a:fillRef>
+            <a:effectRef idx="1">
+              <a:schemeClr val="accent1"/>
+            </a:effectRef>
+            <a:fontRef idx="minor">
+              <a:schemeClr val="tx1"/>
+            </a:fontRef>
+          </p:style>
+        </p:cxnSp>
+      </p:grpSp>
       <p:sp>
         <p:nvSpPr>
           <p:cNvPr id="2" name="Title Placeholder 1"/>
@@ -5932,8 +5764,42 @@
         </p:nvSpPr>
         <p:spPr>
           <a:xfrm>
-            <a:off x="1141413" y="609600"/>
-            <a:ext cx="9905998" cy="1905000"/>
+            <a:off x="684212" y="4487332"/>
+            <a:ext cx="8534400" cy="1507067"/>
+          </a:xfrm>
+          <a:prstGeom prst="rect">
+            <a:avLst/>
+          </a:prstGeom>
+          <a:effectLst/>
+        </p:spPr>
+        <p:txBody>
+          <a:bodyPr vert="horz" lIns="91440" tIns="45720" rIns="91440" bIns="45720" rtlCol="0" anchor="ctr">
+            <a:normAutofit/>
+          </a:bodyPr>
+          <a:lstStyle/>
+          <a:p>
+            <a:r>
+              <a:rPr lang="en-US" smtClean="0"/>
+              <a:t>Click to edit Master title style</a:t>
+            </a:r>
+            <a:endParaRPr lang="en-US" dirty="0"/>
+          </a:p>
+        </p:txBody>
+      </p:sp>
+      <p:sp>
+        <p:nvSpPr>
+          <p:cNvPr id="3" name="Text Placeholder 2"/>
+          <p:cNvSpPr>
+            <a:spLocks noGrp="1"/>
+          </p:cNvSpPr>
+          <p:nvPr>
+            <p:ph type="body" idx="1"/>
+          </p:nvPr>
+        </p:nvSpPr>
+        <p:spPr>
+          <a:xfrm>
+            <a:off x="684212" y="685800"/>
+            <a:ext cx="8534400" cy="3615267"/>
           </a:xfrm>
           <a:prstGeom prst="rect">
             <a:avLst/>
@@ -5945,70 +5811,37 @@
           </a:bodyPr>
           <a:lstStyle/>
           <a:p>
-            <a:r>
-              <a:rPr lang="en-US"/>
-              <a:t>Click to edit Master title style</a:t>
-            </a:r>
-            <a:endParaRPr lang="en-US" dirty="0"/>
-          </a:p>
-        </p:txBody>
-      </p:sp>
-      <p:sp>
-        <p:nvSpPr>
-          <p:cNvPr id="3" name="Text Placeholder 2"/>
-          <p:cNvSpPr>
-            <a:spLocks noGrp="1"/>
-          </p:cNvSpPr>
-          <p:nvPr>
-            <p:ph type="body" idx="1"/>
-          </p:nvPr>
-        </p:nvSpPr>
-        <p:spPr>
-          <a:xfrm>
-            <a:off x="1141413" y="2666999"/>
-            <a:ext cx="9905998" cy="3124201"/>
-          </a:xfrm>
-          <a:prstGeom prst="rect">
-            <a:avLst/>
-          </a:prstGeom>
-        </p:spPr>
-        <p:txBody>
-          <a:bodyPr vert="horz" lIns="91440" tIns="45720" rIns="91440" bIns="45720" rtlCol="0" anchor="ctr">
-            <a:normAutofit/>
-          </a:bodyPr>
-          <a:lstStyle/>
-          <a:p>
             <a:pPr lvl="0"/>
             <a:r>
-              <a:rPr lang="en-US"/>
+              <a:rPr lang="en-US" smtClean="0"/>
               <a:t>Click to edit Master text styles</a:t>
             </a:r>
           </a:p>
           <a:p>
             <a:pPr lvl="1"/>
             <a:r>
-              <a:rPr lang="en-US"/>
+              <a:rPr lang="en-US" smtClean="0"/>
               <a:t>Second level</a:t>
             </a:r>
           </a:p>
           <a:p>
             <a:pPr lvl="2"/>
             <a:r>
-              <a:rPr lang="en-US"/>
+              <a:rPr lang="en-US" smtClean="0"/>
               <a:t>Third level</a:t>
             </a:r>
           </a:p>
           <a:p>
             <a:pPr lvl="3"/>
             <a:r>
-              <a:rPr lang="en-US"/>
+              <a:rPr lang="en-US" smtClean="0"/>
               <a:t>Fourth level</a:t>
             </a:r>
           </a:p>
           <a:p>
             <a:pPr lvl="4"/>
             <a:r>
-              <a:rPr lang="en-US"/>
+              <a:rPr lang="en-US" smtClean="0"/>
               <a:t>Fifth level</a:t>
             </a:r>
             <a:endParaRPr lang="en-US" dirty="0"/>
@@ -6027,7 +5860,7 @@
         </p:nvSpPr>
         <p:spPr>
           <a:xfrm>
-            <a:off x="8837612" y="5883275"/>
+            <a:off x="9904412" y="6172200"/>
             <a:ext cx="1600200" cy="365125"/>
           </a:xfrm>
           <a:prstGeom prst="rect">
@@ -6035,22 +5868,16 @@
           </a:prstGeom>
         </p:spPr>
         <p:txBody>
-          <a:bodyPr vert="horz" lIns="91440" tIns="45720" rIns="91440" bIns="45720" rtlCol="0" anchor="ctr"/>
+          <a:bodyPr vert="horz" lIns="91440" tIns="45720" rIns="91440" bIns="45720" rtlCol="0" anchor="t"/>
           <a:lstStyle>
             <a:lvl1pPr algn="r">
-              <a:defRPr sz="900" b="1" i="0">
-                <a:solidFill>
-                  <a:schemeClr val="tx1">
-                    <a:lumMod val="75000"/>
-                  </a:schemeClr>
-                </a:solidFill>
-                <a:effectLst>
-                  <a:outerShdw blurRad="50800" dist="38100" dir="2700000" algn="tl" rotWithShape="0">
-                    <a:srgbClr val="000000">
-                      <a:alpha val="43000"/>
-                    </a:srgbClr>
-                  </a:outerShdw>
-                </a:effectLst>
+              <a:defRPr sz="1000" b="0" i="0">
+                <a:solidFill>
+                  <a:schemeClr val="bg2">
+                    <a:lumMod val="50000"/>
+                  </a:schemeClr>
+                </a:solidFill>
+                <a:effectLst/>
                 <a:latin typeface="+mn-lt"/>
               </a:defRPr>
             </a:lvl1pPr>
@@ -6059,7 +5886,7 @@
             <a:fld id="{B61BEF0D-F0BB-DE4B-95CE-6DB70DBA9567}" type="datetimeFigureOut">
               <a:rPr lang="en-US" smtClean="0"/>
               <a:pPr/>
-              <a:t>11/6/2020</a:t>
+              <a:t>12/4/2020</a:t>
             </a:fld>
             <a:endParaRPr lang="en-US" dirty="0"/>
           </a:p>
@@ -6077,7 +5904,7 @@
         </p:nvSpPr>
         <p:spPr>
           <a:xfrm>
-            <a:off x="1141412" y="5883275"/>
+            <a:off x="684212" y="6172200"/>
             <a:ext cx="7543800" cy="365125"/>
           </a:xfrm>
           <a:prstGeom prst="rect">
@@ -6085,22 +5912,16 @@
           </a:prstGeom>
         </p:spPr>
         <p:txBody>
-          <a:bodyPr vert="horz" lIns="91440" tIns="45720" rIns="91440" bIns="45720" rtlCol="0" anchor="ctr"/>
+          <a:bodyPr vert="horz" lIns="91440" tIns="45720" rIns="91440" bIns="45720" rtlCol="0" anchor="t"/>
           <a:lstStyle>
             <a:lvl1pPr algn="l">
-              <a:defRPr sz="900" b="1" i="0">
-                <a:solidFill>
-                  <a:schemeClr val="tx1">
-                    <a:lumMod val="75000"/>
-                  </a:schemeClr>
-                </a:solidFill>
-                <a:effectLst>
-                  <a:outerShdw blurRad="50800" dist="38100" dir="2700000" algn="tl" rotWithShape="0">
-                    <a:srgbClr val="000000">
-                      <a:alpha val="43000"/>
-                    </a:srgbClr>
-                  </a:outerShdw>
-                </a:effectLst>
+              <a:defRPr sz="1000" b="0" i="0">
+                <a:solidFill>
+                  <a:schemeClr val="bg2">
+                    <a:lumMod val="50000"/>
+                  </a:schemeClr>
+                </a:solidFill>
+                <a:effectLst/>
                 <a:latin typeface="+mn-lt"/>
               </a:defRPr>
             </a:lvl1pPr>
@@ -6122,30 +5943,24 @@
         </p:nvSpPr>
         <p:spPr>
           <a:xfrm>
-            <a:off x="10514012" y="5883275"/>
-            <a:ext cx="551167" cy="365125"/>
+            <a:off x="10363200" y="5578475"/>
+            <a:ext cx="1142245" cy="669925"/>
           </a:xfrm>
           <a:prstGeom prst="rect">
             <a:avLst/>
           </a:prstGeom>
         </p:spPr>
         <p:txBody>
-          <a:bodyPr vert="horz" lIns="91440" tIns="45720" rIns="91440" bIns="45720" rtlCol="0" anchor="ctr"/>
+          <a:bodyPr vert="horz" lIns="91440" tIns="45720" rIns="91440" bIns="45720" rtlCol="0" anchor="b"/>
           <a:lstStyle>
             <a:lvl1pPr algn="r">
-              <a:defRPr sz="900" b="1" i="0">
-                <a:solidFill>
-                  <a:schemeClr val="tx1">
-                    <a:lumMod val="75000"/>
-                  </a:schemeClr>
-                </a:solidFill>
-                <a:effectLst>
-                  <a:outerShdw blurRad="50800" dist="38100" dir="2700000" algn="tl" rotWithShape="0">
-                    <a:srgbClr val="000000">
-                      <a:alpha val="43000"/>
-                    </a:srgbClr>
-                  </a:outerShdw>
-                </a:effectLst>
+              <a:defRPr sz="3200" b="0" i="0">
+                <a:solidFill>
+                  <a:schemeClr val="bg2">
+                    <a:lumMod val="50000"/>
+                  </a:schemeClr>
+                </a:solidFill>
+                <a:effectLst/>
                 <a:latin typeface="+mn-lt"/>
               </a:defRPr>
             </a:lvl1pPr>
@@ -6163,29 +5978,29 @@
     </p:spTree>
     <p:extLst>
       <p:ext uri="{BB962C8B-B14F-4D97-AF65-F5344CB8AC3E}">
-        <p14:creationId xmlns:p14="http://schemas.microsoft.com/office/powerpoint/2010/main" val="3119752332"/>
+        <p14:creationId xmlns:p14="http://schemas.microsoft.com/office/powerpoint/2010/main" val="2168482321"/>
       </p:ext>
     </p:extLst>
   </p:cSld>
   <p:clrMap bg1="dk1" tx1="lt1" bg2="dk2" tx2="lt2" accent1="accent1" accent2="accent2" accent3="accent3" accent4="accent4" accent5="accent5" accent6="accent6" hlink="hlink" folHlink="folHlink"/>
   <p:sldLayoutIdLst>
-    <p:sldLayoutId id="2147483805" r:id="rId1"/>
-    <p:sldLayoutId id="2147483806" r:id="rId2"/>
-    <p:sldLayoutId id="2147483807" r:id="rId3"/>
-    <p:sldLayoutId id="2147483808" r:id="rId4"/>
-    <p:sldLayoutId id="2147483809" r:id="rId5"/>
-    <p:sldLayoutId id="2147483810" r:id="rId6"/>
-    <p:sldLayoutId id="2147483811" r:id="rId7"/>
-    <p:sldLayoutId id="2147483812" r:id="rId8"/>
-    <p:sldLayoutId id="2147483813" r:id="rId9"/>
-    <p:sldLayoutId id="2147483814" r:id="rId10"/>
-    <p:sldLayoutId id="2147483815" r:id="rId11"/>
-    <p:sldLayoutId id="2147483816" r:id="rId12"/>
-    <p:sldLayoutId id="2147483817" r:id="rId13"/>
-    <p:sldLayoutId id="2147483818" r:id="rId14"/>
-    <p:sldLayoutId id="2147483819" r:id="rId15"/>
-    <p:sldLayoutId id="2147483820" r:id="rId16"/>
-    <p:sldLayoutId id="2147483821" r:id="rId17"/>
+    <p:sldLayoutId id="2147483873" r:id="rId1"/>
+    <p:sldLayoutId id="2147483874" r:id="rId2"/>
+    <p:sldLayoutId id="2147483875" r:id="rId3"/>
+    <p:sldLayoutId id="2147483876" r:id="rId4"/>
+    <p:sldLayoutId id="2147483877" r:id="rId5"/>
+    <p:sldLayoutId id="2147483878" r:id="rId6"/>
+    <p:sldLayoutId id="2147483879" r:id="rId7"/>
+    <p:sldLayoutId id="2147483880" r:id="rId8"/>
+    <p:sldLayoutId id="2147483881" r:id="rId9"/>
+    <p:sldLayoutId id="2147483882" r:id="rId10"/>
+    <p:sldLayoutId id="2147483883" r:id="rId11"/>
+    <p:sldLayoutId id="2147483884" r:id="rId12"/>
+    <p:sldLayoutId id="2147483885" r:id="rId13"/>
+    <p:sldLayoutId id="2147483886" r:id="rId14"/>
+    <p:sldLayoutId id="2147483887" r:id="rId15"/>
+    <p:sldLayoutId id="2147483888" r:id="rId16"/>
+    <p:sldLayoutId id="2147483889" r:id="rId17"/>
   </p:sldLayoutIdLst>
   <p:txStyles>
     <p:titleStyle>
@@ -6194,27 +6009,14 @@
           <a:spcPct val="0"/>
         </a:spcBef>
         <a:buNone/>
-        <a:defRPr sz="3200" kern="1200" cap="all">
+        <a:defRPr sz="3600" kern="1200" cap="all">
           <a:ln w="3175" cmpd="sng">
             <a:noFill/>
           </a:ln>
           <a:solidFill>
-            <a:schemeClr val="accent1"/>
+            <a:schemeClr val="tx1"/>
           </a:solidFill>
-          <a:effectLst>
-            <a:glow rad="38100">
-              <a:schemeClr val="bg1">
-                <a:lumMod val="65000"/>
-                <a:lumOff val="35000"/>
-                <a:alpha val="40000"/>
-              </a:schemeClr>
-            </a:glow>
-            <a:outerShdw blurRad="28575" dist="38100" dir="14040000" algn="tl" rotWithShape="0">
-              <a:srgbClr val="000000">
-                <a:alpha val="25000"/>
-              </a:srgbClr>
-            </a:outerShdw>
-          </a:effectLst>
+          <a:effectLst/>
           <a:latin typeface="+mj-lt"/>
           <a:ea typeface="+mj-ea"/>
           <a:cs typeface="+mj-cs"/>
@@ -6286,29 +6088,18 @@
           <a:spcPts val="600"/>
         </a:spcAft>
         <a:buClr>
-          <a:schemeClr val="accent1"/>
+          <a:schemeClr val="tx1"/>
         </a:buClr>
-        <a:buSzPct val="100000"/>
-        <a:buFont typeface="Arial"/>
-        <a:buChar char="•"/>
-        <a:defRPr sz="2000" kern="1200" cap="small">
+        <a:buSzPct val="80000"/>
+        <a:buFont typeface="Wingdings 3" panose="05040102010807070707" pitchFamily="18" charset="2"/>
+        <a:buChar char=""/>
+        <a:defRPr sz="2000" kern="1200" cap="none">
           <a:solidFill>
-            <a:schemeClr val="tx1"/>
+            <a:schemeClr val="bg2">
+              <a:lumMod val="75000"/>
+            </a:schemeClr>
           </a:solidFill>
-          <a:effectLst>
-            <a:glow rad="38100">
-              <a:schemeClr val="bg1">
-                <a:lumMod val="50000"/>
-                <a:lumOff val="50000"/>
-                <a:alpha val="20000"/>
-              </a:schemeClr>
-            </a:glow>
-            <a:outerShdw blurRad="44450" dist="12700" dir="13860000" algn="tl" rotWithShape="0">
-              <a:srgbClr val="000000">
-                <a:alpha val="20000"/>
-              </a:srgbClr>
-            </a:outerShdw>
-          </a:effectLst>
+          <a:effectLst/>
           <a:latin typeface="+mn-lt"/>
           <a:ea typeface="+mn-ea"/>
           <a:cs typeface="+mn-cs"/>
@@ -6322,29 +6113,18 @@
           <a:spcPts val="600"/>
         </a:spcAft>
         <a:buClr>
-          <a:schemeClr val="accent1"/>
+          <a:schemeClr val="tx1"/>
         </a:buClr>
-        <a:buSzPct val="100000"/>
-        <a:buFont typeface="Arial"/>
-        <a:buChar char="•"/>
-        <a:defRPr sz="1800" kern="1200" cap="small">
+        <a:buSzPct val="80000"/>
+        <a:buFont typeface="Wingdings 3" panose="05040102010807070707" pitchFamily="18" charset="2"/>
+        <a:buChar char=""/>
+        <a:defRPr sz="1800" kern="1200" cap="none">
           <a:solidFill>
-            <a:schemeClr val="tx1"/>
+            <a:schemeClr val="bg2">
+              <a:lumMod val="75000"/>
+            </a:schemeClr>
           </a:solidFill>
-          <a:effectLst>
-            <a:glow rad="38100">
-              <a:schemeClr val="bg1">
-                <a:lumMod val="50000"/>
-                <a:lumOff val="50000"/>
-                <a:alpha val="20000"/>
-              </a:schemeClr>
-            </a:glow>
-            <a:outerShdw blurRad="44450" dist="12700" dir="13860000" algn="tl" rotWithShape="0">
-              <a:srgbClr val="000000">
-                <a:alpha val="20000"/>
-              </a:srgbClr>
-            </a:outerShdw>
-          </a:effectLst>
+          <a:effectLst/>
           <a:latin typeface="+mn-lt"/>
           <a:ea typeface="+mn-ea"/>
           <a:cs typeface="+mn-cs"/>
@@ -6358,29 +6138,18 @@
           <a:spcPts val="600"/>
         </a:spcAft>
         <a:buClr>
-          <a:schemeClr val="accent1"/>
+          <a:schemeClr val="tx1"/>
         </a:buClr>
-        <a:buSzPct val="100000"/>
-        <a:buFont typeface="Arial"/>
-        <a:buChar char="•"/>
-        <a:defRPr sz="1600" kern="1200" cap="small">
+        <a:buSzPct val="80000"/>
+        <a:buFont typeface="Wingdings 3" panose="05040102010807070707" pitchFamily="18" charset="2"/>
+        <a:buChar char=""/>
+        <a:defRPr sz="1600" kern="1200" cap="none">
           <a:solidFill>
-            <a:schemeClr val="tx1"/>
+            <a:schemeClr val="bg2">
+              <a:lumMod val="75000"/>
+            </a:schemeClr>
           </a:solidFill>
-          <a:effectLst>
-            <a:glow rad="38100">
-              <a:schemeClr val="bg1">
-                <a:lumMod val="50000"/>
-                <a:lumOff val="50000"/>
-                <a:alpha val="20000"/>
-              </a:schemeClr>
-            </a:glow>
-            <a:outerShdw blurRad="44450" dist="12700" dir="13860000" algn="tl" rotWithShape="0">
-              <a:srgbClr val="000000">
-                <a:alpha val="20000"/>
-              </a:srgbClr>
-            </a:outerShdw>
-          </a:effectLst>
+          <a:effectLst/>
           <a:latin typeface="+mn-lt"/>
           <a:ea typeface="+mn-ea"/>
           <a:cs typeface="+mn-cs"/>
@@ -6394,29 +6163,18 @@
           <a:spcPts val="600"/>
         </a:spcAft>
         <a:buClr>
-          <a:schemeClr val="accent1"/>
+          <a:schemeClr val="tx1"/>
         </a:buClr>
-        <a:buSzPct val="100000"/>
-        <a:buFont typeface="Arial"/>
-        <a:buChar char="•"/>
-        <a:defRPr sz="1400" kern="1200" cap="small">
+        <a:buSzPct val="80000"/>
+        <a:buFont typeface="Wingdings 3" panose="05040102010807070707" pitchFamily="18" charset="2"/>
+        <a:buChar char=""/>
+        <a:defRPr sz="1400" kern="1200" cap="none">
           <a:solidFill>
-            <a:schemeClr val="tx1"/>
+            <a:schemeClr val="bg2">
+              <a:lumMod val="75000"/>
+            </a:schemeClr>
           </a:solidFill>
-          <a:effectLst>
-            <a:glow rad="38100">
-              <a:schemeClr val="bg1">
-                <a:lumMod val="50000"/>
-                <a:lumOff val="50000"/>
-                <a:alpha val="20000"/>
-              </a:schemeClr>
-            </a:glow>
-            <a:outerShdw blurRad="44450" dist="12700" dir="13860000" algn="tl" rotWithShape="0">
-              <a:srgbClr val="000000">
-                <a:alpha val="20000"/>
-              </a:srgbClr>
-            </a:outerShdw>
-          </a:effectLst>
+          <a:effectLst/>
           <a:latin typeface="+mn-lt"/>
           <a:ea typeface="+mn-ea"/>
           <a:cs typeface="+mn-cs"/>
@@ -6430,29 +6188,18 @@
           <a:spcPts val="600"/>
         </a:spcAft>
         <a:buClr>
-          <a:schemeClr val="accent1"/>
+          <a:schemeClr val="tx1"/>
         </a:buClr>
-        <a:buSzPct val="100000"/>
-        <a:buFont typeface="Arial"/>
-        <a:buChar char="•"/>
-        <a:defRPr sz="1400" kern="1200" cap="small">
+        <a:buSzPct val="80000"/>
+        <a:buFont typeface="Wingdings 3" panose="05040102010807070707" pitchFamily="18" charset="2"/>
+        <a:buChar char=""/>
+        <a:defRPr sz="1400" kern="1200" cap="none">
           <a:solidFill>
-            <a:schemeClr val="tx1"/>
+            <a:schemeClr val="bg2">
+              <a:lumMod val="75000"/>
+            </a:schemeClr>
           </a:solidFill>
-          <a:effectLst>
-            <a:glow rad="38100">
-              <a:schemeClr val="bg1">
-                <a:lumMod val="50000"/>
-                <a:lumOff val="50000"/>
-                <a:alpha val="20000"/>
-              </a:schemeClr>
-            </a:glow>
-            <a:outerShdw blurRad="44450" dist="12700" dir="13860000" algn="tl" rotWithShape="0">
-              <a:srgbClr val="000000">
-                <a:alpha val="20000"/>
-              </a:srgbClr>
-            </a:outerShdw>
-          </a:effectLst>
+          <a:effectLst/>
           <a:latin typeface="+mn-lt"/>
           <a:ea typeface="+mn-ea"/>
           <a:cs typeface="+mn-cs"/>
@@ -6466,29 +6213,18 @@
           <a:spcPts val="600"/>
         </a:spcAft>
         <a:buClr>
-          <a:schemeClr val="accent1"/>
+          <a:schemeClr val="tx1"/>
         </a:buClr>
-        <a:buSzPct val="100000"/>
-        <a:buFont typeface="Arial"/>
-        <a:buChar char="•"/>
-        <a:defRPr sz="1200" kern="1200" cap="small">
+        <a:buSzPct val="80000"/>
+        <a:buFont typeface="Wingdings 3" panose="05040102010807070707" pitchFamily="18" charset="2"/>
+        <a:buChar char=""/>
+        <a:defRPr sz="1400" kern="1200" cap="none">
           <a:solidFill>
-            <a:schemeClr val="tx1"/>
+            <a:schemeClr val="bg2">
+              <a:lumMod val="75000"/>
+            </a:schemeClr>
           </a:solidFill>
-          <a:effectLst>
-            <a:glow rad="38100">
-              <a:schemeClr val="bg1">
-                <a:lumMod val="50000"/>
-                <a:lumOff val="50000"/>
-                <a:alpha val="20000"/>
-              </a:schemeClr>
-            </a:glow>
-            <a:outerShdw blurRad="44450" dist="12700" dir="13860000" algn="tl" rotWithShape="0">
-              <a:srgbClr val="000000">
-                <a:alpha val="20000"/>
-              </a:srgbClr>
-            </a:outerShdw>
-          </a:effectLst>
+          <a:effectLst/>
           <a:latin typeface="+mn-lt"/>
           <a:ea typeface="+mn-ea"/>
           <a:cs typeface="+mn-cs"/>
@@ -6502,29 +6238,18 @@
           <a:spcPts val="600"/>
         </a:spcAft>
         <a:buClr>
-          <a:schemeClr val="accent1"/>
+          <a:schemeClr val="tx1"/>
         </a:buClr>
-        <a:buSzPct val="100000"/>
-        <a:buFont typeface="Arial"/>
-        <a:buChar char="•"/>
-        <a:defRPr sz="1200" kern="1200" cap="small">
+        <a:buSzPct val="80000"/>
+        <a:buFont typeface="Wingdings 3" panose="05040102010807070707" pitchFamily="18" charset="2"/>
+        <a:buChar char=""/>
+        <a:defRPr sz="1400" kern="1200" cap="none">
           <a:solidFill>
-            <a:schemeClr val="tx1"/>
+            <a:schemeClr val="bg2">
+              <a:lumMod val="75000"/>
+            </a:schemeClr>
           </a:solidFill>
-          <a:effectLst>
-            <a:glow rad="38100">
-              <a:schemeClr val="bg1">
-                <a:lumMod val="50000"/>
-                <a:lumOff val="50000"/>
-                <a:alpha val="20000"/>
-              </a:schemeClr>
-            </a:glow>
-            <a:outerShdw blurRad="44450" dist="12700" dir="13860000" algn="tl" rotWithShape="0">
-              <a:srgbClr val="000000">
-                <a:alpha val="20000"/>
-              </a:srgbClr>
-            </a:outerShdw>
-          </a:effectLst>
+          <a:effectLst/>
           <a:latin typeface="+mn-lt"/>
           <a:ea typeface="+mn-ea"/>
           <a:cs typeface="+mn-cs"/>
@@ -6538,29 +6263,18 @@
           <a:spcPts val="600"/>
         </a:spcAft>
         <a:buClr>
-          <a:schemeClr val="accent1"/>
+          <a:schemeClr val="tx1"/>
         </a:buClr>
-        <a:buSzPct val="100000"/>
-        <a:buFont typeface="Arial"/>
-        <a:buChar char="•"/>
-        <a:defRPr sz="1200" kern="1200" cap="small">
+        <a:buSzPct val="80000"/>
+        <a:buFont typeface="Wingdings 3" panose="05040102010807070707" pitchFamily="18" charset="2"/>
+        <a:buChar char=""/>
+        <a:defRPr sz="1400" kern="1200" cap="none">
           <a:solidFill>
-            <a:schemeClr val="tx1"/>
+            <a:schemeClr val="bg2">
+              <a:lumMod val="75000"/>
+            </a:schemeClr>
           </a:solidFill>
-          <a:effectLst>
-            <a:glow rad="38100">
-              <a:schemeClr val="bg1">
-                <a:lumMod val="50000"/>
-                <a:lumOff val="50000"/>
-                <a:alpha val="20000"/>
-              </a:schemeClr>
-            </a:glow>
-            <a:outerShdw blurRad="44450" dist="12700" dir="13860000" algn="tl" rotWithShape="0">
-              <a:srgbClr val="000000">
-                <a:alpha val="20000"/>
-              </a:srgbClr>
-            </a:outerShdw>
-          </a:effectLst>
+          <a:effectLst/>
           <a:latin typeface="+mn-lt"/>
           <a:ea typeface="+mn-ea"/>
           <a:cs typeface="+mn-cs"/>
@@ -6574,29 +6288,18 @@
           <a:spcPts val="600"/>
         </a:spcAft>
         <a:buClr>
-          <a:schemeClr val="accent1"/>
+          <a:schemeClr val="tx1"/>
         </a:buClr>
-        <a:buSzPct val="100000"/>
-        <a:buFont typeface="Arial"/>
-        <a:buChar char="•"/>
-        <a:defRPr sz="1200" kern="1200" cap="small">
+        <a:buSzPct val="80000"/>
+        <a:buFont typeface="Wingdings 3" panose="05040102010807070707" pitchFamily="18" charset="2"/>
+        <a:buChar char=""/>
+        <a:defRPr sz="1400" kern="1200" cap="none">
           <a:solidFill>
-            <a:schemeClr val="tx1"/>
+            <a:schemeClr val="bg2">
+              <a:lumMod val="75000"/>
+            </a:schemeClr>
           </a:solidFill>
-          <a:effectLst>
-            <a:glow rad="38100">
-              <a:schemeClr val="bg1">
-                <a:lumMod val="50000"/>
-                <a:lumOff val="50000"/>
-                <a:alpha val="20000"/>
-              </a:schemeClr>
-            </a:glow>
-            <a:outerShdw blurRad="44450" dist="12700" dir="13860000" algn="tl" rotWithShape="0">
-              <a:srgbClr val="000000">
-                <a:alpha val="20000"/>
-              </a:srgbClr>
-            </a:outerShdw>
-          </a:effectLst>
+          <a:effectLst/>
           <a:latin typeface="+mn-lt"/>
           <a:ea typeface="+mn-ea"/>
           <a:cs typeface="+mn-cs"/>
@@ -6705,14 +6408,6 @@
 <file path=ppt/slides/slide1.xml><?xml version="1.0" encoding="utf-8"?>
 <p:sld xmlns:a="http://schemas.openxmlformats.org/drawingml/2006/main" xmlns:r="http://schemas.openxmlformats.org/officeDocument/2006/relationships" xmlns:p="http://schemas.openxmlformats.org/presentationml/2006/main">
   <p:cSld>
-    <p:bg>
-      <p:bgPr>
-        <a:solidFill>
-          <a:schemeClr val="bg1"/>
-        </a:solidFill>
-        <a:effectLst/>
-      </p:bgPr>
-    </p:bg>
     <p:spTree>
       <p:nvGrpSpPr>
         <p:cNvPr id="1" name=""/>
@@ -6817,7 +6512,7 @@
           <p:cNvPr id="4" name="Picture 3">
             <a:extLst>
               <a:ext uri="{FF2B5EF4-FFF2-40B4-BE49-F238E27FC236}">
-                <a16:creationId xmlns="" xmlns:a16="http://schemas.microsoft.com/office/drawing/2014/main" id="{088FFC9D-E551-4D55-B47D-46D1847914DB}"/>
+                <a16:creationId xmlns:a16="http://schemas.microsoft.com/office/drawing/2014/main" xmlns="" id="{088FFC9D-E551-4D55-B47D-46D1847914DB}"/>
               </a:ext>
             </a:extLst>
           </p:cNvPr>
@@ -7041,14 +6736,6 @@
 <file path=ppt/slides/slide10.xml><?xml version="1.0" encoding="utf-8"?>
 <p:sld xmlns:a="http://schemas.openxmlformats.org/drawingml/2006/main" xmlns:r="http://schemas.openxmlformats.org/officeDocument/2006/relationships" xmlns:p="http://schemas.openxmlformats.org/presentationml/2006/main">
   <p:cSld>
-    <p:bg>
-      <p:bgPr>
-        <a:solidFill>
-          <a:schemeClr val="bg1"/>
-        </a:solidFill>
-        <a:effectLst/>
-      </p:bgPr>
-    </p:bg>
     <p:spTree>
       <p:nvGrpSpPr>
         <p:cNvPr id="1" name=""/>
@@ -7422,14 +7109,6 @@
 <file path=ppt/slides/slide11.xml><?xml version="1.0" encoding="utf-8"?>
 <p:sld xmlns:a="http://schemas.openxmlformats.org/drawingml/2006/main" xmlns:r="http://schemas.openxmlformats.org/officeDocument/2006/relationships" xmlns:p="http://schemas.openxmlformats.org/presentationml/2006/main">
   <p:cSld>
-    <p:bg>
-      <p:bgPr>
-        <a:solidFill>
-          <a:schemeClr val="bg1"/>
-        </a:solidFill>
-        <a:effectLst/>
-      </p:bgPr>
-    </p:bg>
     <p:spTree>
       <p:nvGrpSpPr>
         <p:cNvPr id="1" name=""/>
@@ -7626,14 +7305,6 @@
 <file path=ppt/slides/slide12.xml><?xml version="1.0" encoding="utf-8"?>
 <p:sld xmlns:a="http://schemas.openxmlformats.org/drawingml/2006/main" xmlns:r="http://schemas.openxmlformats.org/officeDocument/2006/relationships" xmlns:p="http://schemas.openxmlformats.org/presentationml/2006/main">
   <p:cSld>
-    <p:bg>
-      <p:bgPr>
-        <a:solidFill>
-          <a:schemeClr val="bg1"/>
-        </a:solidFill>
-        <a:effectLst/>
-      </p:bgPr>
-    </p:bg>
     <p:spTree>
       <p:nvGrpSpPr>
         <p:cNvPr id="1" name=""/>
@@ -7778,14 +7449,6 @@
 <file path=ppt/slides/slide13.xml><?xml version="1.0" encoding="utf-8"?>
 <p:sld xmlns:a="http://schemas.openxmlformats.org/drawingml/2006/main" xmlns:r="http://schemas.openxmlformats.org/officeDocument/2006/relationships" xmlns:p="http://schemas.openxmlformats.org/presentationml/2006/main">
   <p:cSld>
-    <p:bg>
-      <p:bgPr>
-        <a:solidFill>
-          <a:schemeClr val="bg1"/>
-        </a:solidFill>
-        <a:effectLst/>
-      </p:bgPr>
-    </p:bg>
     <p:spTree>
       <p:nvGrpSpPr>
         <p:cNvPr id="1" name=""/>
@@ -7965,14 +7628,6 @@
 <file path=ppt/slides/slide14.xml><?xml version="1.0" encoding="utf-8"?>
 <p:sld xmlns:a="http://schemas.openxmlformats.org/drawingml/2006/main" xmlns:r="http://schemas.openxmlformats.org/officeDocument/2006/relationships" xmlns:p="http://schemas.openxmlformats.org/presentationml/2006/main">
   <p:cSld>
-    <p:bg>
-      <p:bgPr>
-        <a:solidFill>
-          <a:schemeClr val="bg1"/>
-        </a:solidFill>
-        <a:effectLst/>
-      </p:bgPr>
-    </p:bg>
     <p:spTree>
       <p:nvGrpSpPr>
         <p:cNvPr id="1" name=""/>
@@ -8085,14 +7740,6 @@
 <file path=ppt/slides/slide15.xml><?xml version="1.0" encoding="utf-8"?>
 <p:sld xmlns:a="http://schemas.openxmlformats.org/drawingml/2006/main" xmlns:r="http://schemas.openxmlformats.org/officeDocument/2006/relationships" xmlns:p="http://schemas.openxmlformats.org/presentationml/2006/main">
   <p:cSld>
-    <p:bg>
-      <p:bgPr>
-        <a:solidFill>
-          <a:schemeClr val="bg1"/>
-        </a:solidFill>
-        <a:effectLst/>
-      </p:bgPr>
-    </p:bg>
     <p:spTree>
       <p:nvGrpSpPr>
         <p:cNvPr id="1" name=""/>
@@ -8314,14 +7961,6 @@
 <file path=ppt/slides/slide16.xml><?xml version="1.0" encoding="utf-8"?>
 <p:sld xmlns:a="http://schemas.openxmlformats.org/drawingml/2006/main" xmlns:r="http://schemas.openxmlformats.org/officeDocument/2006/relationships" xmlns:p="http://schemas.openxmlformats.org/presentationml/2006/main">
   <p:cSld>
-    <p:bg>
-      <p:bgPr>
-        <a:solidFill>
-          <a:schemeClr val="bg1"/>
-        </a:solidFill>
-        <a:effectLst/>
-      </p:bgPr>
-    </p:bg>
     <p:spTree>
       <p:nvGrpSpPr>
         <p:cNvPr id="1" name=""/>
@@ -8570,14 +8209,6 @@
 <file path=ppt/slides/slide17.xml><?xml version="1.0" encoding="utf-8"?>
 <p:sld xmlns:a="http://schemas.openxmlformats.org/drawingml/2006/main" xmlns:r="http://schemas.openxmlformats.org/officeDocument/2006/relationships" xmlns:p="http://schemas.openxmlformats.org/presentationml/2006/main">
   <p:cSld>
-    <p:bg>
-      <p:bgPr>
-        <a:solidFill>
-          <a:schemeClr val="bg1"/>
-        </a:solidFill>
-        <a:effectLst/>
-      </p:bgPr>
-    </p:bg>
     <p:spTree>
       <p:nvGrpSpPr>
         <p:cNvPr id="1" name=""/>
@@ -8890,14 +8521,6 @@
 <file path=ppt/slides/slide18.xml><?xml version="1.0" encoding="utf-8"?>
 <p:sld xmlns:a="http://schemas.openxmlformats.org/drawingml/2006/main" xmlns:r="http://schemas.openxmlformats.org/officeDocument/2006/relationships" xmlns:p="http://schemas.openxmlformats.org/presentationml/2006/main">
   <p:cSld>
-    <p:bg>
-      <p:bgPr>
-        <a:solidFill>
-          <a:schemeClr val="bg1"/>
-        </a:solidFill>
-        <a:effectLst/>
-      </p:bgPr>
-    </p:bg>
     <p:spTree>
       <p:nvGrpSpPr>
         <p:cNvPr id="1" name=""/>
@@ -9147,14 +8770,6 @@
 <file path=ppt/slides/slide19.xml><?xml version="1.0" encoding="utf-8"?>
 <p:sld xmlns:a="http://schemas.openxmlformats.org/drawingml/2006/main" xmlns:r="http://schemas.openxmlformats.org/officeDocument/2006/relationships" xmlns:p="http://schemas.openxmlformats.org/presentationml/2006/main">
   <p:cSld>
-    <p:bg>
-      <p:bgPr>
-        <a:solidFill>
-          <a:schemeClr val="bg1"/>
-        </a:solidFill>
-        <a:effectLst/>
-      </p:bgPr>
-    </p:bg>
     <p:spTree>
       <p:nvGrpSpPr>
         <p:cNvPr id="1" name=""/>
@@ -9374,14 +8989,6 @@
 <file path=ppt/slides/slide2.xml><?xml version="1.0" encoding="utf-8"?>
 <p:sld xmlns:a="http://schemas.openxmlformats.org/drawingml/2006/main" xmlns:r="http://schemas.openxmlformats.org/officeDocument/2006/relationships" xmlns:p="http://schemas.openxmlformats.org/presentationml/2006/main">
   <p:cSld>
-    <p:bg>
-      <p:bgPr>
-        <a:solidFill>
-          <a:schemeClr val="bg1"/>
-        </a:solidFill>
-        <a:effectLst/>
-      </p:bgPr>
-    </p:bg>
     <p:spTree>
       <p:nvGrpSpPr>
         <p:cNvPr id="1" name=""/>
@@ -9829,14 +9436,6 @@
 <file path=ppt/slides/slide20.xml><?xml version="1.0" encoding="utf-8"?>
 <p:sld xmlns:a="http://schemas.openxmlformats.org/drawingml/2006/main" xmlns:r="http://schemas.openxmlformats.org/officeDocument/2006/relationships" xmlns:p="http://schemas.openxmlformats.org/presentationml/2006/main">
   <p:cSld>
-    <p:bg>
-      <p:bgPr>
-        <a:solidFill>
-          <a:schemeClr val="bg1"/>
-        </a:solidFill>
-        <a:effectLst/>
-      </p:bgPr>
-    </p:bg>
     <p:spTree>
       <p:nvGrpSpPr>
         <p:cNvPr id="1" name=""/>
@@ -10019,14 +9618,6 @@
 <file path=ppt/slides/slide21.xml><?xml version="1.0" encoding="utf-8"?>
 <p:sld xmlns:a="http://schemas.openxmlformats.org/drawingml/2006/main" xmlns:r="http://schemas.openxmlformats.org/officeDocument/2006/relationships" xmlns:p="http://schemas.openxmlformats.org/presentationml/2006/main">
   <p:cSld>
-    <p:bg>
-      <p:bgPr>
-        <a:solidFill>
-          <a:schemeClr val="bg1"/>
-        </a:solidFill>
-        <a:effectLst/>
-      </p:bgPr>
-    </p:bg>
     <p:spTree>
       <p:nvGrpSpPr>
         <p:cNvPr id="1" name=""/>
@@ -10139,14 +9730,6 @@
 <file path=ppt/slides/slide22.xml><?xml version="1.0" encoding="utf-8"?>
 <p:sld xmlns:a="http://schemas.openxmlformats.org/drawingml/2006/main" xmlns:r="http://schemas.openxmlformats.org/officeDocument/2006/relationships" xmlns:p="http://schemas.openxmlformats.org/presentationml/2006/main">
   <p:cSld>
-    <p:bg>
-      <p:bgPr>
-        <a:solidFill>
-          <a:schemeClr val="bg1"/>
-        </a:solidFill>
-        <a:effectLst/>
-      </p:bgPr>
-    </p:bg>
     <p:spTree>
       <p:nvGrpSpPr>
         <p:cNvPr id="1" name=""/>
@@ -10275,14 +9858,6 @@
 <file path=ppt/slides/slide23.xml><?xml version="1.0" encoding="utf-8"?>
 <p:sld xmlns:a="http://schemas.openxmlformats.org/drawingml/2006/main" xmlns:r="http://schemas.openxmlformats.org/officeDocument/2006/relationships" xmlns:p="http://schemas.openxmlformats.org/presentationml/2006/main">
   <p:cSld>
-    <p:bg>
-      <p:bgPr>
-        <a:solidFill>
-          <a:schemeClr val="bg1"/>
-        </a:solidFill>
-        <a:effectLst/>
-      </p:bgPr>
-    </p:bg>
     <p:spTree>
       <p:nvGrpSpPr>
         <p:cNvPr id="1" name=""/>
@@ -10465,14 +10040,6 @@
 <file path=ppt/slides/slide24.xml><?xml version="1.0" encoding="utf-8"?>
 <p:sld xmlns:a="http://schemas.openxmlformats.org/drawingml/2006/main" xmlns:r="http://schemas.openxmlformats.org/officeDocument/2006/relationships" xmlns:p="http://schemas.openxmlformats.org/presentationml/2006/main">
   <p:cSld>
-    <p:bg>
-      <p:bgPr>
-        <a:solidFill>
-          <a:schemeClr val="bg1"/>
-        </a:solidFill>
-        <a:effectLst/>
-      </p:bgPr>
-    </p:bg>
     <p:spTree>
       <p:nvGrpSpPr>
         <p:cNvPr id="1" name=""/>
@@ -10680,14 +10247,6 @@
 <file path=ppt/slides/slide25.xml><?xml version="1.0" encoding="utf-8"?>
 <p:sld xmlns:a="http://schemas.openxmlformats.org/drawingml/2006/main" xmlns:r="http://schemas.openxmlformats.org/officeDocument/2006/relationships" xmlns:p="http://schemas.openxmlformats.org/presentationml/2006/main">
   <p:cSld>
-    <p:bg>
-      <p:bgPr>
-        <a:solidFill>
-          <a:schemeClr val="bg1"/>
-        </a:solidFill>
-        <a:effectLst/>
-      </p:bgPr>
-    </p:bg>
     <p:spTree>
       <p:nvGrpSpPr>
         <p:cNvPr id="1" name=""/>
@@ -10848,14 +10407,6 @@
 <file path=ppt/slides/slide26.xml><?xml version="1.0" encoding="utf-8"?>
 <p:sld xmlns:a="http://schemas.openxmlformats.org/drawingml/2006/main" xmlns:r="http://schemas.openxmlformats.org/officeDocument/2006/relationships" xmlns:p="http://schemas.openxmlformats.org/presentationml/2006/main">
   <p:cSld>
-    <p:bg>
-      <p:bgPr>
-        <a:solidFill>
-          <a:schemeClr val="bg1"/>
-        </a:solidFill>
-        <a:effectLst/>
-      </p:bgPr>
-    </p:bg>
     <p:spTree>
       <p:nvGrpSpPr>
         <p:cNvPr id="1" name=""/>
@@ -11121,14 +10672,6 @@
 <file path=ppt/slides/slide27.xml><?xml version="1.0" encoding="utf-8"?>
 <p:sld xmlns:a="http://schemas.openxmlformats.org/drawingml/2006/main" xmlns:r="http://schemas.openxmlformats.org/officeDocument/2006/relationships" xmlns:p="http://schemas.openxmlformats.org/presentationml/2006/main">
   <p:cSld>
-    <p:bg>
-      <p:bgPr>
-        <a:solidFill>
-          <a:schemeClr val="bg1"/>
-        </a:solidFill>
-        <a:effectLst/>
-      </p:bgPr>
-    </p:bg>
     <p:spTree>
       <p:nvGrpSpPr>
         <p:cNvPr id="1" name=""/>
@@ -11364,14 +10907,6 @@
 <file path=ppt/slides/slide28.xml><?xml version="1.0" encoding="utf-8"?>
 <p:sld xmlns:a="http://schemas.openxmlformats.org/drawingml/2006/main" xmlns:r="http://schemas.openxmlformats.org/officeDocument/2006/relationships" xmlns:p="http://schemas.openxmlformats.org/presentationml/2006/main">
   <p:cSld>
-    <p:bg>
-      <p:bgPr>
-        <a:solidFill>
-          <a:schemeClr val="bg1"/>
-        </a:solidFill>
-        <a:effectLst/>
-      </p:bgPr>
-    </p:bg>
     <p:spTree>
       <p:nvGrpSpPr>
         <p:cNvPr id="1" name=""/>
@@ -11470,14 +11005,6 @@
 <file path=ppt/slides/slide29.xml><?xml version="1.0" encoding="utf-8"?>
 <p:sld xmlns:a="http://schemas.openxmlformats.org/drawingml/2006/main" xmlns:r="http://schemas.openxmlformats.org/officeDocument/2006/relationships" xmlns:p="http://schemas.openxmlformats.org/presentationml/2006/main">
   <p:cSld>
-    <p:bg>
-      <p:bgPr>
-        <a:solidFill>
-          <a:schemeClr val="bg1"/>
-        </a:solidFill>
-        <a:effectLst/>
-      </p:bgPr>
-    </p:bg>
     <p:spTree>
       <p:nvGrpSpPr>
         <p:cNvPr id="1" name=""/>
@@ -11597,14 +11124,6 @@
 <file path=ppt/slides/slide3.xml><?xml version="1.0" encoding="utf-8"?>
 <p:sld xmlns:a="http://schemas.openxmlformats.org/drawingml/2006/main" xmlns:r="http://schemas.openxmlformats.org/officeDocument/2006/relationships" xmlns:p="http://schemas.openxmlformats.org/presentationml/2006/main">
   <p:cSld>
-    <p:bg>
-      <p:bgPr>
-        <a:solidFill>
-          <a:schemeClr val="bg1"/>
-        </a:solidFill>
-        <a:effectLst/>
-      </p:bgPr>
-    </p:bg>
     <p:spTree>
       <p:nvGrpSpPr>
         <p:cNvPr id="1" name=""/>
@@ -11893,14 +11412,6 @@
 <file path=ppt/slides/slide30.xml><?xml version="1.0" encoding="utf-8"?>
 <p:sld xmlns:a="http://schemas.openxmlformats.org/drawingml/2006/main" xmlns:r="http://schemas.openxmlformats.org/officeDocument/2006/relationships" xmlns:p="http://schemas.openxmlformats.org/presentationml/2006/main">
   <p:cSld>
-    <p:bg>
-      <p:bgPr>
-        <a:solidFill>
-          <a:schemeClr val="bg1"/>
-        </a:solidFill>
-        <a:effectLst/>
-      </p:bgPr>
-    </p:bg>
     <p:spTree>
       <p:nvGrpSpPr>
         <p:cNvPr id="1" name=""/>
@@ -12011,14 +11522,6 @@
 <file path=ppt/slides/slide31.xml><?xml version="1.0" encoding="utf-8"?>
 <p:sld xmlns:a="http://schemas.openxmlformats.org/drawingml/2006/main" xmlns:r="http://schemas.openxmlformats.org/officeDocument/2006/relationships" xmlns:p="http://schemas.openxmlformats.org/presentationml/2006/main">
   <p:cSld>
-    <p:bg>
-      <p:bgPr>
-        <a:solidFill>
-          <a:schemeClr val="bg1"/>
-        </a:solidFill>
-        <a:effectLst/>
-      </p:bgPr>
-    </p:bg>
     <p:spTree>
       <p:nvGrpSpPr>
         <p:cNvPr id="1" name=""/>
@@ -12149,14 +11652,6 @@
 <file path=ppt/slides/slide32.xml><?xml version="1.0" encoding="utf-8"?>
 <p:sld xmlns:a="http://schemas.openxmlformats.org/drawingml/2006/main" xmlns:r="http://schemas.openxmlformats.org/officeDocument/2006/relationships" xmlns:p="http://schemas.openxmlformats.org/presentationml/2006/main">
   <p:cSld>
-    <p:bg>
-      <p:bgPr>
-        <a:solidFill>
-          <a:schemeClr val="bg1"/>
-        </a:solidFill>
-        <a:effectLst/>
-      </p:bgPr>
-    </p:bg>
     <p:spTree>
       <p:nvGrpSpPr>
         <p:cNvPr id="1" name=""/>
@@ -12267,14 +11762,6 @@
 <file path=ppt/slides/slide33.xml><?xml version="1.0" encoding="utf-8"?>
 <p:sld xmlns:a="http://schemas.openxmlformats.org/drawingml/2006/main" xmlns:r="http://schemas.openxmlformats.org/officeDocument/2006/relationships" xmlns:p="http://schemas.openxmlformats.org/presentationml/2006/main">
   <p:cSld>
-    <p:bg>
-      <p:bgPr>
-        <a:solidFill>
-          <a:schemeClr val="bg1"/>
-        </a:solidFill>
-        <a:effectLst/>
-      </p:bgPr>
-    </p:bg>
     <p:spTree>
       <p:nvGrpSpPr>
         <p:cNvPr id="1" name=""/>
@@ -12373,14 +11860,6 @@
 <file path=ppt/slides/slide34.xml><?xml version="1.0" encoding="utf-8"?>
 <p:sld xmlns:a="http://schemas.openxmlformats.org/drawingml/2006/main" xmlns:r="http://schemas.openxmlformats.org/officeDocument/2006/relationships" xmlns:p="http://schemas.openxmlformats.org/presentationml/2006/main">
   <p:cSld>
-    <p:bg>
-      <p:bgPr>
-        <a:solidFill>
-          <a:schemeClr val="bg1"/>
-        </a:solidFill>
-        <a:effectLst/>
-      </p:bgPr>
-    </p:bg>
     <p:spTree>
       <p:nvGrpSpPr>
         <p:cNvPr id="1" name=""/>
@@ -12491,14 +11970,6 @@
 <file path=ppt/slides/slide35.xml><?xml version="1.0" encoding="utf-8"?>
 <p:sld xmlns:a="http://schemas.openxmlformats.org/drawingml/2006/main" xmlns:r="http://schemas.openxmlformats.org/officeDocument/2006/relationships" xmlns:p="http://schemas.openxmlformats.org/presentationml/2006/main">
   <p:cSld>
-    <p:bg>
-      <p:bgPr>
-        <a:solidFill>
-          <a:schemeClr val="bg1"/>
-        </a:solidFill>
-        <a:effectLst/>
-      </p:bgPr>
-    </p:bg>
     <p:spTree>
       <p:nvGrpSpPr>
         <p:cNvPr id="1" name=""/>
@@ -12618,14 +12089,6 @@
 <file path=ppt/slides/slide36.xml><?xml version="1.0" encoding="utf-8"?>
 <p:sld xmlns:a="http://schemas.openxmlformats.org/drawingml/2006/main" xmlns:r="http://schemas.openxmlformats.org/officeDocument/2006/relationships" xmlns:p="http://schemas.openxmlformats.org/presentationml/2006/main">
   <p:cSld>
-    <p:bg>
-      <p:bgPr>
-        <a:solidFill>
-          <a:schemeClr val="bg1"/>
-        </a:solidFill>
-        <a:effectLst/>
-      </p:bgPr>
-    </p:bg>
     <p:spTree>
       <p:nvGrpSpPr>
         <p:cNvPr id="1" name=""/>
@@ -12816,14 +12279,6 @@
 <file path=ppt/slides/slide37.xml><?xml version="1.0" encoding="utf-8"?>
 <p:sld xmlns:a="http://schemas.openxmlformats.org/drawingml/2006/main" xmlns:r="http://schemas.openxmlformats.org/officeDocument/2006/relationships" xmlns:p="http://schemas.openxmlformats.org/presentationml/2006/main">
   <p:cSld>
-    <p:bg>
-      <p:bgPr>
-        <a:solidFill>
-          <a:schemeClr val="bg1"/>
-        </a:solidFill>
-        <a:effectLst/>
-      </p:bgPr>
-    </p:bg>
     <p:spTree>
       <p:nvGrpSpPr>
         <p:cNvPr id="1" name=""/>
@@ -12946,14 +12401,6 @@
 <file path=ppt/slides/slide38.xml><?xml version="1.0" encoding="utf-8"?>
 <p:sld xmlns:a="http://schemas.openxmlformats.org/drawingml/2006/main" xmlns:r="http://schemas.openxmlformats.org/officeDocument/2006/relationships" xmlns:p="http://schemas.openxmlformats.org/presentationml/2006/main">
   <p:cSld>
-    <p:bg>
-      <p:bgPr>
-        <a:solidFill>
-          <a:schemeClr val="bg1"/>
-        </a:solidFill>
-        <a:effectLst/>
-      </p:bgPr>
-    </p:bg>
     <p:spTree>
       <p:nvGrpSpPr>
         <p:cNvPr id="1" name=""/>
@@ -13180,14 +12627,6 @@
 <file path=ppt/slides/slide39.xml><?xml version="1.0" encoding="utf-8"?>
 <p:sld xmlns:a="http://schemas.openxmlformats.org/drawingml/2006/main" xmlns:r="http://schemas.openxmlformats.org/officeDocument/2006/relationships" xmlns:p="http://schemas.openxmlformats.org/presentationml/2006/main">
   <p:cSld>
-    <p:bg>
-      <p:bgPr>
-        <a:solidFill>
-          <a:schemeClr val="bg1"/>
-        </a:solidFill>
-        <a:effectLst/>
-      </p:bgPr>
-    </p:bg>
     <p:spTree>
       <p:nvGrpSpPr>
         <p:cNvPr id="1" name=""/>
@@ -13349,14 +12788,6 @@
 <file path=ppt/slides/slide4.xml><?xml version="1.0" encoding="utf-8"?>
 <p:sld xmlns:a="http://schemas.openxmlformats.org/drawingml/2006/main" xmlns:r="http://schemas.openxmlformats.org/officeDocument/2006/relationships" xmlns:p="http://schemas.openxmlformats.org/presentationml/2006/main">
   <p:cSld>
-    <p:bg>
-      <p:bgPr>
-        <a:solidFill>
-          <a:schemeClr val="bg1"/>
-        </a:solidFill>
-        <a:effectLst/>
-      </p:bgPr>
-    </p:bg>
     <p:spTree>
       <p:nvGrpSpPr>
         <p:cNvPr id="1" name=""/>
@@ -13647,14 +13078,6 @@
 <file path=ppt/slides/slide40.xml><?xml version="1.0" encoding="utf-8"?>
 <p:sld xmlns:a="http://schemas.openxmlformats.org/drawingml/2006/main" xmlns:r="http://schemas.openxmlformats.org/officeDocument/2006/relationships" xmlns:p="http://schemas.openxmlformats.org/presentationml/2006/main">
   <p:cSld>
-    <p:bg>
-      <p:bgPr>
-        <a:solidFill>
-          <a:schemeClr val="bg1"/>
-        </a:solidFill>
-        <a:effectLst/>
-      </p:bgPr>
-    </p:bg>
     <p:spTree>
       <p:nvGrpSpPr>
         <p:cNvPr id="1" name=""/>
@@ -13674,7 +13097,7 @@
           <p:cNvPr id="6" name="Title 1">
             <a:extLst>
               <a:ext uri="{FF2B5EF4-FFF2-40B4-BE49-F238E27FC236}">
-                <a16:creationId xmlns="" xmlns:a16="http://schemas.microsoft.com/office/drawing/2014/main" id="{92BF8479-39E5-40B9-864C-5C90F4FA43A3}"/>
+                <a16:creationId xmlns:a16="http://schemas.microsoft.com/office/drawing/2014/main" xmlns="" id="{92BF8479-39E5-40B9-864C-5C90F4FA43A3}"/>
               </a:ext>
             </a:extLst>
           </p:cNvPr>
@@ -13775,7 +13198,7 @@
           <p:cNvPr id="10" name="Rectangle 4">
             <a:extLst>
               <a:ext uri="{FF2B5EF4-FFF2-40B4-BE49-F238E27FC236}">
-                <a16:creationId xmlns="" xmlns:a16="http://schemas.microsoft.com/office/drawing/2014/main" id="{51ECECB3-6A8C-4068-B947-90617D76FEE1}"/>
+                <a16:creationId xmlns:a16="http://schemas.microsoft.com/office/drawing/2014/main" xmlns="" id="{51ECECB3-6A8C-4068-B947-90617D76FEE1}"/>
               </a:ext>
             </a:extLst>
           </p:cNvPr>
@@ -13970,7 +13393,7 @@
           <p:cNvPr id="4" name="Rectangle 4">
             <a:extLst>
               <a:ext uri="{FF2B5EF4-FFF2-40B4-BE49-F238E27FC236}">
-                <a16:creationId xmlns="" xmlns:a16="http://schemas.microsoft.com/office/drawing/2014/main" id="{51ECECB3-6A8C-4068-B947-90617D76FEE1}"/>
+                <a16:creationId xmlns:a16="http://schemas.microsoft.com/office/drawing/2014/main" xmlns="" id="{51ECECB3-6A8C-4068-B947-90617D76FEE1}"/>
               </a:ext>
             </a:extLst>
           </p:cNvPr>
@@ -14092,14 +13515,6 @@
 <file path=ppt/slides/slide41.xml><?xml version="1.0" encoding="utf-8"?>
 <p:sld xmlns:a="http://schemas.openxmlformats.org/drawingml/2006/main" xmlns:r="http://schemas.openxmlformats.org/officeDocument/2006/relationships" xmlns:p="http://schemas.openxmlformats.org/presentationml/2006/main">
   <p:cSld>
-    <p:bg>
-      <p:bgPr>
-        <a:solidFill>
-          <a:schemeClr val="bg1"/>
-        </a:solidFill>
-        <a:effectLst/>
-      </p:bgPr>
-    </p:bg>
     <p:spTree>
       <p:nvGrpSpPr>
         <p:cNvPr id="1" name=""/>
@@ -14119,7 +13534,7 @@
           <p:cNvPr id="10" name="Rectangle 4">
             <a:extLst>
               <a:ext uri="{FF2B5EF4-FFF2-40B4-BE49-F238E27FC236}">
-                <a16:creationId xmlns="" xmlns:a16="http://schemas.microsoft.com/office/drawing/2014/main" id="{51ECECB3-6A8C-4068-B947-90617D76FEE1}"/>
+                <a16:creationId xmlns:a16="http://schemas.microsoft.com/office/drawing/2014/main" xmlns="" id="{51ECECB3-6A8C-4068-B947-90617D76FEE1}"/>
               </a:ext>
             </a:extLst>
           </p:cNvPr>
@@ -14266,7 +13681,7 @@
           <p:cNvPr id="4" name="Rectangle 4">
             <a:extLst>
               <a:ext uri="{FF2B5EF4-FFF2-40B4-BE49-F238E27FC236}">
-                <a16:creationId xmlns="" xmlns:a16="http://schemas.microsoft.com/office/drawing/2014/main" id="{51ECECB3-6A8C-4068-B947-90617D76FEE1}"/>
+                <a16:creationId xmlns:a16="http://schemas.microsoft.com/office/drawing/2014/main" xmlns="" id="{51ECECB3-6A8C-4068-B947-90617D76FEE1}"/>
               </a:ext>
             </a:extLst>
           </p:cNvPr>
@@ -14388,14 +13803,6 @@
 <file path=ppt/slides/slide42.xml><?xml version="1.0" encoding="utf-8"?>
 <p:sld xmlns:a="http://schemas.openxmlformats.org/drawingml/2006/main" xmlns:r="http://schemas.openxmlformats.org/officeDocument/2006/relationships" xmlns:p="http://schemas.openxmlformats.org/presentationml/2006/main">
   <p:cSld>
-    <p:bg>
-      <p:bgPr>
-        <a:solidFill>
-          <a:schemeClr val="bg1"/>
-        </a:solidFill>
-        <a:effectLst/>
-      </p:bgPr>
-    </p:bg>
     <p:spTree>
       <p:nvGrpSpPr>
         <p:cNvPr id="1" name=""/>
@@ -14415,7 +13822,7 @@
           <p:cNvPr id="10" name="Rectangle 4">
             <a:extLst>
               <a:ext uri="{FF2B5EF4-FFF2-40B4-BE49-F238E27FC236}">
-                <a16:creationId xmlns="" xmlns:a16="http://schemas.microsoft.com/office/drawing/2014/main" id="{51ECECB3-6A8C-4068-B947-90617D76FEE1}"/>
+                <a16:creationId xmlns:a16="http://schemas.microsoft.com/office/drawing/2014/main" xmlns="" id="{51ECECB3-6A8C-4068-B947-90617D76FEE1}"/>
               </a:ext>
             </a:extLst>
           </p:cNvPr>
@@ -14564,13 +13971,13 @@
   <p:clrMapOvr>
     <a:masterClrMapping/>
   </p:clrMapOvr>
-  <mc:AlternateContent xmlns:mc="http://schemas.openxmlformats.org/markup-compatibility/2006">
-    <mc:Choice xmlns:p14="http://schemas.microsoft.com/office/powerpoint/2010/main" Requires="p14">
+  <mc:AlternateContent xmlns:mc="http://schemas.openxmlformats.org/markup-compatibility/2006" xmlns:p14="http://schemas.microsoft.com/office/powerpoint/2010/main">
+    <mc:Choice Requires="p14">
       <p:transition spd="slow" p14:dur="1500">
         <p:push dir="u"/>
       </p:transition>
     </mc:Choice>
-    <mc:Fallback>
+    <mc:Fallback xmlns="">
       <p:transition spd="slow">
         <p:push dir="u"/>
       </p:transition>
@@ -14589,14 +13996,6 @@
 <file path=ppt/slides/slide43.xml><?xml version="1.0" encoding="utf-8"?>
 <p:sld xmlns:a="http://schemas.openxmlformats.org/drawingml/2006/main" xmlns:r="http://schemas.openxmlformats.org/officeDocument/2006/relationships" xmlns:p="http://schemas.openxmlformats.org/presentationml/2006/main">
   <p:cSld>
-    <p:bg>
-      <p:bgPr>
-        <a:solidFill>
-          <a:schemeClr val="bg1"/>
-        </a:solidFill>
-        <a:effectLst/>
-      </p:bgPr>
-    </p:bg>
     <p:spTree>
       <p:nvGrpSpPr>
         <p:cNvPr id="1" name=""/>
@@ -14616,7 +14015,7 @@
           <p:cNvPr id="10" name="Rectangle 4">
             <a:extLst>
               <a:ext uri="{FF2B5EF4-FFF2-40B4-BE49-F238E27FC236}">
-                <a16:creationId xmlns="" xmlns:a16="http://schemas.microsoft.com/office/drawing/2014/main" id="{51ECECB3-6A8C-4068-B947-90617D76FEE1}"/>
+                <a16:creationId xmlns:a16="http://schemas.microsoft.com/office/drawing/2014/main" xmlns="" id="{51ECECB3-6A8C-4068-B947-90617D76FEE1}"/>
               </a:ext>
             </a:extLst>
           </p:cNvPr>
@@ -14747,13 +14146,13 @@
   <p:clrMapOvr>
     <a:masterClrMapping/>
   </p:clrMapOvr>
-  <mc:AlternateContent xmlns:mc="http://schemas.openxmlformats.org/markup-compatibility/2006">
-    <mc:Choice xmlns:p14="http://schemas.microsoft.com/office/powerpoint/2010/main" Requires="p14">
+  <mc:AlternateContent xmlns:mc="http://schemas.openxmlformats.org/markup-compatibility/2006" xmlns:p14="http://schemas.microsoft.com/office/powerpoint/2010/main">
+    <mc:Choice Requires="p14">
       <p:transition spd="slow" p14:dur="1500">
         <p:push dir="u"/>
       </p:transition>
     </mc:Choice>
-    <mc:Fallback>
+    <mc:Fallback xmlns="">
       <p:transition spd="slow">
         <p:push dir="u"/>
       </p:transition>
@@ -14772,14 +14171,6 @@
 <file path=ppt/slides/slide44.xml><?xml version="1.0" encoding="utf-8"?>
 <p:sld xmlns:a="http://schemas.openxmlformats.org/drawingml/2006/main" xmlns:r="http://schemas.openxmlformats.org/officeDocument/2006/relationships" xmlns:p="http://schemas.openxmlformats.org/presentationml/2006/main">
   <p:cSld>
-    <p:bg>
-      <p:bgPr>
-        <a:solidFill>
-          <a:schemeClr val="bg1"/>
-        </a:solidFill>
-        <a:effectLst/>
-      </p:bgPr>
-    </p:bg>
     <p:spTree>
       <p:nvGrpSpPr>
         <p:cNvPr id="1" name=""/>
@@ -14799,7 +14190,7 @@
           <p:cNvPr id="10" name="Rectangle 4">
             <a:extLst>
               <a:ext uri="{FF2B5EF4-FFF2-40B4-BE49-F238E27FC236}">
-                <a16:creationId xmlns="" xmlns:a16="http://schemas.microsoft.com/office/drawing/2014/main" id="{51ECECB3-6A8C-4068-B947-90617D76FEE1}"/>
+                <a16:creationId xmlns:a16="http://schemas.microsoft.com/office/drawing/2014/main" xmlns="" id="{51ECECB3-6A8C-4068-B947-90617D76FEE1}"/>
               </a:ext>
             </a:extLst>
           </p:cNvPr>
@@ -14963,13 +14354,13 @@
   <p:clrMapOvr>
     <a:masterClrMapping/>
   </p:clrMapOvr>
-  <mc:AlternateContent xmlns:mc="http://schemas.openxmlformats.org/markup-compatibility/2006">
-    <mc:Choice xmlns:p14="http://schemas.microsoft.com/office/powerpoint/2010/main" Requires="p14">
+  <mc:AlternateContent xmlns:mc="http://schemas.openxmlformats.org/markup-compatibility/2006" xmlns:p14="http://schemas.microsoft.com/office/powerpoint/2010/main">
+    <mc:Choice Requires="p14">
       <p:transition spd="slow" p14:dur="1500">
         <p:push dir="u"/>
       </p:transition>
     </mc:Choice>
-    <mc:Fallback>
+    <mc:Fallback xmlns="">
       <p:transition spd="slow">
         <p:push dir="u"/>
       </p:transition>
@@ -14988,14 +14379,6 @@
 <file path=ppt/slides/slide45.xml><?xml version="1.0" encoding="utf-8"?>
 <p:sld xmlns:a="http://schemas.openxmlformats.org/drawingml/2006/main" xmlns:r="http://schemas.openxmlformats.org/officeDocument/2006/relationships" xmlns:p="http://schemas.openxmlformats.org/presentationml/2006/main">
   <p:cSld>
-    <p:bg>
-      <p:bgPr>
-        <a:solidFill>
-          <a:schemeClr val="bg1"/>
-        </a:solidFill>
-        <a:effectLst/>
-      </p:bgPr>
-    </p:bg>
     <p:spTree>
       <p:nvGrpSpPr>
         <p:cNvPr id="1" name=""/>
@@ -15015,7 +14398,7 @@
           <p:cNvPr id="10" name="Rectangle 4">
             <a:extLst>
               <a:ext uri="{FF2B5EF4-FFF2-40B4-BE49-F238E27FC236}">
-                <a16:creationId xmlns="" xmlns:a16="http://schemas.microsoft.com/office/drawing/2014/main" id="{51ECECB3-6A8C-4068-B947-90617D76FEE1}"/>
+                <a16:creationId xmlns:a16="http://schemas.microsoft.com/office/drawing/2014/main" xmlns="" id="{51ECECB3-6A8C-4068-B947-90617D76FEE1}"/>
               </a:ext>
             </a:extLst>
           </p:cNvPr>
@@ -15135,7 +14518,7 @@
           <p:cNvPr id="4" name="Rectangle 4">
             <a:extLst>
               <a:ext uri="{FF2B5EF4-FFF2-40B4-BE49-F238E27FC236}">
-                <a16:creationId xmlns="" xmlns:a16="http://schemas.microsoft.com/office/drawing/2014/main" id="{51ECECB3-6A8C-4068-B947-90617D76FEE1}"/>
+                <a16:creationId xmlns:a16="http://schemas.microsoft.com/office/drawing/2014/main" xmlns="" id="{51ECECB3-6A8C-4068-B947-90617D76FEE1}"/>
               </a:ext>
             </a:extLst>
           </p:cNvPr>
@@ -15211,25 +14594,7 @@
                 </a:solidFill>
                 <a:latin typeface="Arial Black" panose="020B0A04020102020204" pitchFamily="34" charset="0"/>
               </a:rPr>
-              <a:t> </a:t>
-            </a:r>
-            <a:r>
-              <a:rPr lang="en-ID" sz="2800" dirty="0" smtClean="0">
-                <a:solidFill>
-                  <a:srgbClr val="FFFF00"/>
-                </a:solidFill>
-                <a:latin typeface="Arial Black" panose="020B0A04020102020204" pitchFamily="34" charset="0"/>
-              </a:rPr>
-              <a:t>2 </a:t>
-            </a:r>
-            <a:r>
-              <a:rPr lang="en-ID" sz="2800" dirty="0" smtClean="0">
-                <a:solidFill>
-                  <a:srgbClr val="FFFF00"/>
-                </a:solidFill>
-                <a:latin typeface="Arial Black" panose="020B0A04020102020204" pitchFamily="34" charset="0"/>
-              </a:rPr>
-              <a:t>: </a:t>
+              <a:t> 2 : </a:t>
             </a:r>
             <a:endParaRPr lang="en-US" sz="2800" dirty="0">
               <a:solidFill>
@@ -15250,13 +14615,13 @@
   <p:clrMapOvr>
     <a:masterClrMapping/>
   </p:clrMapOvr>
-  <mc:AlternateContent xmlns:mc="http://schemas.openxmlformats.org/markup-compatibility/2006">
-    <mc:Choice xmlns:p14="http://schemas.microsoft.com/office/powerpoint/2010/main" Requires="p14">
+  <mc:AlternateContent xmlns:mc="http://schemas.openxmlformats.org/markup-compatibility/2006" xmlns:p14="http://schemas.microsoft.com/office/powerpoint/2010/main">
+    <mc:Choice Requires="p14">
       <p:transition spd="slow" p14:dur="1500">
         <p:push dir="u"/>
       </p:transition>
     </mc:Choice>
-    <mc:Fallback>
+    <mc:Fallback xmlns="">
       <p:transition spd="slow">
         <p:push dir="u"/>
       </p:transition>
@@ -15275,14 +14640,6 @@
 <file path=ppt/slides/slide46.xml><?xml version="1.0" encoding="utf-8"?>
 <p:sld xmlns:a="http://schemas.openxmlformats.org/drawingml/2006/main" xmlns:r="http://schemas.openxmlformats.org/officeDocument/2006/relationships" xmlns:p="http://schemas.openxmlformats.org/presentationml/2006/main">
   <p:cSld>
-    <p:bg>
-      <p:bgPr>
-        <a:solidFill>
-          <a:schemeClr val="bg1"/>
-        </a:solidFill>
-        <a:effectLst/>
-      </p:bgPr>
-    </p:bg>
     <p:spTree>
       <p:nvGrpSpPr>
         <p:cNvPr id="1" name=""/>
@@ -15302,7 +14659,7 @@
           <p:cNvPr id="10" name="Rectangle 4">
             <a:extLst>
               <a:ext uri="{FF2B5EF4-FFF2-40B4-BE49-F238E27FC236}">
-                <a16:creationId xmlns="" xmlns:a16="http://schemas.microsoft.com/office/drawing/2014/main" id="{51ECECB3-6A8C-4068-B947-90617D76FEE1}"/>
+                <a16:creationId xmlns:a16="http://schemas.microsoft.com/office/drawing/2014/main" xmlns="" id="{51ECECB3-6A8C-4068-B947-90617D76FEE1}"/>
               </a:ext>
             </a:extLst>
           </p:cNvPr>
@@ -15448,13 +14805,13 @@
   <p:clrMapOvr>
     <a:masterClrMapping/>
   </p:clrMapOvr>
-  <mc:AlternateContent xmlns:mc="http://schemas.openxmlformats.org/markup-compatibility/2006">
-    <mc:Choice xmlns:p14="http://schemas.microsoft.com/office/powerpoint/2010/main" Requires="p14">
+  <mc:AlternateContent xmlns:mc="http://schemas.openxmlformats.org/markup-compatibility/2006" xmlns:p14="http://schemas.microsoft.com/office/powerpoint/2010/main">
+    <mc:Choice Requires="p14">
       <p:transition spd="slow" p14:dur="1500">
         <p:push dir="u"/>
       </p:transition>
     </mc:Choice>
-    <mc:Fallback>
+    <mc:Fallback xmlns="">
       <p:transition spd="slow">
         <p:push dir="u"/>
       </p:transition>
@@ -15473,14 +14830,6 @@
 <file path=ppt/slides/slide47.xml><?xml version="1.0" encoding="utf-8"?>
 <p:sld xmlns:a="http://schemas.openxmlformats.org/drawingml/2006/main" xmlns:r="http://schemas.openxmlformats.org/officeDocument/2006/relationships" xmlns:p="http://schemas.openxmlformats.org/presentationml/2006/main">
   <p:cSld>
-    <p:bg>
-      <p:bgPr>
-        <a:solidFill>
-          <a:schemeClr val="bg1"/>
-        </a:solidFill>
-        <a:effectLst/>
-      </p:bgPr>
-    </p:bg>
     <p:spTree>
       <p:nvGrpSpPr>
         <p:cNvPr id="1" name=""/>
@@ -15500,7 +14849,7 @@
           <p:cNvPr id="10" name="Rectangle 4">
             <a:extLst>
               <a:ext uri="{FF2B5EF4-FFF2-40B4-BE49-F238E27FC236}">
-                <a16:creationId xmlns="" xmlns:a16="http://schemas.microsoft.com/office/drawing/2014/main" id="{51ECECB3-6A8C-4068-B947-90617D76FEE1}"/>
+                <a16:creationId xmlns:a16="http://schemas.microsoft.com/office/drawing/2014/main" xmlns="" id="{51ECECB3-6A8C-4068-B947-90617D76FEE1}"/>
               </a:ext>
             </a:extLst>
           </p:cNvPr>
@@ -15631,13 +14980,13 @@
   <p:clrMapOvr>
     <a:masterClrMapping/>
   </p:clrMapOvr>
-  <mc:AlternateContent xmlns:mc="http://schemas.openxmlformats.org/markup-compatibility/2006">
-    <mc:Choice xmlns:p14="http://schemas.microsoft.com/office/powerpoint/2010/main" Requires="p14">
+  <mc:AlternateContent xmlns:mc="http://schemas.openxmlformats.org/markup-compatibility/2006" xmlns:p14="http://schemas.microsoft.com/office/powerpoint/2010/main">
+    <mc:Choice Requires="p14">
       <p:transition spd="slow" p14:dur="1500">
         <p:push dir="u"/>
       </p:transition>
     </mc:Choice>
-    <mc:Fallback>
+    <mc:Fallback xmlns="">
       <p:transition spd="slow">
         <p:push dir="u"/>
       </p:transition>
@@ -15656,14 +15005,6 @@
 <file path=ppt/slides/slide48.xml><?xml version="1.0" encoding="utf-8"?>
 <p:sld xmlns:a="http://schemas.openxmlformats.org/drawingml/2006/main" xmlns:r="http://schemas.openxmlformats.org/officeDocument/2006/relationships" xmlns:p="http://schemas.openxmlformats.org/presentationml/2006/main">
   <p:cSld>
-    <p:bg>
-      <p:bgPr>
-        <a:solidFill>
-          <a:schemeClr val="bg1"/>
-        </a:solidFill>
-        <a:effectLst/>
-      </p:bgPr>
-    </p:bg>
     <p:spTree>
       <p:nvGrpSpPr>
         <p:cNvPr id="1" name=""/>
@@ -15683,7 +15024,7 @@
           <p:cNvPr id="10" name="Rectangle 4">
             <a:extLst>
               <a:ext uri="{FF2B5EF4-FFF2-40B4-BE49-F238E27FC236}">
-                <a16:creationId xmlns="" xmlns:a16="http://schemas.microsoft.com/office/drawing/2014/main" id="{51ECECB3-6A8C-4068-B947-90617D76FEE1}"/>
+                <a16:creationId xmlns:a16="http://schemas.microsoft.com/office/drawing/2014/main" xmlns="" id="{51ECECB3-6A8C-4068-B947-90617D76FEE1}"/>
               </a:ext>
             </a:extLst>
           </p:cNvPr>
@@ -15850,13 +15191,13 @@
   <p:clrMapOvr>
     <a:masterClrMapping/>
   </p:clrMapOvr>
-  <mc:AlternateContent xmlns:mc="http://schemas.openxmlformats.org/markup-compatibility/2006">
-    <mc:Choice xmlns:p14="http://schemas.microsoft.com/office/powerpoint/2010/main" Requires="p14">
+  <mc:AlternateContent xmlns:mc="http://schemas.openxmlformats.org/markup-compatibility/2006" xmlns:p14="http://schemas.microsoft.com/office/powerpoint/2010/main">
+    <mc:Choice Requires="p14">
       <p:transition spd="slow" p14:dur="1500">
         <p:push dir="u"/>
       </p:transition>
     </mc:Choice>
-    <mc:Fallback>
+    <mc:Fallback xmlns="">
       <p:transition spd="slow">
         <p:push dir="u"/>
       </p:transition>
@@ -15875,14 +15216,6 @@
 <file path=ppt/slides/slide49.xml><?xml version="1.0" encoding="utf-8"?>
 <p:sld xmlns:a="http://schemas.openxmlformats.org/drawingml/2006/main" xmlns:r="http://schemas.openxmlformats.org/officeDocument/2006/relationships" xmlns:p="http://schemas.openxmlformats.org/presentationml/2006/main">
   <p:cSld>
-    <p:bg>
-      <p:bgPr>
-        <a:solidFill>
-          <a:schemeClr val="bg1"/>
-        </a:solidFill>
-        <a:effectLst/>
-      </p:bgPr>
-    </p:bg>
     <p:spTree>
       <p:nvGrpSpPr>
         <p:cNvPr id="1" name=""/>
@@ -15902,7 +15235,7 @@
           <p:cNvPr id="6" name="Title 1">
             <a:extLst>
               <a:ext uri="{FF2B5EF4-FFF2-40B4-BE49-F238E27FC236}">
-                <a16:creationId xmlns="" xmlns:a16="http://schemas.microsoft.com/office/drawing/2014/main" id="{92BF8479-39E5-40B9-864C-5C90F4FA43A3}"/>
+                <a16:creationId xmlns:a16="http://schemas.microsoft.com/office/drawing/2014/main" xmlns="" id="{92BF8479-39E5-40B9-864C-5C90F4FA43A3}"/>
               </a:ext>
             </a:extLst>
           </p:cNvPr>
@@ -15933,16 +15266,7 @@
                 </a:solidFill>
                 <a:latin typeface="Arial Black" panose="020B0A04020102020204" pitchFamily="34" charset="0"/>
               </a:rPr>
-              <a:t>.: </a:t>
-            </a:r>
-            <a:r>
-              <a:rPr lang="en-ID" sz="4800" dirty="0" smtClean="0">
-                <a:solidFill>
-                  <a:srgbClr val="FFFF00"/>
-                </a:solidFill>
-                <a:latin typeface="Arial Black" panose="020B0A04020102020204" pitchFamily="34" charset="0"/>
-              </a:rPr>
-              <a:t>MARI KITA MEMADAHKAN :.</a:t>
+              <a:t>.: MARI KITA MEMADAHKAN :.</a:t>
             </a:r>
             <a:endParaRPr lang="en-US" sz="4800" dirty="0">
               <a:solidFill>
@@ -15958,7 +15282,7 @@
           <p:cNvPr id="10" name="Rectangle 4">
             <a:extLst>
               <a:ext uri="{FF2B5EF4-FFF2-40B4-BE49-F238E27FC236}">
-                <a16:creationId xmlns="" xmlns:a16="http://schemas.microsoft.com/office/drawing/2014/main" id="{51ECECB3-6A8C-4068-B947-90617D76FEE1}"/>
+                <a16:creationId xmlns:a16="http://schemas.microsoft.com/office/drawing/2014/main" xmlns="" id="{51ECECB3-6A8C-4068-B947-90617D76FEE1}"/>
               </a:ext>
             </a:extLst>
           </p:cNvPr>
@@ -16107,13 +15431,13 @@
   <p:clrMapOvr>
     <a:masterClrMapping/>
   </p:clrMapOvr>
-  <mc:AlternateContent xmlns:mc="http://schemas.openxmlformats.org/markup-compatibility/2006">
-    <mc:Choice xmlns:p14="http://schemas.microsoft.com/office/powerpoint/2010/main" Requires="p14">
+  <mc:AlternateContent xmlns:mc="http://schemas.openxmlformats.org/markup-compatibility/2006" xmlns:p14="http://schemas.microsoft.com/office/powerpoint/2010/main">
+    <mc:Choice Requires="p14">
       <p:transition spd="slow" p14:dur="1500">
         <p:push dir="u"/>
       </p:transition>
     </mc:Choice>
-    <mc:Fallback>
+    <mc:Fallback xmlns="">
       <p:transition spd="slow">
         <p:push dir="u"/>
       </p:transition>
@@ -16132,14 +15456,6 @@
 <file path=ppt/slides/slide5.xml><?xml version="1.0" encoding="utf-8"?>
 <p:sld xmlns:a="http://schemas.openxmlformats.org/drawingml/2006/main" xmlns:r="http://schemas.openxmlformats.org/officeDocument/2006/relationships" xmlns:p="http://schemas.openxmlformats.org/presentationml/2006/main">
   <p:cSld>
-    <p:bg>
-      <p:bgPr>
-        <a:solidFill>
-          <a:schemeClr val="bg1"/>
-        </a:solidFill>
-        <a:effectLst/>
-      </p:bgPr>
-    </p:bg>
     <p:spTree>
       <p:nvGrpSpPr>
         <p:cNvPr id="1" name=""/>
@@ -16440,14 +15756,6 @@
 <file path=ppt/slides/slide50.xml><?xml version="1.0" encoding="utf-8"?>
 <p:sld xmlns:a="http://schemas.openxmlformats.org/drawingml/2006/main" xmlns:r="http://schemas.openxmlformats.org/officeDocument/2006/relationships" xmlns:p="http://schemas.openxmlformats.org/presentationml/2006/main">
   <p:cSld>
-    <p:bg>
-      <p:bgPr>
-        <a:solidFill>
-          <a:schemeClr val="bg1"/>
-        </a:solidFill>
-        <a:effectLst/>
-      </p:bgPr>
-    </p:bg>
     <p:spTree>
       <p:nvGrpSpPr>
         <p:cNvPr id="1" name=""/>
@@ -16467,7 +15775,7 @@
           <p:cNvPr id="10" name="Rectangle 4">
             <a:extLst>
               <a:ext uri="{FF2B5EF4-FFF2-40B4-BE49-F238E27FC236}">
-                <a16:creationId xmlns="" xmlns:a16="http://schemas.microsoft.com/office/drawing/2014/main" id="{51ECECB3-6A8C-4068-B947-90617D76FEE1}"/>
+                <a16:creationId xmlns:a16="http://schemas.microsoft.com/office/drawing/2014/main" xmlns="" id="{51ECECB3-6A8C-4068-B947-90617D76FEE1}"/>
               </a:ext>
             </a:extLst>
           </p:cNvPr>
@@ -16712,13 +16020,13 @@
   <p:clrMapOvr>
     <a:masterClrMapping/>
   </p:clrMapOvr>
-  <mc:AlternateContent xmlns:mc="http://schemas.openxmlformats.org/markup-compatibility/2006">
-    <mc:Choice xmlns:p14="http://schemas.microsoft.com/office/powerpoint/2010/main" Requires="p14">
+  <mc:AlternateContent xmlns:mc="http://schemas.openxmlformats.org/markup-compatibility/2006" xmlns:p14="http://schemas.microsoft.com/office/powerpoint/2010/main">
+    <mc:Choice Requires="p14">
       <p:transition spd="slow" p14:dur="1500">
         <p:push dir="u"/>
       </p:transition>
     </mc:Choice>
-    <mc:Fallback>
+    <mc:Fallback xmlns="">
       <p:transition spd="slow">
         <p:push dir="u"/>
       </p:transition>
@@ -16737,14 +16045,6 @@
 <file path=ppt/slides/slide51.xml><?xml version="1.0" encoding="utf-8"?>
 <p:sld xmlns:a="http://schemas.openxmlformats.org/drawingml/2006/main" xmlns:r="http://schemas.openxmlformats.org/officeDocument/2006/relationships" xmlns:p="http://schemas.openxmlformats.org/presentationml/2006/main">
   <p:cSld>
-    <p:bg>
-      <p:bgPr>
-        <a:solidFill>
-          <a:schemeClr val="bg1"/>
-        </a:solidFill>
-        <a:effectLst/>
-      </p:bgPr>
-    </p:bg>
     <p:spTree>
       <p:nvGrpSpPr>
         <p:cNvPr id="1" name=""/>
@@ -16764,7 +16064,7 @@
           <p:cNvPr id="10" name="Rectangle 4">
             <a:extLst>
               <a:ext uri="{FF2B5EF4-FFF2-40B4-BE49-F238E27FC236}">
-                <a16:creationId xmlns="" xmlns:a16="http://schemas.microsoft.com/office/drawing/2014/main" id="{51ECECB3-6A8C-4068-B947-90617D76FEE1}"/>
+                <a16:creationId xmlns:a16="http://schemas.microsoft.com/office/drawing/2014/main" xmlns="" id="{51ECECB3-6A8C-4068-B947-90617D76FEE1}"/>
               </a:ext>
             </a:extLst>
           </p:cNvPr>
@@ -16940,13 +16240,13 @@
   <p:clrMapOvr>
     <a:masterClrMapping/>
   </p:clrMapOvr>
-  <mc:AlternateContent xmlns:mc="http://schemas.openxmlformats.org/markup-compatibility/2006">
-    <mc:Choice xmlns:p14="http://schemas.microsoft.com/office/powerpoint/2010/main" Requires="p14">
+  <mc:AlternateContent xmlns:mc="http://schemas.openxmlformats.org/markup-compatibility/2006" xmlns:p14="http://schemas.microsoft.com/office/powerpoint/2010/main">
+    <mc:Choice Requires="p14">
       <p:transition spd="slow" p14:dur="1500">
         <p:push dir="u"/>
       </p:transition>
     </mc:Choice>
-    <mc:Fallback>
+    <mc:Fallback xmlns="">
       <p:transition spd="slow">
         <p:push dir="u"/>
       </p:transition>
@@ -16965,14 +16265,6 @@
 <file path=ppt/slides/slide52.xml><?xml version="1.0" encoding="utf-8"?>
 <p:sld xmlns:a="http://schemas.openxmlformats.org/drawingml/2006/main" xmlns:r="http://schemas.openxmlformats.org/officeDocument/2006/relationships" xmlns:p="http://schemas.openxmlformats.org/presentationml/2006/main">
   <p:cSld>
-    <p:bg>
-      <p:bgPr>
-        <a:solidFill>
-          <a:schemeClr val="bg1"/>
-        </a:solidFill>
-        <a:effectLst/>
-      </p:bgPr>
-    </p:bg>
     <p:spTree>
       <p:nvGrpSpPr>
         <p:cNvPr id="1" name=""/>
@@ -16992,7 +16284,7 @@
           <p:cNvPr id="10" name="Rectangle 4">
             <a:extLst>
               <a:ext uri="{FF2B5EF4-FFF2-40B4-BE49-F238E27FC236}">
-                <a16:creationId xmlns="" xmlns:a16="http://schemas.microsoft.com/office/drawing/2014/main" id="{51ECECB3-6A8C-4068-B947-90617D76FEE1}"/>
+                <a16:creationId xmlns:a16="http://schemas.microsoft.com/office/drawing/2014/main" xmlns="" id="{51ECECB3-6A8C-4068-B947-90617D76FEE1}"/>
               </a:ext>
             </a:extLst>
           </p:cNvPr>
@@ -17177,13 +16469,13 @@
   <p:clrMapOvr>
     <a:masterClrMapping/>
   </p:clrMapOvr>
-  <mc:AlternateContent xmlns:mc="http://schemas.openxmlformats.org/markup-compatibility/2006">
-    <mc:Choice xmlns:p14="http://schemas.microsoft.com/office/powerpoint/2010/main" Requires="p14">
+  <mc:AlternateContent xmlns:mc="http://schemas.openxmlformats.org/markup-compatibility/2006" xmlns:p14="http://schemas.microsoft.com/office/powerpoint/2010/main">
+    <mc:Choice Requires="p14">
       <p:transition spd="slow" p14:dur="1500">
         <p:push dir="u"/>
       </p:transition>
     </mc:Choice>
-    <mc:Fallback>
+    <mc:Fallback xmlns="">
       <p:transition spd="slow">
         <p:push dir="u"/>
       </p:transition>
@@ -17202,14 +16494,6 @@
 <file path=ppt/slides/slide53.xml><?xml version="1.0" encoding="utf-8"?>
 <p:sld xmlns:a="http://schemas.openxmlformats.org/drawingml/2006/main" xmlns:r="http://schemas.openxmlformats.org/officeDocument/2006/relationships" xmlns:p="http://schemas.openxmlformats.org/presentationml/2006/main">
   <p:cSld>
-    <p:bg>
-      <p:bgPr>
-        <a:solidFill>
-          <a:schemeClr val="bg1"/>
-        </a:solidFill>
-        <a:effectLst/>
-      </p:bgPr>
-    </p:bg>
     <p:spTree>
       <p:nvGrpSpPr>
         <p:cNvPr id="1" name=""/>
@@ -17272,16 +16556,7 @@
                 </a:solidFill>
                 <a:latin typeface="Arial Black" panose="020B0A04020102020204" pitchFamily="34" charset="0"/>
               </a:rPr>
-              <a:t> GEMBALA KAMI </a:t>
-            </a:r>
-            <a:r>
-              <a:rPr lang="en-ID" sz="4800" dirty="0" smtClean="0">
-                <a:solidFill>
-                  <a:srgbClr val="FFFF00"/>
-                </a:solidFill>
-                <a:latin typeface="Arial Black" panose="020B0A04020102020204" pitchFamily="34" charset="0"/>
-              </a:rPr>
-              <a:t>:.</a:t>
+              <a:t> GEMBALA KAMI :.</a:t>
             </a:r>
             <a:endParaRPr lang="en-US" sz="4800" dirty="0">
               <a:solidFill>
@@ -17430,14 +16705,6 @@
 <file path=ppt/slides/slide54.xml><?xml version="1.0" encoding="utf-8"?>
 <p:sld xmlns:a="http://schemas.openxmlformats.org/drawingml/2006/main" xmlns:r="http://schemas.openxmlformats.org/officeDocument/2006/relationships" xmlns:p="http://schemas.openxmlformats.org/presentationml/2006/main">
   <p:cSld>
-    <p:bg>
-      <p:bgPr>
-        <a:solidFill>
-          <a:schemeClr val="bg1"/>
-        </a:solidFill>
-        <a:effectLst/>
-      </p:bgPr>
-    </p:bg>
     <p:spTree>
       <p:nvGrpSpPr>
         <p:cNvPr id="1" name=""/>
@@ -17662,13 +16929,13 @@
   <p:clrMapOvr>
     <a:masterClrMapping/>
   </p:clrMapOvr>
-  <mc:AlternateContent xmlns:mc="http://schemas.openxmlformats.org/markup-compatibility/2006">
-    <mc:Choice xmlns:p14="http://schemas.microsoft.com/office/powerpoint/2010/main" Requires="p14">
+  <mc:AlternateContent xmlns:mc="http://schemas.openxmlformats.org/markup-compatibility/2006" xmlns:p14="http://schemas.microsoft.com/office/powerpoint/2010/main">
+    <mc:Choice Requires="p14">
       <p:transition spd="slow" p14:dur="1500">
         <p:push dir="u"/>
       </p:transition>
     </mc:Choice>
-    <mc:Fallback>
+    <mc:Fallback xmlns="">
       <p:transition spd="slow">
         <p:push dir="u"/>
       </p:transition>
@@ -17687,14 +16954,6 @@
 <file path=ppt/slides/slide55.xml><?xml version="1.0" encoding="utf-8"?>
 <p:sld xmlns:a="http://schemas.openxmlformats.org/drawingml/2006/main" xmlns:r="http://schemas.openxmlformats.org/officeDocument/2006/relationships" xmlns:p="http://schemas.openxmlformats.org/presentationml/2006/main">
   <p:cSld>
-    <p:bg>
-      <p:bgPr>
-        <a:solidFill>
-          <a:schemeClr val="bg1"/>
-        </a:solidFill>
-        <a:effectLst/>
-      </p:bgPr>
-    </p:bg>
     <p:spTree>
       <p:nvGrpSpPr>
         <p:cNvPr id="1" name=""/>
@@ -17912,13 +17171,13 @@
   <p:clrMapOvr>
     <a:masterClrMapping/>
   </p:clrMapOvr>
-  <mc:AlternateContent xmlns:mc="http://schemas.openxmlformats.org/markup-compatibility/2006">
-    <mc:Choice xmlns:p14="http://schemas.microsoft.com/office/powerpoint/2010/main" Requires="p14">
+  <mc:AlternateContent xmlns:mc="http://schemas.openxmlformats.org/markup-compatibility/2006" xmlns:p14="http://schemas.microsoft.com/office/powerpoint/2010/main">
+    <mc:Choice Requires="p14">
       <p:transition spd="slow" p14:dur="1500">
         <p:push dir="u"/>
       </p:transition>
     </mc:Choice>
-    <mc:Fallback>
+    <mc:Fallback xmlns="">
       <p:transition spd="slow">
         <p:push dir="u"/>
       </p:transition>
@@ -17937,14 +17196,6 @@
 <file path=ppt/slides/slide6.xml><?xml version="1.0" encoding="utf-8"?>
 <p:sld xmlns:a="http://schemas.openxmlformats.org/drawingml/2006/main" xmlns:r="http://schemas.openxmlformats.org/officeDocument/2006/relationships" xmlns:p="http://schemas.openxmlformats.org/presentationml/2006/main">
   <p:cSld>
-    <p:bg>
-      <p:bgPr>
-        <a:solidFill>
-          <a:schemeClr val="bg1"/>
-        </a:solidFill>
-        <a:effectLst/>
-      </p:bgPr>
-    </p:bg>
     <p:spTree>
       <p:nvGrpSpPr>
         <p:cNvPr id="1" name=""/>
@@ -18257,14 +17508,6 @@
 <file path=ppt/slides/slide7.xml><?xml version="1.0" encoding="utf-8"?>
 <p:sld xmlns:a="http://schemas.openxmlformats.org/drawingml/2006/main" xmlns:r="http://schemas.openxmlformats.org/officeDocument/2006/relationships" xmlns:p="http://schemas.openxmlformats.org/presentationml/2006/main">
   <p:cSld>
-    <p:bg>
-      <p:bgPr>
-        <a:solidFill>
-          <a:schemeClr val="bg1"/>
-        </a:solidFill>
-        <a:effectLst/>
-      </p:bgPr>
-    </p:bg>
     <p:spTree>
       <p:nvGrpSpPr>
         <p:cNvPr id="1" name=""/>
@@ -18484,13 +17727,13 @@
   <p:clrMapOvr>
     <a:masterClrMapping/>
   </p:clrMapOvr>
-  <mc:AlternateContent xmlns:mc="http://schemas.openxmlformats.org/markup-compatibility/2006">
-    <mc:Choice xmlns:p14="http://schemas.microsoft.com/office/powerpoint/2010/main" Requires="p14">
+  <mc:AlternateContent xmlns:mc="http://schemas.openxmlformats.org/markup-compatibility/2006" xmlns:p14="http://schemas.microsoft.com/office/powerpoint/2010/main">
+    <mc:Choice Requires="p14">
       <p:transition spd="slow" p14:dur="1500">
         <p:push dir="u"/>
       </p:transition>
     </mc:Choice>
-    <mc:Fallback>
+    <mc:Fallback xmlns="">
       <p:transition spd="slow">
         <p:push dir="u"/>
       </p:transition>
@@ -18509,14 +17752,6 @@
 <file path=ppt/slides/slide8.xml><?xml version="1.0" encoding="utf-8"?>
 <p:sld xmlns:a="http://schemas.openxmlformats.org/drawingml/2006/main" xmlns:r="http://schemas.openxmlformats.org/officeDocument/2006/relationships" xmlns:p="http://schemas.openxmlformats.org/presentationml/2006/main">
   <p:cSld>
-    <p:bg>
-      <p:bgPr>
-        <a:solidFill>
-          <a:schemeClr val="bg1"/>
-        </a:solidFill>
-        <a:effectLst/>
-      </p:bgPr>
-    </p:bg>
     <p:spTree>
       <p:nvGrpSpPr>
         <p:cNvPr id="1" name=""/>
@@ -18917,14 +18152,6 @@
 <file path=ppt/slides/slide9.xml><?xml version="1.0" encoding="utf-8"?>
 <p:sld xmlns:a="http://schemas.openxmlformats.org/drawingml/2006/main" xmlns:r="http://schemas.openxmlformats.org/officeDocument/2006/relationships" xmlns:p="http://schemas.openxmlformats.org/presentationml/2006/main">
   <p:cSld>
-    <p:bg>
-      <p:bgPr>
-        <a:solidFill>
-          <a:schemeClr val="bg1"/>
-        </a:solidFill>
-        <a:effectLst/>
-      </p:bgPr>
-    </p:bg>
     <p:spTree>
       <p:nvGrpSpPr>
         <p:cNvPr id="1" name=""/>
@@ -19243,9 +18470,9 @@
 </file>
 
 <file path=ppt/theme/theme1.xml><?xml version="1.0" encoding="utf-8"?>
-<a:theme xmlns:a="http://schemas.openxmlformats.org/drawingml/2006/main" name="Mesh">
+<a:theme xmlns:a="http://schemas.openxmlformats.org/drawingml/2006/main" name="Slice">
   <a:themeElements>
-    <a:clrScheme name="Mesh">
+    <a:clrScheme name="Slice">
       <a:dk1>
         <a:sysClr val="windowText" lastClr="000000"/>
       </a:dk1>
@@ -19253,45 +18480,45 @@
         <a:sysClr val="window" lastClr="FFFFFF"/>
       </a:lt1>
       <a:dk2>
-        <a:srgbClr val="363D46"/>
+        <a:srgbClr val="146194"/>
       </a:dk2>
       <a:lt2>
-        <a:srgbClr val="EBEBEB"/>
+        <a:srgbClr val="76DBF4"/>
       </a:lt2>
       <a:accent1>
-        <a:srgbClr val="F4B54B"/>
+        <a:srgbClr val="052F61"/>
       </a:accent1>
       <a:accent2>
-        <a:srgbClr val="A2C84E"/>
+        <a:srgbClr val="A50E82"/>
       </a:accent2>
       <a:accent3>
-        <a:srgbClr val="4BC298"/>
+        <a:srgbClr val="14967C"/>
       </a:accent3>
       <a:accent4>
-        <a:srgbClr val="4CB5D3"/>
+        <a:srgbClr val="6A9E1F"/>
       </a:accent4>
       <a:accent5>
-        <a:srgbClr val="9167E3"/>
+        <a:srgbClr val="E87D37"/>
       </a:accent5>
       <a:accent6>
-        <a:srgbClr val="E05073"/>
+        <a:srgbClr val="C62324"/>
       </a:accent6>
       <a:hlink>
-        <a:srgbClr val="E19520"/>
+        <a:srgbClr val="0D2E46"/>
       </a:hlink>
       <a:folHlink>
-        <a:srgbClr val="E8B15D"/>
+        <a:srgbClr val="356A95"/>
       </a:folHlink>
     </a:clrScheme>
-    <a:fontScheme name="Mesh">
+    <a:fontScheme name="Slice">
       <a:majorFont>
         <a:latin typeface="Century Gothic" panose="020B0502020202020204"/>
         <a:ea typeface=""/>
         <a:cs typeface=""/>
-        <a:font script="Jpan" typeface="ＭＳ ゴシック"/>
-        <a:font script="Hang" typeface="맑은 고딕"/>
-        <a:font script="Hans" typeface="宋体"/>
-        <a:font script="Hant" typeface="新細明體"/>
+        <a:font script="Jpan" typeface="メイリオ"/>
+        <a:font script="Hang" typeface="HY중고딕"/>
+        <a:font script="Hans" typeface="幼圆"/>
+        <a:font script="Hant" typeface="微軟正黑體"/>
         <a:font script="Arab" typeface="Tahoma"/>
         <a:font script="Hebr" typeface="Gisha"/>
         <a:font script="Thai" typeface="DilleniaUPC"/>
@@ -19323,10 +18550,10 @@
         <a:latin typeface="Century Gothic" panose="020B0502020202020204"/>
         <a:ea typeface=""/>
         <a:cs typeface=""/>
-        <a:font script="Jpan" typeface="ＭＳ ゴシック"/>
-        <a:font script="Hang" typeface="맑은 고딕"/>
-        <a:font script="Hans" typeface="宋体"/>
-        <a:font script="Hant" typeface="新細明體"/>
+        <a:font script="Jpan" typeface="メイリオ"/>
+        <a:font script="Hang" typeface="HY중고딕"/>
+        <a:font script="Hans" typeface="幼圆"/>
+        <a:font script="Hant" typeface="微軟正黑體"/>
         <a:font script="Arab" typeface="Tahoma"/>
         <a:font script="Hebr" typeface="Gisha"/>
         <a:font script="Thai" typeface="DilleniaUPC"/>
@@ -19350,12 +18577,12 @@
         <a:font script="Laoo" typeface="DokChampa"/>
         <a:font script="Sinh" typeface="Iskoola Pota"/>
         <a:font script="Mong" typeface="Mongolian Baiti"/>
-        <a:font script="Viet" typeface="Verdana"/>
+        <a:font script="Viet" typeface="Tahoma"/>
         <a:font script="Uigh" typeface="Microsoft Uighur"/>
         <a:font script="Geor" typeface="Sylfaen"/>
       </a:minorFont>
     </a:fontScheme>
-    <a:fmtScheme name="Mesh">
+    <a:fmtScheme name="Slice">
       <a:fillStyleLst>
         <a:solidFill>
           <a:schemeClr val="phClr"/>
@@ -19364,13 +18591,16 @@
           <a:gsLst>
             <a:gs pos="0">
               <a:schemeClr val="phClr">
-                <a:tint val="60000"/>
+                <a:tint val="62000"/>
+                <a:hueMod val="94000"/>
+                <a:satMod val="140000"/>
                 <a:lumMod val="110000"/>
               </a:schemeClr>
             </a:gs>
             <a:gs pos="100000">
               <a:schemeClr val="phClr">
-                <a:tint val="82000"/>
+                <a:tint val="84000"/>
+                <a:satMod val="160000"/>
               </a:schemeClr>
             </a:gs>
           </a:gsLst>
@@ -19380,14 +18610,16 @@
           <a:gsLst>
             <a:gs pos="0">
               <a:schemeClr val="phClr">
-                <a:tint val="96000"/>
-                <a:lumMod val="104000"/>
+                <a:tint val="98000"/>
+                <a:hueMod val="94000"/>
+                <a:satMod val="130000"/>
+                <a:lumMod val="128000"/>
               </a:schemeClr>
             </a:gs>
             <a:gs pos="100000">
               <a:schemeClr val="phClr">
-                <a:shade val="84000"/>
-                <a:lumMod val="84000"/>
+                <a:shade val="94000"/>
+                <a:lumMod val="88000"/>
               </a:schemeClr>
             </a:gs>
           </a:gsLst>
@@ -19397,17 +18629,23 @@
       <a:lnStyleLst>
         <a:ln w="9525" cap="rnd" cmpd="sng" algn="ctr">
           <a:solidFill>
-            <a:schemeClr val="phClr"/>
+            <a:schemeClr val="phClr">
+              <a:tint val="76000"/>
+              <a:alpha val="60000"/>
+              <a:hueMod val="94000"/>
+            </a:schemeClr>
           </a:solidFill>
           <a:prstDash val="solid"/>
         </a:ln>
-        <a:ln w="19050" cap="rnd" cmpd="sng" algn="ctr">
+        <a:ln w="15875" cap="rnd" cmpd="sng" algn="ctr">
           <a:solidFill>
-            <a:schemeClr val="phClr"/>
+            <a:schemeClr val="phClr">
+              <a:hueMod val="94000"/>
+            </a:schemeClr>
           </a:solidFill>
           <a:prstDash val="solid"/>
         </a:ln>
-        <a:ln w="25400" cap="rnd" cmpd="sng" algn="ctr">
+        <a:ln w="28575" cap="rnd" cmpd="sng" algn="ctr">
           <a:solidFill>
             <a:schemeClr val="phClr"/>
           </a:solidFill>
@@ -19420,9 +18658,9 @@
         </a:effectStyle>
         <a:effectStyle>
           <a:effectLst>
-            <a:innerShdw blurRad="50800" dist="25400" dir="13500000">
+            <a:innerShdw blurRad="25400" dist="12700" dir="13500000">
               <a:srgbClr val="000000">
-                <a:alpha val="55000"/>
+                <a:alpha val="45000"/>
               </a:srgbClr>
             </a:innerShdw>
           </a:effectLst>
@@ -19431,7 +18669,7 @@
           <a:effectLst>
             <a:outerShdw blurRad="50800" dist="38100" dir="5400000" rotWithShape="0">
               <a:srgbClr val="000000">
-                <a:alpha val="60000"/>
+                <a:alpha val="46000"/>
               </a:srgbClr>
             </a:outerShdw>
           </a:effectLst>
@@ -19439,10 +18677,10 @@
             <a:camera prst="orthographicFront">
               <a:rot lat="0" lon="0" rev="0"/>
             </a:camera>
-            <a:lightRig rig="threePt" dir="tl"/>
+            <a:lightRig rig="threePt" dir="t"/>
           </a:scene3d>
-          <a:sp3d>
-            <a:bevelT w="25400" h="25400" prst="slope"/>
+          <a:sp3d prstMaterial="plastic">
+            <a:bevelT w="25400" h="25400"/>
           </a:sp3d>
         </a:effectStyle>
       </a:effectStyleLst>
@@ -19452,39 +18690,46 @@
         </a:solidFill>
         <a:gradFill rotWithShape="1">
           <a:gsLst>
-            <a:gs pos="0">
+            <a:gs pos="10000">
               <a:schemeClr val="phClr">
-                <a:tint val="90000"/>
-                <a:lumMod val="110000"/>
+                <a:tint val="97000"/>
+                <a:hueMod val="92000"/>
+                <a:satMod val="169000"/>
+                <a:lumMod val="164000"/>
               </a:schemeClr>
             </a:gs>
             <a:gs pos="100000">
               <a:schemeClr val="phClr">
-                <a:shade val="64000"/>
-                <a:lumMod val="98000"/>
+                <a:shade val="96000"/>
+                <a:satMod val="120000"/>
+                <a:lumMod val="90000"/>
               </a:schemeClr>
             </a:gs>
           </a:gsLst>
-          <a:lin ang="5400000" scaled="0"/>
+          <a:lin ang="6120000" scaled="1"/>
         </a:gradFill>
-        <a:blipFill rotWithShape="1">
-          <a:blip xmlns:r="http://schemas.openxmlformats.org/officeDocument/2006/relationships" r:embed="rId1">
-            <a:duotone>
+        <a:gradFill rotWithShape="1">
+          <a:gsLst>
+            <a:gs pos="0">
               <a:schemeClr val="phClr">
-                <a:shade val="28000"/>
-                <a:satMod val="94000"/>
-                <a:lumMod val="20000"/>
+                <a:tint val="97000"/>
+                <a:hueMod val="92000"/>
+                <a:satMod val="169000"/>
+                <a:lumMod val="164000"/>
               </a:schemeClr>
+            </a:gs>
+            <a:gs pos="100000">
               <a:schemeClr val="phClr">
-                <a:tint val="94000"/>
-                <a:shade val="84000"/>
-                <a:satMod val="148000"/>
-                <a:lumMod val="114000"/>
+                <a:shade val="96000"/>
+                <a:satMod val="120000"/>
+                <a:lumMod val="90000"/>
               </a:schemeClr>
-            </a:duotone>
-          </a:blip>
-          <a:stretch/>
-        </a:blipFill>
+            </a:gs>
+          </a:gsLst>
+          <a:path path="circle">
+            <a:fillToRect b="100000"/>
+          </a:path>
+        </a:gradFill>
       </a:bgFillStyleLst>
     </a:fmtScheme>
   </a:themeElements>
@@ -19492,7 +18737,7 @@
   <a:extraClrSchemeLst/>
   <a:extLst>
     <a:ext uri="{05A4C25C-085E-4340-85A3-A5531E510DB2}">
-      <thm15:themeFamily xmlns:thm15="http://schemas.microsoft.com/office/thememl/2012/main" name="Mesh" id="{789EC3FE-34FD-429C-9918-760025E6C145}" vid="{DD1DAD52-B525-46B5-8E87-60EE23581B9C}"/>
+      <thm15:themeFamily xmlns:thm15="http://schemas.microsoft.com/office/thememl/2012/main" name="Slice" id="{0507925B-6AC9-4358-8E18-C330545D08F8}" vid="{13FEC7C6-62A9-40C4-99D2-581AACACAA2F}"/>
     </a:ext>
   </a:extLst>
 </a:theme>
